--- a/docs/diagrams/UndoRedoNewCommand2StateListDiagram.pptx
+++ b/docs/diagrams/UndoRedoNewCommand2StateListDiagram.pptx
@@ -112,8 +112,65 @@
 </p:presentation>
 </file>
 
-<file path=ppt/revisionInfo.xml><?xml version="1.0" encoding="utf-8"?>
-<p1510:revInfo xmlns:a="http://schemas.openxmlformats.org/drawingml/2006/main" xmlns:r="http://schemas.openxmlformats.org/officeDocument/2006/relationships" xmlns:p1510="http://schemas.microsoft.com/office/powerpoint/2015/10/main"/>
+<file path=ppt/changesInfos/changesInfo1.xml><?xml version="1.0" encoding="utf-8"?>
+<pc:chgInfo xmlns:a="http://schemas.openxmlformats.org/drawingml/2006/main" xmlns:r="http://schemas.openxmlformats.org/officeDocument/2006/relationships" xmlns:ac="http://schemas.microsoft.com/office/drawing/2013/main/command" xmlns:pc="http://schemas.microsoft.com/office/powerpoint/2013/main/command">
+  <pc:docChgLst>
+    <pc:chgData name="Shengmin Leong" userId="075411cc4697ef0d" providerId="LiveId" clId="{4971F799-564D-478C-AAE3-CE710001CC4A}"/>
+    <pc:docChg chg="modSld">
+      <pc:chgData name="Shengmin Leong" userId="075411cc4697ef0d" providerId="LiveId" clId="{4971F799-564D-478C-AAE3-CE710001CC4A}" dt="2018-10-14T08:08:20.195" v="21" actId="20577"/>
+      <pc:docMkLst>
+        <pc:docMk/>
+      </pc:docMkLst>
+      <pc:sldChg chg="modSp">
+        <pc:chgData name="Shengmin Leong" userId="075411cc4697ef0d" providerId="LiveId" clId="{4971F799-564D-478C-AAE3-CE710001CC4A}" dt="2018-10-14T08:08:20.195" v="21" actId="20577"/>
+        <pc:sldMkLst>
+          <pc:docMk/>
+          <pc:sldMk cId="3338945851" sldId="256"/>
+        </pc:sldMkLst>
+        <pc:graphicFrameChg chg="mod modGraphic">
+          <ac:chgData name="Shengmin Leong" userId="075411cc4697ef0d" providerId="LiveId" clId="{4971F799-564D-478C-AAE3-CE710001CC4A}" dt="2018-10-14T08:08:10.604" v="13" actId="20577"/>
+          <ac:graphicFrameMkLst>
+            <pc:docMk/>
+            <pc:sldMk cId="3338945851" sldId="256"/>
+            <ac:graphicFrameMk id="15" creationId="{F545FAB8-F1CE-4886-9BDE-E772BCB0A9C4}"/>
+          </ac:graphicFrameMkLst>
+        </pc:graphicFrameChg>
+        <pc:graphicFrameChg chg="mod modGraphic">
+          <ac:chgData name="Shengmin Leong" userId="075411cc4697ef0d" providerId="LiveId" clId="{4971F799-564D-478C-AAE3-CE710001CC4A}" dt="2018-10-14T08:08:20.195" v="21" actId="20577"/>
+          <ac:graphicFrameMkLst>
+            <pc:docMk/>
+            <pc:sldMk cId="3338945851" sldId="256"/>
+            <ac:graphicFrameMk id="16" creationId="{F545FAB8-F1CE-4886-9BDE-E772BCB0A9C4}"/>
+          </ac:graphicFrameMkLst>
+        </pc:graphicFrameChg>
+        <pc:graphicFrameChg chg="modGraphic">
+          <ac:chgData name="Shengmin Leong" userId="075411cc4697ef0d" providerId="LiveId" clId="{4971F799-564D-478C-AAE3-CE710001CC4A}" dt="2018-10-14T08:08:16.949" v="19" actId="20577"/>
+          <ac:graphicFrameMkLst>
+            <pc:docMk/>
+            <pc:sldMk cId="3338945851" sldId="256"/>
+            <ac:graphicFrameMk id="17" creationId="{F545FAB8-F1CE-4886-9BDE-E772BCB0A9C4}"/>
+          </ac:graphicFrameMkLst>
+        </pc:graphicFrameChg>
+        <pc:graphicFrameChg chg="mod modGraphic">
+          <ac:chgData name="Shengmin Leong" userId="075411cc4697ef0d" providerId="LiveId" clId="{4971F799-564D-478C-AAE3-CE710001CC4A}" dt="2018-10-14T08:08:14.632" v="17" actId="20577"/>
+          <ac:graphicFrameMkLst>
+            <pc:docMk/>
+            <pc:sldMk cId="3338945851" sldId="256"/>
+            <ac:graphicFrameMk id="18" creationId="{F545FAB8-F1CE-4886-9BDE-E772BCB0A9C4}"/>
+          </ac:graphicFrameMkLst>
+        </pc:graphicFrameChg>
+        <pc:graphicFrameChg chg="mod modGraphic">
+          <ac:chgData name="Shengmin Leong" userId="075411cc4697ef0d" providerId="LiveId" clId="{4971F799-564D-478C-AAE3-CE710001CC4A}" dt="2018-10-14T08:08:12.728" v="15" actId="20577"/>
+          <ac:graphicFrameMkLst>
+            <pc:docMk/>
+            <pc:sldMk cId="3338945851" sldId="256"/>
+            <ac:graphicFrameMk id="25" creationId="{F545FAB8-F1CE-4886-9BDE-E772BCB0A9C4}"/>
+          </ac:graphicFrameMkLst>
+        </pc:graphicFrameChg>
+      </pc:sldChg>
+    </pc:docChg>
+  </pc:docChgLst>
+</pc:chgInfo>
 </file>
 
 <file path=ppt/slideLayouts/slideLayout1.xml><?xml version="1.0" encoding="utf-8"?>
@@ -265,7 +322,7 @@
           <a:p>
             <a:fld id="{03EC4E3E-8101-482F-A883-8B55DAFF7C07}" type="datetimeFigureOut">
               <a:rPr lang="en-SG" smtClean="0"/>
-              <a:t>6/7/2018</a:t>
+              <a:t>14/10/2018</a:t>
             </a:fld>
             <a:endParaRPr lang="en-SG"/>
           </a:p>
@@ -465,7 +522,7 @@
           <a:p>
             <a:fld id="{03EC4E3E-8101-482F-A883-8B55DAFF7C07}" type="datetimeFigureOut">
               <a:rPr lang="en-SG" smtClean="0"/>
-              <a:t>6/7/2018</a:t>
+              <a:t>14/10/2018</a:t>
             </a:fld>
             <a:endParaRPr lang="en-SG"/>
           </a:p>
@@ -675,7 +732,7 @@
           <a:p>
             <a:fld id="{03EC4E3E-8101-482F-A883-8B55DAFF7C07}" type="datetimeFigureOut">
               <a:rPr lang="en-SG" smtClean="0"/>
-              <a:t>6/7/2018</a:t>
+              <a:t>14/10/2018</a:t>
             </a:fld>
             <a:endParaRPr lang="en-SG"/>
           </a:p>
@@ -875,7 +932,7 @@
           <a:p>
             <a:fld id="{03EC4E3E-8101-482F-A883-8B55DAFF7C07}" type="datetimeFigureOut">
               <a:rPr lang="en-SG" smtClean="0"/>
-              <a:t>6/7/2018</a:t>
+              <a:t>14/10/2018</a:t>
             </a:fld>
             <a:endParaRPr lang="en-SG"/>
           </a:p>
@@ -1151,7 +1208,7 @@
           <a:p>
             <a:fld id="{03EC4E3E-8101-482F-A883-8B55DAFF7C07}" type="datetimeFigureOut">
               <a:rPr lang="en-SG" smtClean="0"/>
-              <a:t>6/7/2018</a:t>
+              <a:t>14/10/2018</a:t>
             </a:fld>
             <a:endParaRPr lang="en-SG"/>
           </a:p>
@@ -1419,7 +1476,7 @@
           <a:p>
             <a:fld id="{03EC4E3E-8101-482F-A883-8B55DAFF7C07}" type="datetimeFigureOut">
               <a:rPr lang="en-SG" smtClean="0"/>
-              <a:t>6/7/2018</a:t>
+              <a:t>14/10/2018</a:t>
             </a:fld>
             <a:endParaRPr lang="en-SG"/>
           </a:p>
@@ -1834,7 +1891,7 @@
           <a:p>
             <a:fld id="{03EC4E3E-8101-482F-A883-8B55DAFF7C07}" type="datetimeFigureOut">
               <a:rPr lang="en-SG" smtClean="0"/>
-              <a:t>6/7/2018</a:t>
+              <a:t>14/10/2018</a:t>
             </a:fld>
             <a:endParaRPr lang="en-SG"/>
           </a:p>
@@ -1976,7 +2033,7 @@
           <a:p>
             <a:fld id="{03EC4E3E-8101-482F-A883-8B55DAFF7C07}" type="datetimeFigureOut">
               <a:rPr lang="en-SG" smtClean="0"/>
-              <a:t>6/7/2018</a:t>
+              <a:t>14/10/2018</a:t>
             </a:fld>
             <a:endParaRPr lang="en-SG"/>
           </a:p>
@@ -2089,7 +2146,7 @@
           <a:p>
             <a:fld id="{03EC4E3E-8101-482F-A883-8B55DAFF7C07}" type="datetimeFigureOut">
               <a:rPr lang="en-SG" smtClean="0"/>
-              <a:t>6/7/2018</a:t>
+              <a:t>14/10/2018</a:t>
             </a:fld>
             <a:endParaRPr lang="en-SG"/>
           </a:p>
@@ -2402,7 +2459,7 @@
           <a:p>
             <a:fld id="{03EC4E3E-8101-482F-A883-8B55DAFF7C07}" type="datetimeFigureOut">
               <a:rPr lang="en-SG" smtClean="0"/>
-              <a:t>6/7/2018</a:t>
+              <a:t>14/10/2018</a:t>
             </a:fld>
             <a:endParaRPr lang="en-SG"/>
           </a:p>
@@ -2691,7 +2748,7 @@
           <a:p>
             <a:fld id="{03EC4E3E-8101-482F-A883-8B55DAFF7C07}" type="datetimeFigureOut">
               <a:rPr lang="en-SG" smtClean="0"/>
-              <a:t>6/7/2018</a:t>
+              <a:t>14/10/2018</a:t>
             </a:fld>
             <a:endParaRPr lang="en-SG"/>
           </a:p>
@@ -2934,7 +2991,7 @@
           <a:p>
             <a:fld id="{03EC4E3E-8101-482F-A883-8B55DAFF7C07}" type="datetimeFigureOut">
               <a:rPr lang="en-SG" smtClean="0"/>
-              <a:t>6/7/2018</a:t>
+              <a:t>14/10/2018</a:t>
             </a:fld>
             <a:endParaRPr lang="en-SG"/>
           </a:p>
@@ -3454,7 +3511,7 @@
           <p:nvPr>
             <p:extLst>
               <p:ext uri="{D42A27DB-BD31-4B8C-83A1-F6EECF244321}">
-                <p14:modId xmlns:p14="http://schemas.microsoft.com/office/powerpoint/2010/main" val="3571951523"/>
+                <p14:modId xmlns:p14="http://schemas.microsoft.com/office/powerpoint/2010/main" val="1113212876"/>
               </p:ext>
             </p:extLst>
           </p:nvPr>
@@ -3486,11 +3543,11 @@
                     <a:p>
                       <a:r>
                         <a:rPr lang="en-SG" u="sng" dirty="0"/>
-                        <a:t>ab0:A</a:t>
+                        <a:t>wb0:Wish</a:t>
                       </a:r>
                       <a:r>
                         <a:rPr lang="en-SG" sz="1800" u="sng" dirty="0"/>
-                        <a:t>ddressBook</a:t>
+                        <a:t>Book</a:t>
                       </a:r>
                       <a:endParaRPr lang="en-SG" sz="1600" u="sng" dirty="0"/>
                     </a:p>
@@ -3658,7 +3715,7 @@
           <p:nvPr>
             <p:extLst>
               <p:ext uri="{D42A27DB-BD31-4B8C-83A1-F6EECF244321}">
-                <p14:modId xmlns:p14="http://schemas.microsoft.com/office/powerpoint/2010/main" val="2341913009"/>
+                <p14:modId xmlns:p14="http://schemas.microsoft.com/office/powerpoint/2010/main" val="707688489"/>
               </p:ext>
             </p:extLst>
           </p:nvPr>
@@ -3690,11 +3747,11 @@
                     <a:p>
                       <a:r>
                         <a:rPr lang="en-SG" u="sng" dirty="0"/>
-                        <a:t>ab1:A</a:t>
+                        <a:t>wb1:Wish</a:t>
                       </a:r>
                       <a:r>
                         <a:rPr lang="en-SG" sz="1800" u="sng" dirty="0"/>
-                        <a:t>ddressBook</a:t>
+                        <a:t>Book</a:t>
                       </a:r>
                       <a:endParaRPr lang="en-SG" sz="1600" u="sng" dirty="0"/>
                     </a:p>
@@ -3726,7 +3783,7 @@
           <p:nvPr>
             <p:extLst>
               <p:ext uri="{D42A27DB-BD31-4B8C-83A1-F6EECF244321}">
-                <p14:modId xmlns:p14="http://schemas.microsoft.com/office/powerpoint/2010/main" val="2172716932"/>
+                <p14:modId xmlns:p14="http://schemas.microsoft.com/office/powerpoint/2010/main" val="1037294842"/>
               </p:ext>
             </p:extLst>
           </p:nvPr>
@@ -3757,12 +3814,20 @@
                     <a:lstStyle/>
                     <a:p>
                       <a:r>
-                        <a:rPr lang="en-SG" u="sng"/>
-                        <a:t>ab2:A</a:t>
+                        <a:rPr lang="en-SG" u="sng" dirty="0"/>
+                        <a:t>w</a:t>
                       </a:r>
                       <a:r>
-                        <a:rPr lang="en-SG" sz="1800" u="sng"/>
-                        <a:t>ddressBook</a:t>
+                        <a:rPr lang="en-SG" u="sng"/>
+                        <a:t>b2</a:t>
+                      </a:r>
+                      <a:r>
+                        <a:rPr lang="en-SG" u="sng" dirty="0"/>
+                        <a:t>:Wish</a:t>
+                      </a:r>
+                      <a:r>
+                        <a:rPr lang="en-SG" sz="1800" u="sng" dirty="0"/>
+                        <a:t>Book</a:t>
                       </a:r>
                       <a:endParaRPr lang="en-SG" sz="1600" u="sng" dirty="0"/>
                     </a:p>
@@ -3794,7 +3859,7 @@
           <p:nvPr>
             <p:extLst>
               <p:ext uri="{D42A27DB-BD31-4B8C-83A1-F6EECF244321}">
-                <p14:modId xmlns:p14="http://schemas.microsoft.com/office/powerpoint/2010/main" val="4094059841"/>
+                <p14:modId xmlns:p14="http://schemas.microsoft.com/office/powerpoint/2010/main" val="4185497072"/>
               </p:ext>
             </p:extLst>
           </p:nvPr>
@@ -3826,11 +3891,11 @@
                     <a:p>
                       <a:r>
                         <a:rPr lang="en-SG" u="sng" dirty="0"/>
-                        <a:t>ab1:A</a:t>
+                        <a:t>wb1:Wish</a:t>
                       </a:r>
                       <a:r>
                         <a:rPr lang="en-SG" sz="1800" u="sng" dirty="0"/>
-                        <a:t>ddressBook</a:t>
+                        <a:t>Book</a:t>
                       </a:r>
                       <a:endParaRPr lang="en-SG" sz="1600" u="sng" dirty="0"/>
                     </a:p>
@@ -3862,7 +3927,7 @@
           <p:nvPr>
             <p:extLst>
               <p:ext uri="{D42A27DB-BD31-4B8C-83A1-F6EECF244321}">
-                <p14:modId xmlns:p14="http://schemas.microsoft.com/office/powerpoint/2010/main" val="3467820198"/>
+                <p14:modId xmlns:p14="http://schemas.microsoft.com/office/powerpoint/2010/main" val="1937301381"/>
               </p:ext>
             </p:extLst>
           </p:nvPr>
@@ -3894,11 +3959,11 @@
                     <a:p>
                       <a:r>
                         <a:rPr lang="en-SG" u="sng" dirty="0"/>
-                        <a:t>ab0:A</a:t>
+                        <a:t>wb0:Wish</a:t>
                       </a:r>
                       <a:r>
                         <a:rPr lang="en-SG" sz="1800" u="sng" dirty="0"/>
-                        <a:t>ddressBook</a:t>
+                        <a:t>Book</a:t>
                       </a:r>
                       <a:endParaRPr lang="en-SG" sz="1600" u="sng" dirty="0"/>
                     </a:p>

--- a/docs/diagrams/UndoRedoNewCommand2StateListDiagram.pptx
+++ b/docs/diagrams/UndoRedoNewCommand2StateListDiagram.pptx
@@ -112,8 +112,73 @@
 </p:presentation>
 </file>
 
-<file path=ppt/revisionInfo.xml><?xml version="1.0" encoding="utf-8"?>
-<p1510:revInfo xmlns:a="http://schemas.openxmlformats.org/drawingml/2006/main" xmlns:r="http://schemas.openxmlformats.org/officeDocument/2006/relationships" xmlns:p1510="http://schemas.microsoft.com/office/powerpoint/2015/10/main"/>
+<file path=ppt/changesInfos/changesInfo1.xml><?xml version="1.0" encoding="utf-8"?>
+<pc:chgInfo xmlns:a="http://schemas.openxmlformats.org/drawingml/2006/main" xmlns:r="http://schemas.openxmlformats.org/officeDocument/2006/relationships" xmlns:ac="http://schemas.microsoft.com/office/drawing/2013/main/command" xmlns:pc="http://schemas.microsoft.com/office/powerpoint/2013/main/command">
+  <pc:docChgLst>
+    <pc:chgData name="Lionel Tan Junzer" userId="04b849c6f1991e6b" providerId="LiveId" clId="{62E7F1BA-CC35-410D-AF8F-986DBC423C02}"/>
+    <pc:docChg chg="modSld">
+      <pc:chgData name="Lionel Tan Junzer" userId="04b849c6f1991e6b" providerId="LiveId" clId="{62E7F1BA-CC35-410D-AF8F-986DBC423C02}" dt="2018-10-15T06:25:17.286" v="82" actId="20577"/>
+      <pc:docMkLst>
+        <pc:docMk/>
+      </pc:docMkLst>
+      <pc:sldChg chg="modSp">
+        <pc:chgData name="Lionel Tan Junzer" userId="04b849c6f1991e6b" providerId="LiveId" clId="{62E7F1BA-CC35-410D-AF8F-986DBC423C02}" dt="2018-10-15T06:25:17.286" v="82" actId="20577"/>
+        <pc:sldMkLst>
+          <pc:docMk/>
+          <pc:sldMk cId="3338945851" sldId="256"/>
+        </pc:sldMkLst>
+        <pc:spChg chg="mod">
+          <ac:chgData name="Lionel Tan Junzer" userId="04b849c6f1991e6b" providerId="LiveId" clId="{62E7F1BA-CC35-410D-AF8F-986DBC423C02}" dt="2018-10-15T06:24:42.570" v="13" actId="14100"/>
+          <ac:spMkLst>
+            <pc:docMk/>
+            <pc:sldMk cId="3338945851" sldId="256"/>
+            <ac:spMk id="50" creationId="{00000000-0000-0000-0000-000000000000}"/>
+          </ac:spMkLst>
+        </pc:spChg>
+        <pc:graphicFrameChg chg="modGraphic">
+          <ac:chgData name="Lionel Tan Junzer" userId="04b849c6f1991e6b" providerId="LiveId" clId="{62E7F1BA-CC35-410D-AF8F-986DBC423C02}" dt="2018-10-15T06:24:51.071" v="26" actId="20577"/>
+          <ac:graphicFrameMkLst>
+            <pc:docMk/>
+            <pc:sldMk cId="3338945851" sldId="256"/>
+            <ac:graphicFrameMk id="15" creationId="{F545FAB8-F1CE-4886-9BDE-E772BCB0A9C4}"/>
+          </ac:graphicFrameMkLst>
+        </pc:graphicFrameChg>
+        <pc:graphicFrameChg chg="modGraphic">
+          <ac:chgData name="Lionel Tan Junzer" userId="04b849c6f1991e6b" providerId="LiveId" clId="{62E7F1BA-CC35-410D-AF8F-986DBC423C02}" dt="2018-10-15T06:25:17.286" v="82" actId="20577"/>
+          <ac:graphicFrameMkLst>
+            <pc:docMk/>
+            <pc:sldMk cId="3338945851" sldId="256"/>
+            <ac:graphicFrameMk id="16" creationId="{F545FAB8-F1CE-4886-9BDE-E772BCB0A9C4}"/>
+          </ac:graphicFrameMkLst>
+        </pc:graphicFrameChg>
+        <pc:graphicFrameChg chg="modGraphic">
+          <ac:chgData name="Lionel Tan Junzer" userId="04b849c6f1991e6b" providerId="LiveId" clId="{62E7F1BA-CC35-410D-AF8F-986DBC423C02}" dt="2018-10-15T06:25:11.567" v="69" actId="20577"/>
+          <ac:graphicFrameMkLst>
+            <pc:docMk/>
+            <pc:sldMk cId="3338945851" sldId="256"/>
+            <ac:graphicFrameMk id="17" creationId="{F545FAB8-F1CE-4886-9BDE-E772BCB0A9C4}"/>
+          </ac:graphicFrameMkLst>
+        </pc:graphicFrameChg>
+        <pc:graphicFrameChg chg="modGraphic">
+          <ac:chgData name="Lionel Tan Junzer" userId="04b849c6f1991e6b" providerId="LiveId" clId="{62E7F1BA-CC35-410D-AF8F-986DBC423C02}" dt="2018-10-15T06:25:05.317" v="52" actId="20577"/>
+          <ac:graphicFrameMkLst>
+            <pc:docMk/>
+            <pc:sldMk cId="3338945851" sldId="256"/>
+            <ac:graphicFrameMk id="18" creationId="{F545FAB8-F1CE-4886-9BDE-E772BCB0A9C4}"/>
+          </ac:graphicFrameMkLst>
+        </pc:graphicFrameChg>
+        <pc:graphicFrameChg chg="modGraphic">
+          <ac:chgData name="Lionel Tan Junzer" userId="04b849c6f1991e6b" providerId="LiveId" clId="{62E7F1BA-CC35-410D-AF8F-986DBC423C02}" dt="2018-10-15T06:24:56.534" v="39" actId="20577"/>
+          <ac:graphicFrameMkLst>
+            <pc:docMk/>
+            <pc:sldMk cId="3338945851" sldId="256"/>
+            <ac:graphicFrameMk id="25" creationId="{F545FAB8-F1CE-4886-9BDE-E772BCB0A9C4}"/>
+          </ac:graphicFrameMkLst>
+        </pc:graphicFrameChg>
+      </pc:sldChg>
+    </pc:docChg>
+  </pc:docChgLst>
+</pc:chgInfo>
 </file>
 
 <file path=ppt/slideLayouts/slideLayout1.xml><?xml version="1.0" encoding="utf-8"?>
@@ -265,7 +330,7 @@
           <a:p>
             <a:fld id="{03EC4E3E-8101-482F-A883-8B55DAFF7C07}" type="datetimeFigureOut">
               <a:rPr lang="en-SG" smtClean="0"/>
-              <a:t>6/7/2018</a:t>
+              <a:t>15/10/2018</a:t>
             </a:fld>
             <a:endParaRPr lang="en-SG"/>
           </a:p>
@@ -465,7 +530,7 @@
           <a:p>
             <a:fld id="{03EC4E3E-8101-482F-A883-8B55DAFF7C07}" type="datetimeFigureOut">
               <a:rPr lang="en-SG" smtClean="0"/>
-              <a:t>6/7/2018</a:t>
+              <a:t>15/10/2018</a:t>
             </a:fld>
             <a:endParaRPr lang="en-SG"/>
           </a:p>
@@ -675,7 +740,7 @@
           <a:p>
             <a:fld id="{03EC4E3E-8101-482F-A883-8B55DAFF7C07}" type="datetimeFigureOut">
               <a:rPr lang="en-SG" smtClean="0"/>
-              <a:t>6/7/2018</a:t>
+              <a:t>15/10/2018</a:t>
             </a:fld>
             <a:endParaRPr lang="en-SG"/>
           </a:p>
@@ -875,7 +940,7 @@
           <a:p>
             <a:fld id="{03EC4E3E-8101-482F-A883-8B55DAFF7C07}" type="datetimeFigureOut">
               <a:rPr lang="en-SG" smtClean="0"/>
-              <a:t>6/7/2018</a:t>
+              <a:t>15/10/2018</a:t>
             </a:fld>
             <a:endParaRPr lang="en-SG"/>
           </a:p>
@@ -1151,7 +1216,7 @@
           <a:p>
             <a:fld id="{03EC4E3E-8101-482F-A883-8B55DAFF7C07}" type="datetimeFigureOut">
               <a:rPr lang="en-SG" smtClean="0"/>
-              <a:t>6/7/2018</a:t>
+              <a:t>15/10/2018</a:t>
             </a:fld>
             <a:endParaRPr lang="en-SG"/>
           </a:p>
@@ -1419,7 +1484,7 @@
           <a:p>
             <a:fld id="{03EC4E3E-8101-482F-A883-8B55DAFF7C07}" type="datetimeFigureOut">
               <a:rPr lang="en-SG" smtClean="0"/>
-              <a:t>6/7/2018</a:t>
+              <a:t>15/10/2018</a:t>
             </a:fld>
             <a:endParaRPr lang="en-SG"/>
           </a:p>
@@ -1834,7 +1899,7 @@
           <a:p>
             <a:fld id="{03EC4E3E-8101-482F-A883-8B55DAFF7C07}" type="datetimeFigureOut">
               <a:rPr lang="en-SG" smtClean="0"/>
-              <a:t>6/7/2018</a:t>
+              <a:t>15/10/2018</a:t>
             </a:fld>
             <a:endParaRPr lang="en-SG"/>
           </a:p>
@@ -1976,7 +2041,7 @@
           <a:p>
             <a:fld id="{03EC4E3E-8101-482F-A883-8B55DAFF7C07}" type="datetimeFigureOut">
               <a:rPr lang="en-SG" smtClean="0"/>
-              <a:t>6/7/2018</a:t>
+              <a:t>15/10/2018</a:t>
             </a:fld>
             <a:endParaRPr lang="en-SG"/>
           </a:p>
@@ -2089,7 +2154,7 @@
           <a:p>
             <a:fld id="{03EC4E3E-8101-482F-A883-8B55DAFF7C07}" type="datetimeFigureOut">
               <a:rPr lang="en-SG" smtClean="0"/>
-              <a:t>6/7/2018</a:t>
+              <a:t>15/10/2018</a:t>
             </a:fld>
             <a:endParaRPr lang="en-SG"/>
           </a:p>
@@ -2402,7 +2467,7 @@
           <a:p>
             <a:fld id="{03EC4E3E-8101-482F-A883-8B55DAFF7C07}" type="datetimeFigureOut">
               <a:rPr lang="en-SG" smtClean="0"/>
-              <a:t>6/7/2018</a:t>
+              <a:t>15/10/2018</a:t>
             </a:fld>
             <a:endParaRPr lang="en-SG"/>
           </a:p>
@@ -2691,7 +2756,7 @@
           <a:p>
             <a:fld id="{03EC4E3E-8101-482F-A883-8B55DAFF7C07}" type="datetimeFigureOut">
               <a:rPr lang="en-SG" smtClean="0"/>
-              <a:t>6/7/2018</a:t>
+              <a:t>15/10/2018</a:t>
             </a:fld>
             <a:endParaRPr lang="en-SG"/>
           </a:p>
@@ -2934,7 +2999,7 @@
           <a:p>
             <a:fld id="{03EC4E3E-8101-482F-A883-8B55DAFF7C07}" type="datetimeFigureOut">
               <a:rPr lang="en-SG" smtClean="0"/>
-              <a:t>6/7/2018</a:t>
+              <a:t>15/10/2018</a:t>
             </a:fld>
             <a:endParaRPr lang="en-SG"/>
           </a:p>
@@ -3359,8 +3424,8 @@
         </p:nvSpPr>
         <p:spPr>
           <a:xfrm>
-            <a:off x="5129284" y="2264095"/>
-            <a:ext cx="1933431" cy="1383977"/>
+            <a:off x="5129283" y="2264095"/>
+            <a:ext cx="2185916" cy="1383977"/>
           </a:xfrm>
           <a:prstGeom prst="downArrow">
             <a:avLst/>
@@ -3389,7 +3454,7 @@
             <a:pPr algn="ctr"/>
             <a:r>
               <a:rPr lang="en-SG" dirty="0"/>
-              <a:t>Add n/David… </a:t>
+              <a:t>Add n/iPhone… </a:t>
             </a:r>
             <a:endParaRPr lang="en-US" dirty="0"/>
           </a:p>
@@ -3454,7 +3519,7 @@
           <p:nvPr>
             <p:extLst>
               <p:ext uri="{D42A27DB-BD31-4B8C-83A1-F6EECF244321}">
-                <p14:modId xmlns:p14="http://schemas.microsoft.com/office/powerpoint/2010/main" val="3571951523"/>
+                <p14:modId xmlns:p14="http://schemas.microsoft.com/office/powerpoint/2010/main" val="3241285156"/>
               </p:ext>
             </p:extLst>
           </p:nvPr>
@@ -3486,11 +3551,11 @@
                     <a:p>
                       <a:r>
                         <a:rPr lang="en-SG" u="sng" dirty="0"/>
-                        <a:t>ab0:A</a:t>
+                        <a:t>wb0:Wish</a:t>
                       </a:r>
                       <a:r>
                         <a:rPr lang="en-SG" sz="1800" u="sng" dirty="0"/>
-                        <a:t>ddressBook</a:t>
+                        <a:t>Book</a:t>
                       </a:r>
                       <a:endParaRPr lang="en-SG" sz="1600" u="sng" dirty="0"/>
                     </a:p>
@@ -3658,7 +3723,7 @@
           <p:nvPr>
             <p:extLst>
               <p:ext uri="{D42A27DB-BD31-4B8C-83A1-F6EECF244321}">
-                <p14:modId xmlns:p14="http://schemas.microsoft.com/office/powerpoint/2010/main" val="2341913009"/>
+                <p14:modId xmlns:p14="http://schemas.microsoft.com/office/powerpoint/2010/main" val="2021137140"/>
               </p:ext>
             </p:extLst>
           </p:nvPr>
@@ -3690,11 +3755,11 @@
                     <a:p>
                       <a:r>
                         <a:rPr lang="en-SG" u="sng" dirty="0"/>
-                        <a:t>ab1:A</a:t>
+                        <a:t>wb1:Wish</a:t>
                       </a:r>
                       <a:r>
                         <a:rPr lang="en-SG" sz="1800" u="sng" dirty="0"/>
-                        <a:t>ddressBook</a:t>
+                        <a:t>Book</a:t>
                       </a:r>
                       <a:endParaRPr lang="en-SG" sz="1600" u="sng" dirty="0"/>
                     </a:p>
@@ -3726,7 +3791,7 @@
           <p:nvPr>
             <p:extLst>
               <p:ext uri="{D42A27DB-BD31-4B8C-83A1-F6EECF244321}">
-                <p14:modId xmlns:p14="http://schemas.microsoft.com/office/powerpoint/2010/main" val="2172716932"/>
+                <p14:modId xmlns:p14="http://schemas.microsoft.com/office/powerpoint/2010/main" val="4258640018"/>
               </p:ext>
             </p:extLst>
           </p:nvPr>
@@ -3758,11 +3823,11 @@
                     <a:p>
                       <a:r>
                         <a:rPr lang="en-SG" u="sng"/>
-                        <a:t>ab2:A</a:t>
+                        <a:t>wb2:Wish</a:t>
                       </a:r>
                       <a:r>
                         <a:rPr lang="en-SG" sz="1800" u="sng"/>
-                        <a:t>ddressBook</a:t>
+                        <a:t>Book</a:t>
                       </a:r>
                       <a:endParaRPr lang="en-SG" sz="1600" u="sng" dirty="0"/>
                     </a:p>
@@ -3794,7 +3859,7 @@
           <p:nvPr>
             <p:extLst>
               <p:ext uri="{D42A27DB-BD31-4B8C-83A1-F6EECF244321}">
-                <p14:modId xmlns:p14="http://schemas.microsoft.com/office/powerpoint/2010/main" val="4094059841"/>
+                <p14:modId xmlns:p14="http://schemas.microsoft.com/office/powerpoint/2010/main" val="2823116572"/>
               </p:ext>
             </p:extLst>
           </p:nvPr>
@@ -3826,11 +3891,11 @@
                     <a:p>
                       <a:r>
                         <a:rPr lang="en-SG" u="sng" dirty="0"/>
-                        <a:t>ab1:A</a:t>
+                        <a:t>wb1:Wish</a:t>
                       </a:r>
                       <a:r>
                         <a:rPr lang="en-SG" sz="1800" u="sng" dirty="0"/>
-                        <a:t>ddressBook</a:t>
+                        <a:t>Book</a:t>
                       </a:r>
                       <a:endParaRPr lang="en-SG" sz="1600" u="sng" dirty="0"/>
                     </a:p>
@@ -3862,7 +3927,7 @@
           <p:nvPr>
             <p:extLst>
               <p:ext uri="{D42A27DB-BD31-4B8C-83A1-F6EECF244321}">
-                <p14:modId xmlns:p14="http://schemas.microsoft.com/office/powerpoint/2010/main" val="3467820198"/>
+                <p14:modId xmlns:p14="http://schemas.microsoft.com/office/powerpoint/2010/main" val="1207022593"/>
               </p:ext>
             </p:extLst>
           </p:nvPr>
@@ -3894,11 +3959,11 @@
                     <a:p>
                       <a:r>
                         <a:rPr lang="en-SG" u="sng" dirty="0"/>
-                        <a:t>ab0:A</a:t>
+                        <a:t>wb0:Wish</a:t>
                       </a:r>
                       <a:r>
                         <a:rPr lang="en-SG" sz="1800" u="sng" dirty="0"/>
-                        <a:t>ddressBook</a:t>
+                        <a:t>Book</a:t>
                       </a:r>
                       <a:endParaRPr lang="en-SG" sz="1600" u="sng" dirty="0"/>
                     </a:p>

--- a/docs/diagrams/UndoRedoNewCommand2StateListDiagram.pptx
+++ b/docs/diagrams/UndoRedoNewCommand2StateListDiagram.pptx
@@ -112,65 +112,8 @@
 </p:presentation>
 </file>
 
-<file path=ppt/changesInfos/changesInfo1.xml><?xml version="1.0" encoding="utf-8"?>
-<pc:chgInfo xmlns:a="http://schemas.openxmlformats.org/drawingml/2006/main" xmlns:r="http://schemas.openxmlformats.org/officeDocument/2006/relationships" xmlns:ac="http://schemas.microsoft.com/office/drawing/2013/main/command" xmlns:pc="http://schemas.microsoft.com/office/powerpoint/2013/main/command">
-  <pc:docChgLst>
-    <pc:chgData name="Shengmin Leong" userId="075411cc4697ef0d" providerId="LiveId" clId="{4971F799-564D-478C-AAE3-CE710001CC4A}"/>
-    <pc:docChg chg="modSld">
-      <pc:chgData name="Shengmin Leong" userId="075411cc4697ef0d" providerId="LiveId" clId="{4971F799-564D-478C-AAE3-CE710001CC4A}" dt="2018-10-14T08:08:20.195" v="21" actId="20577"/>
-      <pc:docMkLst>
-        <pc:docMk/>
-      </pc:docMkLst>
-      <pc:sldChg chg="modSp">
-        <pc:chgData name="Shengmin Leong" userId="075411cc4697ef0d" providerId="LiveId" clId="{4971F799-564D-478C-AAE3-CE710001CC4A}" dt="2018-10-14T08:08:20.195" v="21" actId="20577"/>
-        <pc:sldMkLst>
-          <pc:docMk/>
-          <pc:sldMk cId="3338945851" sldId="256"/>
-        </pc:sldMkLst>
-        <pc:graphicFrameChg chg="mod modGraphic">
-          <ac:chgData name="Shengmin Leong" userId="075411cc4697ef0d" providerId="LiveId" clId="{4971F799-564D-478C-AAE3-CE710001CC4A}" dt="2018-10-14T08:08:10.604" v="13" actId="20577"/>
-          <ac:graphicFrameMkLst>
-            <pc:docMk/>
-            <pc:sldMk cId="3338945851" sldId="256"/>
-            <ac:graphicFrameMk id="15" creationId="{F545FAB8-F1CE-4886-9BDE-E772BCB0A9C4}"/>
-          </ac:graphicFrameMkLst>
-        </pc:graphicFrameChg>
-        <pc:graphicFrameChg chg="mod modGraphic">
-          <ac:chgData name="Shengmin Leong" userId="075411cc4697ef0d" providerId="LiveId" clId="{4971F799-564D-478C-AAE3-CE710001CC4A}" dt="2018-10-14T08:08:20.195" v="21" actId="20577"/>
-          <ac:graphicFrameMkLst>
-            <pc:docMk/>
-            <pc:sldMk cId="3338945851" sldId="256"/>
-            <ac:graphicFrameMk id="16" creationId="{F545FAB8-F1CE-4886-9BDE-E772BCB0A9C4}"/>
-          </ac:graphicFrameMkLst>
-        </pc:graphicFrameChg>
-        <pc:graphicFrameChg chg="modGraphic">
-          <ac:chgData name="Shengmin Leong" userId="075411cc4697ef0d" providerId="LiveId" clId="{4971F799-564D-478C-AAE3-CE710001CC4A}" dt="2018-10-14T08:08:16.949" v="19" actId="20577"/>
-          <ac:graphicFrameMkLst>
-            <pc:docMk/>
-            <pc:sldMk cId="3338945851" sldId="256"/>
-            <ac:graphicFrameMk id="17" creationId="{F545FAB8-F1CE-4886-9BDE-E772BCB0A9C4}"/>
-          </ac:graphicFrameMkLst>
-        </pc:graphicFrameChg>
-        <pc:graphicFrameChg chg="mod modGraphic">
-          <ac:chgData name="Shengmin Leong" userId="075411cc4697ef0d" providerId="LiveId" clId="{4971F799-564D-478C-AAE3-CE710001CC4A}" dt="2018-10-14T08:08:14.632" v="17" actId="20577"/>
-          <ac:graphicFrameMkLst>
-            <pc:docMk/>
-            <pc:sldMk cId="3338945851" sldId="256"/>
-            <ac:graphicFrameMk id="18" creationId="{F545FAB8-F1CE-4886-9BDE-E772BCB0A9C4}"/>
-          </ac:graphicFrameMkLst>
-        </pc:graphicFrameChg>
-        <pc:graphicFrameChg chg="mod modGraphic">
-          <ac:chgData name="Shengmin Leong" userId="075411cc4697ef0d" providerId="LiveId" clId="{4971F799-564D-478C-AAE3-CE710001CC4A}" dt="2018-10-14T08:08:12.728" v="15" actId="20577"/>
-          <ac:graphicFrameMkLst>
-            <pc:docMk/>
-            <pc:sldMk cId="3338945851" sldId="256"/>
-            <ac:graphicFrameMk id="25" creationId="{F545FAB8-F1CE-4886-9BDE-E772BCB0A9C4}"/>
-          </ac:graphicFrameMkLst>
-        </pc:graphicFrameChg>
-      </pc:sldChg>
-    </pc:docChg>
-  </pc:docChgLst>
-</pc:chgInfo>
+<file path=ppt/revisionInfo.xml><?xml version="1.0" encoding="utf-8"?>
+<p1510:revInfo xmlns:a="http://schemas.openxmlformats.org/drawingml/2006/main" xmlns:r="http://schemas.openxmlformats.org/officeDocument/2006/relationships" xmlns:p1510="http://schemas.microsoft.com/office/powerpoint/2015/10/main"/>
 </file>
 
 <file path=ppt/slideLayouts/slideLayout1.xml><?xml version="1.0" encoding="utf-8"?>
@@ -322,7 +265,7 @@
           <a:p>
             <a:fld id="{03EC4E3E-8101-482F-A883-8B55DAFF7C07}" type="datetimeFigureOut">
               <a:rPr lang="en-SG" smtClean="0"/>
-              <a:t>14/10/2018</a:t>
+              <a:t>6/7/2018</a:t>
             </a:fld>
             <a:endParaRPr lang="en-SG"/>
           </a:p>
@@ -522,7 +465,7 @@
           <a:p>
             <a:fld id="{03EC4E3E-8101-482F-A883-8B55DAFF7C07}" type="datetimeFigureOut">
               <a:rPr lang="en-SG" smtClean="0"/>
-              <a:t>14/10/2018</a:t>
+              <a:t>6/7/2018</a:t>
             </a:fld>
             <a:endParaRPr lang="en-SG"/>
           </a:p>
@@ -732,7 +675,7 @@
           <a:p>
             <a:fld id="{03EC4E3E-8101-482F-A883-8B55DAFF7C07}" type="datetimeFigureOut">
               <a:rPr lang="en-SG" smtClean="0"/>
-              <a:t>14/10/2018</a:t>
+              <a:t>6/7/2018</a:t>
             </a:fld>
             <a:endParaRPr lang="en-SG"/>
           </a:p>
@@ -932,7 +875,7 @@
           <a:p>
             <a:fld id="{03EC4E3E-8101-482F-A883-8B55DAFF7C07}" type="datetimeFigureOut">
               <a:rPr lang="en-SG" smtClean="0"/>
-              <a:t>14/10/2018</a:t>
+              <a:t>6/7/2018</a:t>
             </a:fld>
             <a:endParaRPr lang="en-SG"/>
           </a:p>
@@ -1208,7 +1151,7 @@
           <a:p>
             <a:fld id="{03EC4E3E-8101-482F-A883-8B55DAFF7C07}" type="datetimeFigureOut">
               <a:rPr lang="en-SG" smtClean="0"/>
-              <a:t>14/10/2018</a:t>
+              <a:t>6/7/2018</a:t>
             </a:fld>
             <a:endParaRPr lang="en-SG"/>
           </a:p>
@@ -1476,7 +1419,7 @@
           <a:p>
             <a:fld id="{03EC4E3E-8101-482F-A883-8B55DAFF7C07}" type="datetimeFigureOut">
               <a:rPr lang="en-SG" smtClean="0"/>
-              <a:t>14/10/2018</a:t>
+              <a:t>6/7/2018</a:t>
             </a:fld>
             <a:endParaRPr lang="en-SG"/>
           </a:p>
@@ -1891,7 +1834,7 @@
           <a:p>
             <a:fld id="{03EC4E3E-8101-482F-A883-8B55DAFF7C07}" type="datetimeFigureOut">
               <a:rPr lang="en-SG" smtClean="0"/>
-              <a:t>14/10/2018</a:t>
+              <a:t>6/7/2018</a:t>
             </a:fld>
             <a:endParaRPr lang="en-SG"/>
           </a:p>
@@ -2033,7 +1976,7 @@
           <a:p>
             <a:fld id="{03EC4E3E-8101-482F-A883-8B55DAFF7C07}" type="datetimeFigureOut">
               <a:rPr lang="en-SG" smtClean="0"/>
-              <a:t>14/10/2018</a:t>
+              <a:t>6/7/2018</a:t>
             </a:fld>
             <a:endParaRPr lang="en-SG"/>
           </a:p>
@@ -2146,7 +2089,7 @@
           <a:p>
             <a:fld id="{03EC4E3E-8101-482F-A883-8B55DAFF7C07}" type="datetimeFigureOut">
               <a:rPr lang="en-SG" smtClean="0"/>
-              <a:t>14/10/2018</a:t>
+              <a:t>6/7/2018</a:t>
             </a:fld>
             <a:endParaRPr lang="en-SG"/>
           </a:p>
@@ -2459,7 +2402,7 @@
           <a:p>
             <a:fld id="{03EC4E3E-8101-482F-A883-8B55DAFF7C07}" type="datetimeFigureOut">
               <a:rPr lang="en-SG" smtClean="0"/>
-              <a:t>14/10/2018</a:t>
+              <a:t>6/7/2018</a:t>
             </a:fld>
             <a:endParaRPr lang="en-SG"/>
           </a:p>
@@ -2748,7 +2691,7 @@
           <a:p>
             <a:fld id="{03EC4E3E-8101-482F-A883-8B55DAFF7C07}" type="datetimeFigureOut">
               <a:rPr lang="en-SG" smtClean="0"/>
-              <a:t>14/10/2018</a:t>
+              <a:t>6/7/2018</a:t>
             </a:fld>
             <a:endParaRPr lang="en-SG"/>
           </a:p>
@@ -2991,7 +2934,7 @@
           <a:p>
             <a:fld id="{03EC4E3E-8101-482F-A883-8B55DAFF7C07}" type="datetimeFigureOut">
               <a:rPr lang="en-SG" smtClean="0"/>
-              <a:t>14/10/2018</a:t>
+              <a:t>6/7/2018</a:t>
             </a:fld>
             <a:endParaRPr lang="en-SG"/>
           </a:p>
@@ -3511,7 +3454,7 @@
           <p:nvPr>
             <p:extLst>
               <p:ext uri="{D42A27DB-BD31-4B8C-83A1-F6EECF244321}">
-                <p14:modId xmlns:p14="http://schemas.microsoft.com/office/powerpoint/2010/main" val="1113212876"/>
+                <p14:modId xmlns:p14="http://schemas.microsoft.com/office/powerpoint/2010/main" val="3571951523"/>
               </p:ext>
             </p:extLst>
           </p:nvPr>
@@ -3543,11 +3486,11 @@
                     <a:p>
                       <a:r>
                         <a:rPr lang="en-SG" u="sng" dirty="0"/>
-                        <a:t>wb0:Wish</a:t>
+                        <a:t>ab0:A</a:t>
                       </a:r>
                       <a:r>
                         <a:rPr lang="en-SG" sz="1800" u="sng" dirty="0"/>
-                        <a:t>Book</a:t>
+                        <a:t>ddressBook</a:t>
                       </a:r>
                       <a:endParaRPr lang="en-SG" sz="1600" u="sng" dirty="0"/>
                     </a:p>
@@ -3715,7 +3658,7 @@
           <p:nvPr>
             <p:extLst>
               <p:ext uri="{D42A27DB-BD31-4B8C-83A1-F6EECF244321}">
-                <p14:modId xmlns:p14="http://schemas.microsoft.com/office/powerpoint/2010/main" val="707688489"/>
+                <p14:modId xmlns:p14="http://schemas.microsoft.com/office/powerpoint/2010/main" val="2341913009"/>
               </p:ext>
             </p:extLst>
           </p:nvPr>
@@ -3747,11 +3690,11 @@
                     <a:p>
                       <a:r>
                         <a:rPr lang="en-SG" u="sng" dirty="0"/>
-                        <a:t>wb1:Wish</a:t>
+                        <a:t>ab1:A</a:t>
                       </a:r>
                       <a:r>
                         <a:rPr lang="en-SG" sz="1800" u="sng" dirty="0"/>
-                        <a:t>Book</a:t>
+                        <a:t>ddressBook</a:t>
                       </a:r>
                       <a:endParaRPr lang="en-SG" sz="1600" u="sng" dirty="0"/>
                     </a:p>
@@ -3783,7 +3726,7 @@
           <p:nvPr>
             <p:extLst>
               <p:ext uri="{D42A27DB-BD31-4B8C-83A1-F6EECF244321}">
-                <p14:modId xmlns:p14="http://schemas.microsoft.com/office/powerpoint/2010/main" val="1037294842"/>
+                <p14:modId xmlns:p14="http://schemas.microsoft.com/office/powerpoint/2010/main" val="2172716932"/>
               </p:ext>
             </p:extLst>
           </p:nvPr>
@@ -3814,20 +3757,12 @@
                     <a:lstStyle/>
                     <a:p>
                       <a:r>
-                        <a:rPr lang="en-SG" u="sng" dirty="0"/>
-                        <a:t>w</a:t>
+                        <a:rPr lang="en-SG" u="sng"/>
+                        <a:t>ab2:A</a:t>
                       </a:r>
                       <a:r>
-                        <a:rPr lang="en-SG" u="sng"/>
-                        <a:t>b2</a:t>
-                      </a:r>
-                      <a:r>
-                        <a:rPr lang="en-SG" u="sng" dirty="0"/>
-                        <a:t>:Wish</a:t>
-                      </a:r>
-                      <a:r>
-                        <a:rPr lang="en-SG" sz="1800" u="sng" dirty="0"/>
-                        <a:t>Book</a:t>
+                        <a:rPr lang="en-SG" sz="1800" u="sng"/>
+                        <a:t>ddressBook</a:t>
                       </a:r>
                       <a:endParaRPr lang="en-SG" sz="1600" u="sng" dirty="0"/>
                     </a:p>
@@ -3859,7 +3794,7 @@
           <p:nvPr>
             <p:extLst>
               <p:ext uri="{D42A27DB-BD31-4B8C-83A1-F6EECF244321}">
-                <p14:modId xmlns:p14="http://schemas.microsoft.com/office/powerpoint/2010/main" val="4185497072"/>
+                <p14:modId xmlns:p14="http://schemas.microsoft.com/office/powerpoint/2010/main" val="4094059841"/>
               </p:ext>
             </p:extLst>
           </p:nvPr>
@@ -3891,11 +3826,11 @@
                     <a:p>
                       <a:r>
                         <a:rPr lang="en-SG" u="sng" dirty="0"/>
-                        <a:t>wb1:Wish</a:t>
+                        <a:t>ab1:A</a:t>
                       </a:r>
                       <a:r>
                         <a:rPr lang="en-SG" sz="1800" u="sng" dirty="0"/>
-                        <a:t>Book</a:t>
+                        <a:t>ddressBook</a:t>
                       </a:r>
                       <a:endParaRPr lang="en-SG" sz="1600" u="sng" dirty="0"/>
                     </a:p>
@@ -3927,7 +3862,7 @@
           <p:nvPr>
             <p:extLst>
               <p:ext uri="{D42A27DB-BD31-4B8C-83A1-F6EECF244321}">
-                <p14:modId xmlns:p14="http://schemas.microsoft.com/office/powerpoint/2010/main" val="1937301381"/>
+                <p14:modId xmlns:p14="http://schemas.microsoft.com/office/powerpoint/2010/main" val="3467820198"/>
               </p:ext>
             </p:extLst>
           </p:nvPr>
@@ -3959,11 +3894,11 @@
                     <a:p>
                       <a:r>
                         <a:rPr lang="en-SG" u="sng" dirty="0"/>
-                        <a:t>wb0:Wish</a:t>
+                        <a:t>ab0:A</a:t>
                       </a:r>
                       <a:r>
                         <a:rPr lang="en-SG" sz="1800" u="sng" dirty="0"/>
-                        <a:t>Book</a:t>
+                        <a:t>ddressBook</a:t>
                       </a:r>
                       <a:endParaRPr lang="en-SG" sz="1600" u="sng" dirty="0"/>
                     </a:p>

--- a/docs/diagrams/UndoRedoNewCommand2StateListDiagram.pptx
+++ b/docs/diagrams/UndoRedoNewCommand2StateListDiagram.pptx
@@ -138,7 +138,7 @@
           <p:cNvPr id="2" name="Title 1">
             <a:extLst>
               <a:ext uri="{FF2B5EF4-FFF2-40B4-BE49-F238E27FC236}">
-                <a16:creationId xmlns:a16="http://schemas.microsoft.com/office/drawing/2014/main" id="{39FCC519-EE2E-4054-A653-93D611E0133E}"/>
+                <a16:creationId xmlns:a16="http://schemas.microsoft.com/office/drawing/2014/main" xmlns="" id="{39FCC519-EE2E-4054-A653-93D611E0133E}"/>
               </a:ext>
             </a:extLst>
           </p:cNvPr>
@@ -176,7 +176,7 @@
           <p:cNvPr id="3" name="Subtitle 2">
             <a:extLst>
               <a:ext uri="{FF2B5EF4-FFF2-40B4-BE49-F238E27FC236}">
-                <a16:creationId xmlns:a16="http://schemas.microsoft.com/office/drawing/2014/main" id="{3EDEA74E-4030-4F69-A055-4C6319EEEC29}"/>
+                <a16:creationId xmlns:a16="http://schemas.microsoft.com/office/drawing/2014/main" xmlns="" id="{3EDEA74E-4030-4F69-A055-4C6319EEEC29}"/>
               </a:ext>
             </a:extLst>
           </p:cNvPr>
@@ -247,7 +247,7 @@
           <p:cNvPr id="4" name="Date Placeholder 3">
             <a:extLst>
               <a:ext uri="{FF2B5EF4-FFF2-40B4-BE49-F238E27FC236}">
-                <a16:creationId xmlns:a16="http://schemas.microsoft.com/office/drawing/2014/main" id="{E5CC99E3-37A6-4485-B9A2-AF27A72608C6}"/>
+                <a16:creationId xmlns:a16="http://schemas.microsoft.com/office/drawing/2014/main" xmlns="" id="{E5CC99E3-37A6-4485-B9A2-AF27A72608C6}"/>
               </a:ext>
             </a:extLst>
           </p:cNvPr>
@@ -265,7 +265,7 @@
           <a:p>
             <a:fld id="{03EC4E3E-8101-482F-A883-8B55DAFF7C07}" type="datetimeFigureOut">
               <a:rPr lang="en-SG" smtClean="0"/>
-              <a:t>6/7/2018</a:t>
+              <a:t>18/10/18</a:t>
             </a:fld>
             <a:endParaRPr lang="en-SG"/>
           </a:p>
@@ -276,7 +276,7 @@
           <p:cNvPr id="5" name="Footer Placeholder 4">
             <a:extLst>
               <a:ext uri="{FF2B5EF4-FFF2-40B4-BE49-F238E27FC236}">
-                <a16:creationId xmlns:a16="http://schemas.microsoft.com/office/drawing/2014/main" id="{D75BD546-D949-4A25-8EA4-47DF23229409}"/>
+                <a16:creationId xmlns:a16="http://schemas.microsoft.com/office/drawing/2014/main" xmlns="" id="{D75BD546-D949-4A25-8EA4-47DF23229409}"/>
               </a:ext>
             </a:extLst>
           </p:cNvPr>
@@ -301,7 +301,7 @@
           <p:cNvPr id="6" name="Slide Number Placeholder 5">
             <a:extLst>
               <a:ext uri="{FF2B5EF4-FFF2-40B4-BE49-F238E27FC236}">
-                <a16:creationId xmlns:a16="http://schemas.microsoft.com/office/drawing/2014/main" id="{68147391-4DF6-4ACF-BCE9-C1A9DAC803E3}"/>
+                <a16:creationId xmlns:a16="http://schemas.microsoft.com/office/drawing/2014/main" xmlns="" id="{68147391-4DF6-4ACF-BCE9-C1A9DAC803E3}"/>
               </a:ext>
             </a:extLst>
           </p:cNvPr>
@@ -360,7 +360,7 @@
           <p:cNvPr id="2" name="Title 1">
             <a:extLst>
               <a:ext uri="{FF2B5EF4-FFF2-40B4-BE49-F238E27FC236}">
-                <a16:creationId xmlns:a16="http://schemas.microsoft.com/office/drawing/2014/main" id="{251D3DFE-0C62-45F5-B1BF-FD1F194ED112}"/>
+                <a16:creationId xmlns:a16="http://schemas.microsoft.com/office/drawing/2014/main" xmlns="" id="{251D3DFE-0C62-45F5-B1BF-FD1F194ED112}"/>
               </a:ext>
             </a:extLst>
           </p:cNvPr>
@@ -389,7 +389,7 @@
           <p:cNvPr id="3" name="Vertical Text Placeholder 2">
             <a:extLst>
               <a:ext uri="{FF2B5EF4-FFF2-40B4-BE49-F238E27FC236}">
-                <a16:creationId xmlns:a16="http://schemas.microsoft.com/office/drawing/2014/main" id="{D2392762-3586-4B6D-A174-2D3ACF0A125B}"/>
+                <a16:creationId xmlns:a16="http://schemas.microsoft.com/office/drawing/2014/main" xmlns="" id="{D2392762-3586-4B6D-A174-2D3ACF0A125B}"/>
               </a:ext>
             </a:extLst>
           </p:cNvPr>
@@ -447,7 +447,7 @@
           <p:cNvPr id="4" name="Date Placeholder 3">
             <a:extLst>
               <a:ext uri="{FF2B5EF4-FFF2-40B4-BE49-F238E27FC236}">
-                <a16:creationId xmlns:a16="http://schemas.microsoft.com/office/drawing/2014/main" id="{73B232E7-84FB-4535-9FC1-1BEF8F17421F}"/>
+                <a16:creationId xmlns:a16="http://schemas.microsoft.com/office/drawing/2014/main" xmlns="" id="{73B232E7-84FB-4535-9FC1-1BEF8F17421F}"/>
               </a:ext>
             </a:extLst>
           </p:cNvPr>
@@ -465,7 +465,7 @@
           <a:p>
             <a:fld id="{03EC4E3E-8101-482F-A883-8B55DAFF7C07}" type="datetimeFigureOut">
               <a:rPr lang="en-SG" smtClean="0"/>
-              <a:t>6/7/2018</a:t>
+              <a:t>18/10/18</a:t>
             </a:fld>
             <a:endParaRPr lang="en-SG"/>
           </a:p>
@@ -476,7 +476,7 @@
           <p:cNvPr id="5" name="Footer Placeholder 4">
             <a:extLst>
               <a:ext uri="{FF2B5EF4-FFF2-40B4-BE49-F238E27FC236}">
-                <a16:creationId xmlns:a16="http://schemas.microsoft.com/office/drawing/2014/main" id="{76F796EF-04EF-401A-AC84-F7BDBC99DE80}"/>
+                <a16:creationId xmlns:a16="http://schemas.microsoft.com/office/drawing/2014/main" xmlns="" id="{76F796EF-04EF-401A-AC84-F7BDBC99DE80}"/>
               </a:ext>
             </a:extLst>
           </p:cNvPr>
@@ -501,7 +501,7 @@
           <p:cNvPr id="6" name="Slide Number Placeholder 5">
             <a:extLst>
               <a:ext uri="{FF2B5EF4-FFF2-40B4-BE49-F238E27FC236}">
-                <a16:creationId xmlns:a16="http://schemas.microsoft.com/office/drawing/2014/main" id="{8F55F009-0A64-4649-A732-4AA6D619F1F3}"/>
+                <a16:creationId xmlns:a16="http://schemas.microsoft.com/office/drawing/2014/main" xmlns="" id="{8F55F009-0A64-4649-A732-4AA6D619F1F3}"/>
               </a:ext>
             </a:extLst>
           </p:cNvPr>
@@ -560,7 +560,7 @@
           <p:cNvPr id="2" name="Vertical Title 1">
             <a:extLst>
               <a:ext uri="{FF2B5EF4-FFF2-40B4-BE49-F238E27FC236}">
-                <a16:creationId xmlns:a16="http://schemas.microsoft.com/office/drawing/2014/main" id="{F7DE9595-D7A8-4E19-B4C6-E295F978F6A4}"/>
+                <a16:creationId xmlns:a16="http://schemas.microsoft.com/office/drawing/2014/main" xmlns="" id="{F7DE9595-D7A8-4E19-B4C6-E295F978F6A4}"/>
               </a:ext>
             </a:extLst>
           </p:cNvPr>
@@ -594,7 +594,7 @@
           <p:cNvPr id="3" name="Vertical Text Placeholder 2">
             <a:extLst>
               <a:ext uri="{FF2B5EF4-FFF2-40B4-BE49-F238E27FC236}">
-                <a16:creationId xmlns:a16="http://schemas.microsoft.com/office/drawing/2014/main" id="{0D2975B7-7A6D-40EA-B2F6-338022AD2BF1}"/>
+                <a16:creationId xmlns:a16="http://schemas.microsoft.com/office/drawing/2014/main" xmlns="" id="{0D2975B7-7A6D-40EA-B2F6-338022AD2BF1}"/>
               </a:ext>
             </a:extLst>
           </p:cNvPr>
@@ -657,7 +657,7 @@
           <p:cNvPr id="4" name="Date Placeholder 3">
             <a:extLst>
               <a:ext uri="{FF2B5EF4-FFF2-40B4-BE49-F238E27FC236}">
-                <a16:creationId xmlns:a16="http://schemas.microsoft.com/office/drawing/2014/main" id="{C8230AC3-1BED-4D2B-96D3-51C50E14A9E6}"/>
+                <a16:creationId xmlns:a16="http://schemas.microsoft.com/office/drawing/2014/main" xmlns="" id="{C8230AC3-1BED-4D2B-96D3-51C50E14A9E6}"/>
               </a:ext>
             </a:extLst>
           </p:cNvPr>
@@ -675,7 +675,7 @@
           <a:p>
             <a:fld id="{03EC4E3E-8101-482F-A883-8B55DAFF7C07}" type="datetimeFigureOut">
               <a:rPr lang="en-SG" smtClean="0"/>
-              <a:t>6/7/2018</a:t>
+              <a:t>18/10/18</a:t>
             </a:fld>
             <a:endParaRPr lang="en-SG"/>
           </a:p>
@@ -686,7 +686,7 @@
           <p:cNvPr id="5" name="Footer Placeholder 4">
             <a:extLst>
               <a:ext uri="{FF2B5EF4-FFF2-40B4-BE49-F238E27FC236}">
-                <a16:creationId xmlns:a16="http://schemas.microsoft.com/office/drawing/2014/main" id="{4AD6CA96-231A-43AD-B530-7C509651DE3B}"/>
+                <a16:creationId xmlns:a16="http://schemas.microsoft.com/office/drawing/2014/main" xmlns="" id="{4AD6CA96-231A-43AD-B530-7C509651DE3B}"/>
               </a:ext>
             </a:extLst>
           </p:cNvPr>
@@ -711,7 +711,7 @@
           <p:cNvPr id="6" name="Slide Number Placeholder 5">
             <a:extLst>
               <a:ext uri="{FF2B5EF4-FFF2-40B4-BE49-F238E27FC236}">
-                <a16:creationId xmlns:a16="http://schemas.microsoft.com/office/drawing/2014/main" id="{12063E3B-180A-454E-A661-6CCD48D7062C}"/>
+                <a16:creationId xmlns:a16="http://schemas.microsoft.com/office/drawing/2014/main" xmlns="" id="{12063E3B-180A-454E-A661-6CCD48D7062C}"/>
               </a:ext>
             </a:extLst>
           </p:cNvPr>
@@ -770,7 +770,7 @@
           <p:cNvPr id="2" name="Title 1">
             <a:extLst>
               <a:ext uri="{FF2B5EF4-FFF2-40B4-BE49-F238E27FC236}">
-                <a16:creationId xmlns:a16="http://schemas.microsoft.com/office/drawing/2014/main" id="{7E861C8D-BAF0-4DD9-92B9-591B272791CA}"/>
+                <a16:creationId xmlns:a16="http://schemas.microsoft.com/office/drawing/2014/main" xmlns="" id="{7E861C8D-BAF0-4DD9-92B9-591B272791CA}"/>
               </a:ext>
             </a:extLst>
           </p:cNvPr>
@@ -799,7 +799,7 @@
           <p:cNvPr id="3" name="Content Placeholder 2">
             <a:extLst>
               <a:ext uri="{FF2B5EF4-FFF2-40B4-BE49-F238E27FC236}">
-                <a16:creationId xmlns:a16="http://schemas.microsoft.com/office/drawing/2014/main" id="{534DA4BD-1D78-446B-B79F-C1229642DDEB}"/>
+                <a16:creationId xmlns:a16="http://schemas.microsoft.com/office/drawing/2014/main" xmlns="" id="{534DA4BD-1D78-446B-B79F-C1229642DDEB}"/>
               </a:ext>
             </a:extLst>
           </p:cNvPr>
@@ -857,7 +857,7 @@
           <p:cNvPr id="4" name="Date Placeholder 3">
             <a:extLst>
               <a:ext uri="{FF2B5EF4-FFF2-40B4-BE49-F238E27FC236}">
-                <a16:creationId xmlns:a16="http://schemas.microsoft.com/office/drawing/2014/main" id="{AD6BEDB5-7B62-4953-BECB-7F7F3E909CAC}"/>
+                <a16:creationId xmlns:a16="http://schemas.microsoft.com/office/drawing/2014/main" xmlns="" id="{AD6BEDB5-7B62-4953-BECB-7F7F3E909CAC}"/>
               </a:ext>
             </a:extLst>
           </p:cNvPr>
@@ -875,7 +875,7 @@
           <a:p>
             <a:fld id="{03EC4E3E-8101-482F-A883-8B55DAFF7C07}" type="datetimeFigureOut">
               <a:rPr lang="en-SG" smtClean="0"/>
-              <a:t>6/7/2018</a:t>
+              <a:t>18/10/18</a:t>
             </a:fld>
             <a:endParaRPr lang="en-SG"/>
           </a:p>
@@ -886,7 +886,7 @@
           <p:cNvPr id="5" name="Footer Placeholder 4">
             <a:extLst>
               <a:ext uri="{FF2B5EF4-FFF2-40B4-BE49-F238E27FC236}">
-                <a16:creationId xmlns:a16="http://schemas.microsoft.com/office/drawing/2014/main" id="{349CD732-2DD1-42BE-8480-5C6507018294}"/>
+                <a16:creationId xmlns:a16="http://schemas.microsoft.com/office/drawing/2014/main" xmlns="" id="{349CD732-2DD1-42BE-8480-5C6507018294}"/>
               </a:ext>
             </a:extLst>
           </p:cNvPr>
@@ -911,7 +911,7 @@
           <p:cNvPr id="6" name="Slide Number Placeholder 5">
             <a:extLst>
               <a:ext uri="{FF2B5EF4-FFF2-40B4-BE49-F238E27FC236}">
-                <a16:creationId xmlns:a16="http://schemas.microsoft.com/office/drawing/2014/main" id="{574C27E0-F36A-4438-9402-C2CB0377D92D}"/>
+                <a16:creationId xmlns:a16="http://schemas.microsoft.com/office/drawing/2014/main" xmlns="" id="{574C27E0-F36A-4438-9402-C2CB0377D92D}"/>
               </a:ext>
             </a:extLst>
           </p:cNvPr>
@@ -970,7 +970,7 @@
           <p:cNvPr id="2" name="Title 1">
             <a:extLst>
               <a:ext uri="{FF2B5EF4-FFF2-40B4-BE49-F238E27FC236}">
-                <a16:creationId xmlns:a16="http://schemas.microsoft.com/office/drawing/2014/main" id="{80A42FFA-8A45-40F8-9C5C-9906971B38AB}"/>
+                <a16:creationId xmlns:a16="http://schemas.microsoft.com/office/drawing/2014/main" xmlns="" id="{80A42FFA-8A45-40F8-9C5C-9906971B38AB}"/>
               </a:ext>
             </a:extLst>
           </p:cNvPr>
@@ -1008,7 +1008,7 @@
           <p:cNvPr id="3" name="Text Placeholder 2">
             <a:extLst>
               <a:ext uri="{FF2B5EF4-FFF2-40B4-BE49-F238E27FC236}">
-                <a16:creationId xmlns:a16="http://schemas.microsoft.com/office/drawing/2014/main" id="{7D8879A7-8225-4473-B738-B780B6224EC5}"/>
+                <a16:creationId xmlns:a16="http://schemas.microsoft.com/office/drawing/2014/main" xmlns="" id="{7D8879A7-8225-4473-B738-B780B6224EC5}"/>
               </a:ext>
             </a:extLst>
           </p:cNvPr>
@@ -1133,7 +1133,7 @@
           <p:cNvPr id="4" name="Date Placeholder 3">
             <a:extLst>
               <a:ext uri="{FF2B5EF4-FFF2-40B4-BE49-F238E27FC236}">
-                <a16:creationId xmlns:a16="http://schemas.microsoft.com/office/drawing/2014/main" id="{6CF7978C-FE65-4091-9152-E33029C12AEA}"/>
+                <a16:creationId xmlns:a16="http://schemas.microsoft.com/office/drawing/2014/main" xmlns="" id="{6CF7978C-FE65-4091-9152-E33029C12AEA}"/>
               </a:ext>
             </a:extLst>
           </p:cNvPr>
@@ -1151,7 +1151,7 @@
           <a:p>
             <a:fld id="{03EC4E3E-8101-482F-A883-8B55DAFF7C07}" type="datetimeFigureOut">
               <a:rPr lang="en-SG" smtClean="0"/>
-              <a:t>6/7/2018</a:t>
+              <a:t>18/10/18</a:t>
             </a:fld>
             <a:endParaRPr lang="en-SG"/>
           </a:p>
@@ -1162,7 +1162,7 @@
           <p:cNvPr id="5" name="Footer Placeholder 4">
             <a:extLst>
               <a:ext uri="{FF2B5EF4-FFF2-40B4-BE49-F238E27FC236}">
-                <a16:creationId xmlns:a16="http://schemas.microsoft.com/office/drawing/2014/main" id="{B344C9CC-480F-4DCB-AC70-D7A4CCA0B8B7}"/>
+                <a16:creationId xmlns:a16="http://schemas.microsoft.com/office/drawing/2014/main" xmlns="" id="{B344C9CC-480F-4DCB-AC70-D7A4CCA0B8B7}"/>
               </a:ext>
             </a:extLst>
           </p:cNvPr>
@@ -1187,7 +1187,7 @@
           <p:cNvPr id="6" name="Slide Number Placeholder 5">
             <a:extLst>
               <a:ext uri="{FF2B5EF4-FFF2-40B4-BE49-F238E27FC236}">
-                <a16:creationId xmlns:a16="http://schemas.microsoft.com/office/drawing/2014/main" id="{8F5A07EC-843A-4ED9-8F1C-AD703CA36D58}"/>
+                <a16:creationId xmlns:a16="http://schemas.microsoft.com/office/drawing/2014/main" xmlns="" id="{8F5A07EC-843A-4ED9-8F1C-AD703CA36D58}"/>
               </a:ext>
             </a:extLst>
           </p:cNvPr>
@@ -1246,7 +1246,7 @@
           <p:cNvPr id="2" name="Title 1">
             <a:extLst>
               <a:ext uri="{FF2B5EF4-FFF2-40B4-BE49-F238E27FC236}">
-                <a16:creationId xmlns:a16="http://schemas.microsoft.com/office/drawing/2014/main" id="{056EE2DA-07D9-4774-A8CA-0CA247F8C72A}"/>
+                <a16:creationId xmlns:a16="http://schemas.microsoft.com/office/drawing/2014/main" xmlns="" id="{056EE2DA-07D9-4774-A8CA-0CA247F8C72A}"/>
               </a:ext>
             </a:extLst>
           </p:cNvPr>
@@ -1275,7 +1275,7 @@
           <p:cNvPr id="3" name="Content Placeholder 2">
             <a:extLst>
               <a:ext uri="{FF2B5EF4-FFF2-40B4-BE49-F238E27FC236}">
-                <a16:creationId xmlns:a16="http://schemas.microsoft.com/office/drawing/2014/main" id="{3CF93A59-4E25-4FFA-8796-AA06EF3E5C3E}"/>
+                <a16:creationId xmlns:a16="http://schemas.microsoft.com/office/drawing/2014/main" xmlns="" id="{3CF93A59-4E25-4FFA-8796-AA06EF3E5C3E}"/>
               </a:ext>
             </a:extLst>
           </p:cNvPr>
@@ -1338,7 +1338,7 @@
           <p:cNvPr id="4" name="Content Placeholder 3">
             <a:extLst>
               <a:ext uri="{FF2B5EF4-FFF2-40B4-BE49-F238E27FC236}">
-                <a16:creationId xmlns:a16="http://schemas.microsoft.com/office/drawing/2014/main" id="{81373B10-E346-4893-AFEE-65E014405E2D}"/>
+                <a16:creationId xmlns:a16="http://schemas.microsoft.com/office/drawing/2014/main" xmlns="" id="{81373B10-E346-4893-AFEE-65E014405E2D}"/>
               </a:ext>
             </a:extLst>
           </p:cNvPr>
@@ -1401,7 +1401,7 @@
           <p:cNvPr id="5" name="Date Placeholder 4">
             <a:extLst>
               <a:ext uri="{FF2B5EF4-FFF2-40B4-BE49-F238E27FC236}">
-                <a16:creationId xmlns:a16="http://schemas.microsoft.com/office/drawing/2014/main" id="{D9C411A1-6D64-4C63-A758-5D2FEE677F45}"/>
+                <a16:creationId xmlns:a16="http://schemas.microsoft.com/office/drawing/2014/main" xmlns="" id="{D9C411A1-6D64-4C63-A758-5D2FEE677F45}"/>
               </a:ext>
             </a:extLst>
           </p:cNvPr>
@@ -1419,7 +1419,7 @@
           <a:p>
             <a:fld id="{03EC4E3E-8101-482F-A883-8B55DAFF7C07}" type="datetimeFigureOut">
               <a:rPr lang="en-SG" smtClean="0"/>
-              <a:t>6/7/2018</a:t>
+              <a:t>18/10/18</a:t>
             </a:fld>
             <a:endParaRPr lang="en-SG"/>
           </a:p>
@@ -1430,7 +1430,7 @@
           <p:cNvPr id="6" name="Footer Placeholder 5">
             <a:extLst>
               <a:ext uri="{FF2B5EF4-FFF2-40B4-BE49-F238E27FC236}">
-                <a16:creationId xmlns:a16="http://schemas.microsoft.com/office/drawing/2014/main" id="{8D9C2E46-644C-4155-A697-764A7A0AB1F4}"/>
+                <a16:creationId xmlns:a16="http://schemas.microsoft.com/office/drawing/2014/main" xmlns="" id="{8D9C2E46-644C-4155-A697-764A7A0AB1F4}"/>
               </a:ext>
             </a:extLst>
           </p:cNvPr>
@@ -1455,7 +1455,7 @@
           <p:cNvPr id="7" name="Slide Number Placeholder 6">
             <a:extLst>
               <a:ext uri="{FF2B5EF4-FFF2-40B4-BE49-F238E27FC236}">
-                <a16:creationId xmlns:a16="http://schemas.microsoft.com/office/drawing/2014/main" id="{6192DEDD-6479-45E4-B1F5-6EDD41BBB103}"/>
+                <a16:creationId xmlns:a16="http://schemas.microsoft.com/office/drawing/2014/main" xmlns="" id="{6192DEDD-6479-45E4-B1F5-6EDD41BBB103}"/>
               </a:ext>
             </a:extLst>
           </p:cNvPr>
@@ -1514,7 +1514,7 @@
           <p:cNvPr id="2" name="Title 1">
             <a:extLst>
               <a:ext uri="{FF2B5EF4-FFF2-40B4-BE49-F238E27FC236}">
-                <a16:creationId xmlns:a16="http://schemas.microsoft.com/office/drawing/2014/main" id="{DC0ED888-63EF-4CC0-8500-9C8DB672FEC2}"/>
+                <a16:creationId xmlns:a16="http://schemas.microsoft.com/office/drawing/2014/main" xmlns="" id="{DC0ED888-63EF-4CC0-8500-9C8DB672FEC2}"/>
               </a:ext>
             </a:extLst>
           </p:cNvPr>
@@ -1548,7 +1548,7 @@
           <p:cNvPr id="3" name="Text Placeholder 2">
             <a:extLst>
               <a:ext uri="{FF2B5EF4-FFF2-40B4-BE49-F238E27FC236}">
-                <a16:creationId xmlns:a16="http://schemas.microsoft.com/office/drawing/2014/main" id="{3C33BC1E-FB79-4906-A967-9C7046C6D272}"/>
+                <a16:creationId xmlns:a16="http://schemas.microsoft.com/office/drawing/2014/main" xmlns="" id="{3C33BC1E-FB79-4906-A967-9C7046C6D272}"/>
               </a:ext>
             </a:extLst>
           </p:cNvPr>
@@ -1619,7 +1619,7 @@
           <p:cNvPr id="4" name="Content Placeholder 3">
             <a:extLst>
               <a:ext uri="{FF2B5EF4-FFF2-40B4-BE49-F238E27FC236}">
-                <a16:creationId xmlns:a16="http://schemas.microsoft.com/office/drawing/2014/main" id="{697A4EC6-1C42-4BA4-8108-32579276C17B}"/>
+                <a16:creationId xmlns:a16="http://schemas.microsoft.com/office/drawing/2014/main" xmlns="" id="{697A4EC6-1C42-4BA4-8108-32579276C17B}"/>
               </a:ext>
             </a:extLst>
           </p:cNvPr>
@@ -1682,7 +1682,7 @@
           <p:cNvPr id="5" name="Text Placeholder 4">
             <a:extLst>
               <a:ext uri="{FF2B5EF4-FFF2-40B4-BE49-F238E27FC236}">
-                <a16:creationId xmlns:a16="http://schemas.microsoft.com/office/drawing/2014/main" id="{8A2CA209-B9F5-4E1E-B302-74CC2D4CFDFB}"/>
+                <a16:creationId xmlns:a16="http://schemas.microsoft.com/office/drawing/2014/main" xmlns="" id="{8A2CA209-B9F5-4E1E-B302-74CC2D4CFDFB}"/>
               </a:ext>
             </a:extLst>
           </p:cNvPr>
@@ -1753,7 +1753,7 @@
           <p:cNvPr id="6" name="Content Placeholder 5">
             <a:extLst>
               <a:ext uri="{FF2B5EF4-FFF2-40B4-BE49-F238E27FC236}">
-                <a16:creationId xmlns:a16="http://schemas.microsoft.com/office/drawing/2014/main" id="{0E6E876D-DC4D-40EE-BA38-CD01089602CF}"/>
+                <a16:creationId xmlns:a16="http://schemas.microsoft.com/office/drawing/2014/main" xmlns="" id="{0E6E876D-DC4D-40EE-BA38-CD01089602CF}"/>
               </a:ext>
             </a:extLst>
           </p:cNvPr>
@@ -1816,7 +1816,7 @@
           <p:cNvPr id="7" name="Date Placeholder 6">
             <a:extLst>
               <a:ext uri="{FF2B5EF4-FFF2-40B4-BE49-F238E27FC236}">
-                <a16:creationId xmlns:a16="http://schemas.microsoft.com/office/drawing/2014/main" id="{F24E1D97-8B3C-41A1-B0BA-BA833AD8BC7C}"/>
+                <a16:creationId xmlns:a16="http://schemas.microsoft.com/office/drawing/2014/main" xmlns="" id="{F24E1D97-8B3C-41A1-B0BA-BA833AD8BC7C}"/>
               </a:ext>
             </a:extLst>
           </p:cNvPr>
@@ -1834,7 +1834,7 @@
           <a:p>
             <a:fld id="{03EC4E3E-8101-482F-A883-8B55DAFF7C07}" type="datetimeFigureOut">
               <a:rPr lang="en-SG" smtClean="0"/>
-              <a:t>6/7/2018</a:t>
+              <a:t>18/10/18</a:t>
             </a:fld>
             <a:endParaRPr lang="en-SG"/>
           </a:p>
@@ -1845,7 +1845,7 @@
           <p:cNvPr id="8" name="Footer Placeholder 7">
             <a:extLst>
               <a:ext uri="{FF2B5EF4-FFF2-40B4-BE49-F238E27FC236}">
-                <a16:creationId xmlns:a16="http://schemas.microsoft.com/office/drawing/2014/main" id="{FC358D8F-B7DA-4DCE-AC8F-706450EEC0DC}"/>
+                <a16:creationId xmlns:a16="http://schemas.microsoft.com/office/drawing/2014/main" xmlns="" id="{FC358D8F-B7DA-4DCE-AC8F-706450EEC0DC}"/>
               </a:ext>
             </a:extLst>
           </p:cNvPr>
@@ -1870,7 +1870,7 @@
           <p:cNvPr id="9" name="Slide Number Placeholder 8">
             <a:extLst>
               <a:ext uri="{FF2B5EF4-FFF2-40B4-BE49-F238E27FC236}">
-                <a16:creationId xmlns:a16="http://schemas.microsoft.com/office/drawing/2014/main" id="{40CE354E-2C73-4B6F-8AEB-14D1378A77E1}"/>
+                <a16:creationId xmlns:a16="http://schemas.microsoft.com/office/drawing/2014/main" xmlns="" id="{40CE354E-2C73-4B6F-8AEB-14D1378A77E1}"/>
               </a:ext>
             </a:extLst>
           </p:cNvPr>
@@ -1929,7 +1929,7 @@
           <p:cNvPr id="2" name="Title 1">
             <a:extLst>
               <a:ext uri="{FF2B5EF4-FFF2-40B4-BE49-F238E27FC236}">
-                <a16:creationId xmlns:a16="http://schemas.microsoft.com/office/drawing/2014/main" id="{17D9D381-288C-43FB-86C2-AAA4FCFD43FD}"/>
+                <a16:creationId xmlns:a16="http://schemas.microsoft.com/office/drawing/2014/main" xmlns="" id="{17D9D381-288C-43FB-86C2-AAA4FCFD43FD}"/>
               </a:ext>
             </a:extLst>
           </p:cNvPr>
@@ -1958,7 +1958,7 @@
           <p:cNvPr id="3" name="Date Placeholder 2">
             <a:extLst>
               <a:ext uri="{FF2B5EF4-FFF2-40B4-BE49-F238E27FC236}">
-                <a16:creationId xmlns:a16="http://schemas.microsoft.com/office/drawing/2014/main" id="{A85D75E5-4830-4F75-8132-91122609F925}"/>
+                <a16:creationId xmlns:a16="http://schemas.microsoft.com/office/drawing/2014/main" xmlns="" id="{A85D75E5-4830-4F75-8132-91122609F925}"/>
               </a:ext>
             </a:extLst>
           </p:cNvPr>
@@ -1976,7 +1976,7 @@
           <a:p>
             <a:fld id="{03EC4E3E-8101-482F-A883-8B55DAFF7C07}" type="datetimeFigureOut">
               <a:rPr lang="en-SG" smtClean="0"/>
-              <a:t>6/7/2018</a:t>
+              <a:t>18/10/18</a:t>
             </a:fld>
             <a:endParaRPr lang="en-SG"/>
           </a:p>
@@ -1987,7 +1987,7 @@
           <p:cNvPr id="4" name="Footer Placeholder 3">
             <a:extLst>
               <a:ext uri="{FF2B5EF4-FFF2-40B4-BE49-F238E27FC236}">
-                <a16:creationId xmlns:a16="http://schemas.microsoft.com/office/drawing/2014/main" id="{0C14A42C-834F-43EA-8053-84D5A665CEE7}"/>
+                <a16:creationId xmlns:a16="http://schemas.microsoft.com/office/drawing/2014/main" xmlns="" id="{0C14A42C-834F-43EA-8053-84D5A665CEE7}"/>
               </a:ext>
             </a:extLst>
           </p:cNvPr>
@@ -2012,7 +2012,7 @@
           <p:cNvPr id="5" name="Slide Number Placeholder 4">
             <a:extLst>
               <a:ext uri="{FF2B5EF4-FFF2-40B4-BE49-F238E27FC236}">
-                <a16:creationId xmlns:a16="http://schemas.microsoft.com/office/drawing/2014/main" id="{38C1E789-CDA9-48FF-A7BA-F21E31600226}"/>
+                <a16:creationId xmlns:a16="http://schemas.microsoft.com/office/drawing/2014/main" xmlns="" id="{38C1E789-CDA9-48FF-A7BA-F21E31600226}"/>
               </a:ext>
             </a:extLst>
           </p:cNvPr>
@@ -2071,7 +2071,7 @@
           <p:cNvPr id="2" name="Date Placeholder 1">
             <a:extLst>
               <a:ext uri="{FF2B5EF4-FFF2-40B4-BE49-F238E27FC236}">
-                <a16:creationId xmlns:a16="http://schemas.microsoft.com/office/drawing/2014/main" id="{21A40ECD-0ABD-4F35-B481-512A01FC643D}"/>
+                <a16:creationId xmlns:a16="http://schemas.microsoft.com/office/drawing/2014/main" xmlns="" id="{21A40ECD-0ABD-4F35-B481-512A01FC643D}"/>
               </a:ext>
             </a:extLst>
           </p:cNvPr>
@@ -2089,7 +2089,7 @@
           <a:p>
             <a:fld id="{03EC4E3E-8101-482F-A883-8B55DAFF7C07}" type="datetimeFigureOut">
               <a:rPr lang="en-SG" smtClean="0"/>
-              <a:t>6/7/2018</a:t>
+              <a:t>18/10/18</a:t>
             </a:fld>
             <a:endParaRPr lang="en-SG"/>
           </a:p>
@@ -2100,7 +2100,7 @@
           <p:cNvPr id="3" name="Footer Placeholder 2">
             <a:extLst>
               <a:ext uri="{FF2B5EF4-FFF2-40B4-BE49-F238E27FC236}">
-                <a16:creationId xmlns:a16="http://schemas.microsoft.com/office/drawing/2014/main" id="{D44B8F11-A412-4FA6-9070-B9C742F699F3}"/>
+                <a16:creationId xmlns:a16="http://schemas.microsoft.com/office/drawing/2014/main" xmlns="" id="{D44B8F11-A412-4FA6-9070-B9C742F699F3}"/>
               </a:ext>
             </a:extLst>
           </p:cNvPr>
@@ -2125,7 +2125,7 @@
           <p:cNvPr id="4" name="Slide Number Placeholder 3">
             <a:extLst>
               <a:ext uri="{FF2B5EF4-FFF2-40B4-BE49-F238E27FC236}">
-                <a16:creationId xmlns:a16="http://schemas.microsoft.com/office/drawing/2014/main" id="{E3EA086A-DA0B-4378-A128-F213644ECB0C}"/>
+                <a16:creationId xmlns:a16="http://schemas.microsoft.com/office/drawing/2014/main" xmlns="" id="{E3EA086A-DA0B-4378-A128-F213644ECB0C}"/>
               </a:ext>
             </a:extLst>
           </p:cNvPr>
@@ -2184,7 +2184,7 @@
           <p:cNvPr id="2" name="Title 1">
             <a:extLst>
               <a:ext uri="{FF2B5EF4-FFF2-40B4-BE49-F238E27FC236}">
-                <a16:creationId xmlns:a16="http://schemas.microsoft.com/office/drawing/2014/main" id="{765D165A-D423-4E89-A075-D59A9FB59792}"/>
+                <a16:creationId xmlns:a16="http://schemas.microsoft.com/office/drawing/2014/main" xmlns="" id="{765D165A-D423-4E89-A075-D59A9FB59792}"/>
               </a:ext>
             </a:extLst>
           </p:cNvPr>
@@ -2222,7 +2222,7 @@
           <p:cNvPr id="3" name="Content Placeholder 2">
             <a:extLst>
               <a:ext uri="{FF2B5EF4-FFF2-40B4-BE49-F238E27FC236}">
-                <a16:creationId xmlns:a16="http://schemas.microsoft.com/office/drawing/2014/main" id="{77C2A5CC-2876-49CA-993D-F4F73FC9D2B0}"/>
+                <a16:creationId xmlns:a16="http://schemas.microsoft.com/office/drawing/2014/main" xmlns="" id="{77C2A5CC-2876-49CA-993D-F4F73FC9D2B0}"/>
               </a:ext>
             </a:extLst>
           </p:cNvPr>
@@ -2313,7 +2313,7 @@
           <p:cNvPr id="4" name="Text Placeholder 3">
             <a:extLst>
               <a:ext uri="{FF2B5EF4-FFF2-40B4-BE49-F238E27FC236}">
-                <a16:creationId xmlns:a16="http://schemas.microsoft.com/office/drawing/2014/main" id="{7B4DE2E8-CCF6-4E88-A858-05A04CD0D736}"/>
+                <a16:creationId xmlns:a16="http://schemas.microsoft.com/office/drawing/2014/main" xmlns="" id="{7B4DE2E8-CCF6-4E88-A858-05A04CD0D736}"/>
               </a:ext>
             </a:extLst>
           </p:cNvPr>
@@ -2384,7 +2384,7 @@
           <p:cNvPr id="5" name="Date Placeholder 4">
             <a:extLst>
               <a:ext uri="{FF2B5EF4-FFF2-40B4-BE49-F238E27FC236}">
-                <a16:creationId xmlns:a16="http://schemas.microsoft.com/office/drawing/2014/main" id="{CAEBEC1E-DE48-4B55-A846-F8248E381145}"/>
+                <a16:creationId xmlns:a16="http://schemas.microsoft.com/office/drawing/2014/main" xmlns="" id="{CAEBEC1E-DE48-4B55-A846-F8248E381145}"/>
               </a:ext>
             </a:extLst>
           </p:cNvPr>
@@ -2402,7 +2402,7 @@
           <a:p>
             <a:fld id="{03EC4E3E-8101-482F-A883-8B55DAFF7C07}" type="datetimeFigureOut">
               <a:rPr lang="en-SG" smtClean="0"/>
-              <a:t>6/7/2018</a:t>
+              <a:t>18/10/18</a:t>
             </a:fld>
             <a:endParaRPr lang="en-SG"/>
           </a:p>
@@ -2413,7 +2413,7 @@
           <p:cNvPr id="6" name="Footer Placeholder 5">
             <a:extLst>
               <a:ext uri="{FF2B5EF4-FFF2-40B4-BE49-F238E27FC236}">
-                <a16:creationId xmlns:a16="http://schemas.microsoft.com/office/drawing/2014/main" id="{945A6E8B-6BC2-49E9-B4E5-DAD3F7A1A1BF}"/>
+                <a16:creationId xmlns:a16="http://schemas.microsoft.com/office/drawing/2014/main" xmlns="" id="{945A6E8B-6BC2-49E9-B4E5-DAD3F7A1A1BF}"/>
               </a:ext>
             </a:extLst>
           </p:cNvPr>
@@ -2438,7 +2438,7 @@
           <p:cNvPr id="7" name="Slide Number Placeholder 6">
             <a:extLst>
               <a:ext uri="{FF2B5EF4-FFF2-40B4-BE49-F238E27FC236}">
-                <a16:creationId xmlns:a16="http://schemas.microsoft.com/office/drawing/2014/main" id="{E5CF739B-EDF0-43CE-A87E-C49F040C85A5}"/>
+                <a16:creationId xmlns:a16="http://schemas.microsoft.com/office/drawing/2014/main" xmlns="" id="{E5CF739B-EDF0-43CE-A87E-C49F040C85A5}"/>
               </a:ext>
             </a:extLst>
           </p:cNvPr>
@@ -2497,7 +2497,7 @@
           <p:cNvPr id="2" name="Title 1">
             <a:extLst>
               <a:ext uri="{FF2B5EF4-FFF2-40B4-BE49-F238E27FC236}">
-                <a16:creationId xmlns:a16="http://schemas.microsoft.com/office/drawing/2014/main" id="{0091F49F-E849-4834-84DB-61CF2F2652D4}"/>
+                <a16:creationId xmlns:a16="http://schemas.microsoft.com/office/drawing/2014/main" xmlns="" id="{0091F49F-E849-4834-84DB-61CF2F2652D4}"/>
               </a:ext>
             </a:extLst>
           </p:cNvPr>
@@ -2535,7 +2535,7 @@
           <p:cNvPr id="3" name="Picture Placeholder 2">
             <a:extLst>
               <a:ext uri="{FF2B5EF4-FFF2-40B4-BE49-F238E27FC236}">
-                <a16:creationId xmlns:a16="http://schemas.microsoft.com/office/drawing/2014/main" id="{631D62A9-3420-4F1C-9EB9-09EF85106E78}"/>
+                <a16:creationId xmlns:a16="http://schemas.microsoft.com/office/drawing/2014/main" xmlns="" id="{631D62A9-3420-4F1C-9EB9-09EF85106E78}"/>
               </a:ext>
             </a:extLst>
           </p:cNvPr>
@@ -2602,7 +2602,7 @@
           <p:cNvPr id="4" name="Text Placeholder 3">
             <a:extLst>
               <a:ext uri="{FF2B5EF4-FFF2-40B4-BE49-F238E27FC236}">
-                <a16:creationId xmlns:a16="http://schemas.microsoft.com/office/drawing/2014/main" id="{E450EC8D-D7F4-45FC-AD8C-2E198A32CCA2}"/>
+                <a16:creationId xmlns:a16="http://schemas.microsoft.com/office/drawing/2014/main" xmlns="" id="{E450EC8D-D7F4-45FC-AD8C-2E198A32CCA2}"/>
               </a:ext>
             </a:extLst>
           </p:cNvPr>
@@ -2673,7 +2673,7 @@
           <p:cNvPr id="5" name="Date Placeholder 4">
             <a:extLst>
               <a:ext uri="{FF2B5EF4-FFF2-40B4-BE49-F238E27FC236}">
-                <a16:creationId xmlns:a16="http://schemas.microsoft.com/office/drawing/2014/main" id="{7A73D668-ABF4-41FE-958C-542EEDC5F6CC}"/>
+                <a16:creationId xmlns:a16="http://schemas.microsoft.com/office/drawing/2014/main" xmlns="" id="{7A73D668-ABF4-41FE-958C-542EEDC5F6CC}"/>
               </a:ext>
             </a:extLst>
           </p:cNvPr>
@@ -2691,7 +2691,7 @@
           <a:p>
             <a:fld id="{03EC4E3E-8101-482F-A883-8B55DAFF7C07}" type="datetimeFigureOut">
               <a:rPr lang="en-SG" smtClean="0"/>
-              <a:t>6/7/2018</a:t>
+              <a:t>18/10/18</a:t>
             </a:fld>
             <a:endParaRPr lang="en-SG"/>
           </a:p>
@@ -2702,7 +2702,7 @@
           <p:cNvPr id="6" name="Footer Placeholder 5">
             <a:extLst>
               <a:ext uri="{FF2B5EF4-FFF2-40B4-BE49-F238E27FC236}">
-                <a16:creationId xmlns:a16="http://schemas.microsoft.com/office/drawing/2014/main" id="{F4A83B1C-93E7-4D32-9D1B-3F37403B1ACD}"/>
+                <a16:creationId xmlns:a16="http://schemas.microsoft.com/office/drawing/2014/main" xmlns="" id="{F4A83B1C-93E7-4D32-9D1B-3F37403B1ACD}"/>
               </a:ext>
             </a:extLst>
           </p:cNvPr>
@@ -2727,7 +2727,7 @@
           <p:cNvPr id="7" name="Slide Number Placeholder 6">
             <a:extLst>
               <a:ext uri="{FF2B5EF4-FFF2-40B4-BE49-F238E27FC236}">
-                <a16:creationId xmlns:a16="http://schemas.microsoft.com/office/drawing/2014/main" id="{C6AF73BE-F17B-487B-943B-28655BB51C92}"/>
+                <a16:creationId xmlns:a16="http://schemas.microsoft.com/office/drawing/2014/main" xmlns="" id="{C6AF73BE-F17B-487B-943B-28655BB51C92}"/>
               </a:ext>
             </a:extLst>
           </p:cNvPr>
@@ -2791,7 +2791,7 @@
           <p:cNvPr id="2" name="Title Placeholder 1">
             <a:extLst>
               <a:ext uri="{FF2B5EF4-FFF2-40B4-BE49-F238E27FC236}">
-                <a16:creationId xmlns:a16="http://schemas.microsoft.com/office/drawing/2014/main" id="{96F7127E-5F47-4B37-9FDB-695AB14D9551}"/>
+                <a16:creationId xmlns:a16="http://schemas.microsoft.com/office/drawing/2014/main" xmlns="" id="{96F7127E-5F47-4B37-9FDB-695AB14D9551}"/>
               </a:ext>
             </a:extLst>
           </p:cNvPr>
@@ -2830,7 +2830,7 @@
           <p:cNvPr id="3" name="Text Placeholder 2">
             <a:extLst>
               <a:ext uri="{FF2B5EF4-FFF2-40B4-BE49-F238E27FC236}">
-                <a16:creationId xmlns:a16="http://schemas.microsoft.com/office/drawing/2014/main" id="{3BD20F0F-B303-4EE3-AF17-E303EA90B1A3}"/>
+                <a16:creationId xmlns:a16="http://schemas.microsoft.com/office/drawing/2014/main" xmlns="" id="{3BD20F0F-B303-4EE3-AF17-E303EA90B1A3}"/>
               </a:ext>
             </a:extLst>
           </p:cNvPr>
@@ -2898,7 +2898,7 @@
           <p:cNvPr id="4" name="Date Placeholder 3">
             <a:extLst>
               <a:ext uri="{FF2B5EF4-FFF2-40B4-BE49-F238E27FC236}">
-                <a16:creationId xmlns:a16="http://schemas.microsoft.com/office/drawing/2014/main" id="{7927ADFB-0C7F-4333-A456-815FAB4B0315}"/>
+                <a16:creationId xmlns:a16="http://schemas.microsoft.com/office/drawing/2014/main" xmlns="" id="{7927ADFB-0C7F-4333-A456-815FAB4B0315}"/>
               </a:ext>
             </a:extLst>
           </p:cNvPr>
@@ -2934,7 +2934,7 @@
           <a:p>
             <a:fld id="{03EC4E3E-8101-482F-A883-8B55DAFF7C07}" type="datetimeFigureOut">
               <a:rPr lang="en-SG" smtClean="0"/>
-              <a:t>6/7/2018</a:t>
+              <a:t>18/10/18</a:t>
             </a:fld>
             <a:endParaRPr lang="en-SG"/>
           </a:p>
@@ -2945,7 +2945,7 @@
           <p:cNvPr id="5" name="Footer Placeholder 4">
             <a:extLst>
               <a:ext uri="{FF2B5EF4-FFF2-40B4-BE49-F238E27FC236}">
-                <a16:creationId xmlns:a16="http://schemas.microsoft.com/office/drawing/2014/main" id="{A1992B28-8397-4C93-A277-5EE43A537825}"/>
+                <a16:creationId xmlns:a16="http://schemas.microsoft.com/office/drawing/2014/main" xmlns="" id="{A1992B28-8397-4C93-A277-5EE43A537825}"/>
               </a:ext>
             </a:extLst>
           </p:cNvPr>
@@ -2988,7 +2988,7 @@
           <p:cNvPr id="6" name="Slide Number Placeholder 5">
             <a:extLst>
               <a:ext uri="{FF2B5EF4-FFF2-40B4-BE49-F238E27FC236}">
-                <a16:creationId xmlns:a16="http://schemas.microsoft.com/office/drawing/2014/main" id="{D7231209-A74B-4134-87D0-421AB81BBB47}"/>
+                <a16:creationId xmlns:a16="http://schemas.microsoft.com/office/drawing/2014/main" xmlns="" id="{D7231209-A74B-4134-87D0-421AB81BBB47}"/>
               </a:ext>
             </a:extLst>
           </p:cNvPr>
@@ -3360,7 +3360,7 @@
         <p:spPr>
           <a:xfrm>
             <a:off x="5129284" y="2264095"/>
-            <a:ext cx="1933431" cy="1383977"/>
+            <a:ext cx="2448675" cy="1383977"/>
           </a:xfrm>
           <a:prstGeom prst="downArrow">
             <a:avLst/>
@@ -3388,8 +3388,12 @@
           <a:p>
             <a:pPr algn="ctr"/>
             <a:r>
-              <a:rPr lang="en-SG" dirty="0"/>
-              <a:t>Add n/David… </a:t>
+              <a:rPr lang="en-SG"/>
+              <a:t>Add </a:t>
+            </a:r>
+            <a:r>
+              <a:rPr lang="en-SG" smtClean="0"/>
+              <a:t>n/Tutorial… </a:t>
             </a:r>
             <a:endParaRPr lang="en-US" dirty="0"/>
           </a:p>
@@ -3400,7 +3404,7 @@
           <p:cNvPr id="24" name="TextBox 23">
             <a:extLst>
               <a:ext uri="{FF2B5EF4-FFF2-40B4-BE49-F238E27FC236}">
-                <a16:creationId xmlns:a16="http://schemas.microsoft.com/office/drawing/2014/main" id="{3151A13B-9509-43FA-BFEB-1D9866A00B84}"/>
+                <a16:creationId xmlns:a16="http://schemas.microsoft.com/office/drawing/2014/main" xmlns="" id="{3151A13B-9509-43FA-BFEB-1D9866A00B84}"/>
               </a:ext>
             </a:extLst>
           </p:cNvPr>
@@ -3444,7 +3448,7 @@
           <p:cNvPr id="25" name="Table 24">
             <a:extLst>
               <a:ext uri="{FF2B5EF4-FFF2-40B4-BE49-F238E27FC236}">
-                <a16:creationId xmlns:a16="http://schemas.microsoft.com/office/drawing/2014/main" id="{F545FAB8-F1CE-4886-9BDE-E772BCB0A9C4}"/>
+                <a16:creationId xmlns:a16="http://schemas.microsoft.com/office/drawing/2014/main" xmlns="" id="{F545FAB8-F1CE-4886-9BDE-E772BCB0A9C4}"/>
               </a:ext>
             </a:extLst>
           </p:cNvPr>
@@ -3454,14 +3458,14 @@
           <p:nvPr>
             <p:extLst>
               <p:ext uri="{D42A27DB-BD31-4B8C-83A1-F6EECF244321}">
-                <p14:modId xmlns:p14="http://schemas.microsoft.com/office/powerpoint/2010/main" val="3571951523"/>
+                <p14:modId xmlns:p14="http://schemas.microsoft.com/office/powerpoint/2010/main" val="1431982173"/>
               </p:ext>
             </p:extLst>
           </p:nvPr>
         </p:nvGraphicFramePr>
         <p:xfrm>
-          <a:off x="473240" y="1476102"/>
-          <a:ext cx="1825824" cy="417888"/>
+          <a:off x="483749" y="1476102"/>
+          <a:ext cx="1960721" cy="417888"/>
         </p:xfrm>
         <a:graphic>
           <a:graphicData uri="http://schemas.openxmlformats.org/drawingml/2006/table">
@@ -3470,10 +3474,10 @@
                 <a:tableStyleId>{638B1855-1B75-4FBE-930C-398BA8C253C6}</a:tableStyleId>
               </a:tblPr>
               <a:tblGrid>
-                <a:gridCol w="1825824">
+                <a:gridCol w="1960721">
                   <a:extLst>
                     <a:ext uri="{9D8B030D-6E8A-4147-A177-3AD203B41FA5}">
-                      <a16:colId xmlns:a16="http://schemas.microsoft.com/office/drawing/2014/main" val="4240773277"/>
+                      <a16:colId xmlns:a16="http://schemas.microsoft.com/office/drawing/2014/main" xmlns="" val="4240773277"/>
                     </a:ext>
                   </a:extLst>
                 </a:gridCol>
@@ -3485,21 +3489,45 @@
                     <a:lstStyle/>
                     <a:p>
                       <a:r>
-                        <a:rPr lang="en-SG" u="sng" dirty="0"/>
-                        <a:t>ab0:A</a:t>
+                        <a:rPr lang="en-US" sz="1800" u="sng" kern="1200" dirty="0" smtClean="0">
+                          <a:solidFill>
+                            <a:schemeClr val="lt1"/>
+                          </a:solidFill>
+                          <a:effectLst/>
+                          <a:latin typeface="+mn-lt"/>
+                          <a:ea typeface="+mn-ea"/>
+                          <a:cs typeface="+mn-cs"/>
+                        </a:rPr>
+                        <a:t>tm0:TaskManager</a:t>
                       </a:r>
                       <a:r>
-                        <a:rPr lang="en-SG" sz="1800" u="sng" dirty="0"/>
-                        <a:t>ddressBook</a:t>
+                        <a:rPr lang="en-US" sz="1800" kern="1200" dirty="0" smtClean="0">
+                          <a:solidFill>
+                            <a:schemeClr val="lt1"/>
+                          </a:solidFill>
+                          <a:effectLst/>
+                          <a:latin typeface="+mn-lt"/>
+                          <a:ea typeface="+mn-ea"/>
+                          <a:cs typeface="+mn-cs"/>
+                        </a:rPr>
+                        <a:t> </a:t>
                       </a:r>
-                      <a:endParaRPr lang="en-SG" sz="1600" u="sng" dirty="0"/>
+                      <a:endParaRPr lang="en-US" sz="1800" kern="1200" dirty="0">
+                        <a:solidFill>
+                          <a:schemeClr val="lt1"/>
+                        </a:solidFill>
+                        <a:effectLst/>
+                        <a:latin typeface="+mn-lt"/>
+                        <a:ea typeface="+mn-ea"/>
+                        <a:cs typeface="+mn-cs"/>
+                      </a:endParaRPr>
                     </a:p>
                   </a:txBody>
                   <a:tcPr/>
                 </a:tc>
                 <a:extLst>
                   <a:ext uri="{0D108BD9-81ED-4DB2-BD59-A6C34878D82A}">
-                    <a16:rowId xmlns:a16="http://schemas.microsoft.com/office/drawing/2014/main" val="2194462629"/>
+                    <a16:rowId xmlns:a16="http://schemas.microsoft.com/office/drawing/2014/main" xmlns="" val="2194462629"/>
                   </a:ext>
                 </a:extLst>
               </a:tr>
@@ -3558,7 +3586,7 @@
           <p:cNvPr id="30" name="TextBox 29">
             <a:extLst>
               <a:ext uri="{FF2B5EF4-FFF2-40B4-BE49-F238E27FC236}">
-                <a16:creationId xmlns:a16="http://schemas.microsoft.com/office/drawing/2014/main" id="{3151A13B-9509-43FA-BFEB-1D9866A00B84}"/>
+                <a16:creationId xmlns:a16="http://schemas.microsoft.com/office/drawing/2014/main" xmlns="" id="{3151A13B-9509-43FA-BFEB-1D9866A00B84}"/>
               </a:ext>
             </a:extLst>
           </p:cNvPr>
@@ -3648,7 +3676,7 @@
           <p:cNvPr id="15" name="Table 14">
             <a:extLst>
               <a:ext uri="{FF2B5EF4-FFF2-40B4-BE49-F238E27FC236}">
-                <a16:creationId xmlns:a16="http://schemas.microsoft.com/office/drawing/2014/main" id="{F545FAB8-F1CE-4886-9BDE-E772BCB0A9C4}"/>
+                <a16:creationId xmlns:a16="http://schemas.microsoft.com/office/drawing/2014/main" xmlns="" id="{F545FAB8-F1CE-4886-9BDE-E772BCB0A9C4}"/>
               </a:ext>
             </a:extLst>
           </p:cNvPr>
@@ -3658,14 +3686,14 @@
           <p:nvPr>
             <p:extLst>
               <p:ext uri="{D42A27DB-BD31-4B8C-83A1-F6EECF244321}">
-                <p14:modId xmlns:p14="http://schemas.microsoft.com/office/powerpoint/2010/main" val="2341913009"/>
+                <p14:modId xmlns:p14="http://schemas.microsoft.com/office/powerpoint/2010/main" val="898809980"/>
               </p:ext>
             </p:extLst>
           </p:nvPr>
         </p:nvGraphicFramePr>
         <p:xfrm>
-          <a:off x="2491232" y="1476102"/>
-          <a:ext cx="1825824" cy="417888"/>
+          <a:off x="2586110" y="1432172"/>
+          <a:ext cx="1923113" cy="609600"/>
         </p:xfrm>
         <a:graphic>
           <a:graphicData uri="http://schemas.openxmlformats.org/drawingml/2006/table">
@@ -3674,10 +3702,10 @@
                 <a:tableStyleId>{638B1855-1B75-4FBE-930C-398BA8C253C6}</a:tableStyleId>
               </a:tblPr>
               <a:tblGrid>
-                <a:gridCol w="1825824">
+                <a:gridCol w="1923113">
                   <a:extLst>
                     <a:ext uri="{9D8B030D-6E8A-4147-A177-3AD203B41FA5}">
-                      <a16:colId xmlns:a16="http://schemas.microsoft.com/office/drawing/2014/main" val="4240773277"/>
+                      <a16:colId xmlns:a16="http://schemas.microsoft.com/office/drawing/2014/main" xmlns="" val="4240773277"/>
                     </a:ext>
                   </a:extLst>
                 </a:gridCol>
@@ -3688,14 +3716,49 @@
                     <a:bodyPr/>
                     <a:lstStyle/>
                     <a:p>
+                      <a:pPr marL="0" marR="0" indent="0" algn="l" defTabSz="914400" rtl="0" eaLnBrk="1" fontAlgn="auto" latinLnBrk="0" hangingPunct="1">
+                        <a:lnSpc>
+                          <a:spcPct val="100000"/>
+                        </a:lnSpc>
+                        <a:spcBef>
+                          <a:spcPts val="0"/>
+                        </a:spcBef>
+                        <a:spcAft>
+                          <a:spcPts val="0"/>
+                        </a:spcAft>
+                        <a:buClrTx/>
+                        <a:buSzTx/>
+                        <a:buFontTx/>
+                        <a:buNone/>
+                        <a:tabLst/>
+                        <a:defRPr/>
+                      </a:pPr>
                       <a:r>
-                        <a:rPr lang="en-SG" u="sng" dirty="0"/>
-                        <a:t>ab1:A</a:t>
+                        <a:rPr lang="en-US" sz="1800" u="sng" kern="1200" dirty="0" smtClean="0">
+                          <a:solidFill>
+                            <a:schemeClr val="lt1"/>
+                          </a:solidFill>
+                          <a:effectLst/>
+                          <a:latin typeface="+mn-lt"/>
+                          <a:ea typeface="+mn-ea"/>
+                          <a:cs typeface="+mn-cs"/>
+                        </a:rPr>
+                        <a:t>tm1:TaskManager</a:t>
                       </a:r>
                       <a:r>
-                        <a:rPr lang="en-SG" sz="1800" u="sng" dirty="0"/>
-                        <a:t>ddressBook</a:t>
+                        <a:rPr lang="en-US" sz="1800" kern="1200" dirty="0" smtClean="0">
+                          <a:solidFill>
+                            <a:schemeClr val="lt1"/>
+                          </a:solidFill>
+                          <a:effectLst/>
+                          <a:latin typeface="+mn-lt"/>
+                          <a:ea typeface="+mn-ea"/>
+                          <a:cs typeface="+mn-cs"/>
+                        </a:rPr>
+                        <a:t> </a:t>
                       </a:r>
+                    </a:p>
+                    <a:p>
                       <a:endParaRPr lang="en-SG" sz="1600" u="sng" dirty="0"/>
                     </a:p>
                   </a:txBody>
@@ -3703,7 +3766,7 @@
                 </a:tc>
                 <a:extLst>
                   <a:ext uri="{0D108BD9-81ED-4DB2-BD59-A6C34878D82A}">
-                    <a16:rowId xmlns:a16="http://schemas.microsoft.com/office/drawing/2014/main" val="2194462629"/>
+                    <a16:rowId xmlns:a16="http://schemas.microsoft.com/office/drawing/2014/main" xmlns="" val="2194462629"/>
                   </a:ext>
                 </a:extLst>
               </a:tr>
@@ -3716,7 +3779,7 @@
           <p:cNvPr id="16" name="Table 15">
             <a:extLst>
               <a:ext uri="{FF2B5EF4-FFF2-40B4-BE49-F238E27FC236}">
-                <a16:creationId xmlns:a16="http://schemas.microsoft.com/office/drawing/2014/main" id="{F545FAB8-F1CE-4886-9BDE-E772BCB0A9C4}"/>
+                <a16:creationId xmlns:a16="http://schemas.microsoft.com/office/drawing/2014/main" xmlns="" id="{F545FAB8-F1CE-4886-9BDE-E772BCB0A9C4}"/>
               </a:ext>
             </a:extLst>
           </p:cNvPr>
@@ -3726,14 +3789,14 @@
           <p:nvPr>
             <p:extLst>
               <p:ext uri="{D42A27DB-BD31-4B8C-83A1-F6EECF244321}">
-                <p14:modId xmlns:p14="http://schemas.microsoft.com/office/powerpoint/2010/main" val="2172716932"/>
+                <p14:modId xmlns:p14="http://schemas.microsoft.com/office/powerpoint/2010/main" val="694049875"/>
               </p:ext>
             </p:extLst>
           </p:nvPr>
         </p:nvGraphicFramePr>
         <p:xfrm>
-          <a:off x="4509224" y="3926589"/>
-          <a:ext cx="1825824" cy="417888"/>
+          <a:off x="4509223" y="3926589"/>
+          <a:ext cx="1975659" cy="609600"/>
         </p:xfrm>
         <a:graphic>
           <a:graphicData uri="http://schemas.openxmlformats.org/drawingml/2006/table">
@@ -3742,10 +3805,10 @@
                 <a:tableStyleId>{638B1855-1B75-4FBE-930C-398BA8C253C6}</a:tableStyleId>
               </a:tblPr>
               <a:tblGrid>
-                <a:gridCol w="1825824">
+                <a:gridCol w="1975659">
                   <a:extLst>
                     <a:ext uri="{9D8B030D-6E8A-4147-A177-3AD203B41FA5}">
-                      <a16:colId xmlns:a16="http://schemas.microsoft.com/office/drawing/2014/main" val="4240773277"/>
+                      <a16:colId xmlns:a16="http://schemas.microsoft.com/office/drawing/2014/main" xmlns="" val="4240773277"/>
                     </a:ext>
                   </a:extLst>
                 </a:gridCol>
@@ -3756,14 +3819,49 @@
                     <a:bodyPr/>
                     <a:lstStyle/>
                     <a:p>
+                      <a:pPr marL="0" marR="0" indent="0" algn="l" defTabSz="914400" rtl="0" eaLnBrk="1" fontAlgn="auto" latinLnBrk="0" hangingPunct="1">
+                        <a:lnSpc>
+                          <a:spcPct val="100000"/>
+                        </a:lnSpc>
+                        <a:spcBef>
+                          <a:spcPts val="0"/>
+                        </a:spcBef>
+                        <a:spcAft>
+                          <a:spcPts val="0"/>
+                        </a:spcAft>
+                        <a:buClrTx/>
+                        <a:buSzTx/>
+                        <a:buFontTx/>
+                        <a:buNone/>
+                        <a:tabLst/>
+                        <a:defRPr/>
+                      </a:pPr>
                       <a:r>
-                        <a:rPr lang="en-SG" u="sng"/>
-                        <a:t>ab2:A</a:t>
+                        <a:rPr lang="en-US" sz="1800" u="sng" kern="1200" dirty="0" smtClean="0">
+                          <a:solidFill>
+                            <a:schemeClr val="lt1"/>
+                          </a:solidFill>
+                          <a:effectLst/>
+                          <a:latin typeface="+mn-lt"/>
+                          <a:ea typeface="+mn-ea"/>
+                          <a:cs typeface="+mn-cs"/>
+                        </a:rPr>
+                        <a:t>tm2:TaskManager</a:t>
                       </a:r>
                       <a:r>
-                        <a:rPr lang="en-SG" sz="1800" u="sng"/>
-                        <a:t>ddressBook</a:t>
+                        <a:rPr lang="en-US" sz="1800" kern="1200" dirty="0" smtClean="0">
+                          <a:solidFill>
+                            <a:schemeClr val="lt1"/>
+                          </a:solidFill>
+                          <a:effectLst/>
+                          <a:latin typeface="+mn-lt"/>
+                          <a:ea typeface="+mn-ea"/>
+                          <a:cs typeface="+mn-cs"/>
+                        </a:rPr>
+                        <a:t> </a:t>
                       </a:r>
+                    </a:p>
+                    <a:p>
                       <a:endParaRPr lang="en-SG" sz="1600" u="sng" dirty="0"/>
                     </a:p>
                   </a:txBody>
@@ -3771,7 +3869,7 @@
                 </a:tc>
                 <a:extLst>
                   <a:ext uri="{0D108BD9-81ED-4DB2-BD59-A6C34878D82A}">
-                    <a16:rowId xmlns:a16="http://schemas.microsoft.com/office/drawing/2014/main" val="2194462629"/>
+                    <a16:rowId xmlns:a16="http://schemas.microsoft.com/office/drawing/2014/main" xmlns="" val="2194462629"/>
                   </a:ext>
                 </a:extLst>
               </a:tr>
@@ -3784,7 +3882,7 @@
           <p:cNvPr id="17" name="Table 16">
             <a:extLst>
               <a:ext uri="{FF2B5EF4-FFF2-40B4-BE49-F238E27FC236}">
-                <a16:creationId xmlns:a16="http://schemas.microsoft.com/office/drawing/2014/main" id="{F545FAB8-F1CE-4886-9BDE-E772BCB0A9C4}"/>
+                <a16:creationId xmlns:a16="http://schemas.microsoft.com/office/drawing/2014/main" xmlns="" id="{F545FAB8-F1CE-4886-9BDE-E772BCB0A9C4}"/>
               </a:ext>
             </a:extLst>
           </p:cNvPr>
@@ -3794,14 +3892,14 @@
           <p:nvPr>
             <p:extLst>
               <p:ext uri="{D42A27DB-BD31-4B8C-83A1-F6EECF244321}">
-                <p14:modId xmlns:p14="http://schemas.microsoft.com/office/powerpoint/2010/main" val="4094059841"/>
+                <p14:modId xmlns:p14="http://schemas.microsoft.com/office/powerpoint/2010/main" val="714435548"/>
               </p:ext>
             </p:extLst>
           </p:nvPr>
         </p:nvGraphicFramePr>
         <p:xfrm>
           <a:off x="2491232" y="3908450"/>
-          <a:ext cx="1825824" cy="417888"/>
+          <a:ext cx="1923112" cy="609600"/>
         </p:xfrm>
         <a:graphic>
           <a:graphicData uri="http://schemas.openxmlformats.org/drawingml/2006/table">
@@ -3810,10 +3908,10 @@
                 <a:tableStyleId>{638B1855-1B75-4FBE-930C-398BA8C253C6}</a:tableStyleId>
               </a:tblPr>
               <a:tblGrid>
-                <a:gridCol w="1825824">
+                <a:gridCol w="1923112">
                   <a:extLst>
                     <a:ext uri="{9D8B030D-6E8A-4147-A177-3AD203B41FA5}">
-                      <a16:colId xmlns:a16="http://schemas.microsoft.com/office/drawing/2014/main" val="4240773277"/>
+                      <a16:colId xmlns:a16="http://schemas.microsoft.com/office/drawing/2014/main" xmlns="" val="4240773277"/>
                     </a:ext>
                   </a:extLst>
                 </a:gridCol>
@@ -3824,14 +3922,49 @@
                     <a:bodyPr/>
                     <a:lstStyle/>
                     <a:p>
+                      <a:pPr marL="0" marR="0" indent="0" algn="l" defTabSz="914400" rtl="0" eaLnBrk="1" fontAlgn="auto" latinLnBrk="0" hangingPunct="1">
+                        <a:lnSpc>
+                          <a:spcPct val="100000"/>
+                        </a:lnSpc>
+                        <a:spcBef>
+                          <a:spcPts val="0"/>
+                        </a:spcBef>
+                        <a:spcAft>
+                          <a:spcPts val="0"/>
+                        </a:spcAft>
+                        <a:buClrTx/>
+                        <a:buSzTx/>
+                        <a:buFontTx/>
+                        <a:buNone/>
+                        <a:tabLst/>
+                        <a:defRPr/>
+                      </a:pPr>
                       <a:r>
-                        <a:rPr lang="en-SG" u="sng" dirty="0"/>
-                        <a:t>ab1:A</a:t>
+                        <a:rPr lang="en-US" sz="1800" u="sng" kern="1200" dirty="0" smtClean="0">
+                          <a:solidFill>
+                            <a:schemeClr val="lt1"/>
+                          </a:solidFill>
+                          <a:effectLst/>
+                          <a:latin typeface="+mn-lt"/>
+                          <a:ea typeface="+mn-ea"/>
+                          <a:cs typeface="+mn-cs"/>
+                        </a:rPr>
+                        <a:t>tm1:TaskManager</a:t>
                       </a:r>
                       <a:r>
-                        <a:rPr lang="en-SG" sz="1800" u="sng" dirty="0"/>
-                        <a:t>ddressBook</a:t>
+                        <a:rPr lang="en-US" sz="1800" kern="1200" dirty="0" smtClean="0">
+                          <a:solidFill>
+                            <a:schemeClr val="lt1"/>
+                          </a:solidFill>
+                          <a:effectLst/>
+                          <a:latin typeface="+mn-lt"/>
+                          <a:ea typeface="+mn-ea"/>
+                          <a:cs typeface="+mn-cs"/>
+                        </a:rPr>
+                        <a:t> </a:t>
                       </a:r>
+                    </a:p>
+                    <a:p>
                       <a:endParaRPr lang="en-SG" sz="1600" u="sng" dirty="0"/>
                     </a:p>
                   </a:txBody>
@@ -3839,7 +3972,7 @@
                 </a:tc>
                 <a:extLst>
                   <a:ext uri="{0D108BD9-81ED-4DB2-BD59-A6C34878D82A}">
-                    <a16:rowId xmlns:a16="http://schemas.microsoft.com/office/drawing/2014/main" val="2194462629"/>
+                    <a16:rowId xmlns:a16="http://schemas.microsoft.com/office/drawing/2014/main" xmlns="" val="2194462629"/>
                   </a:ext>
                 </a:extLst>
               </a:tr>
@@ -3852,7 +3985,7 @@
           <p:cNvPr id="18" name="Table 17">
             <a:extLst>
               <a:ext uri="{FF2B5EF4-FFF2-40B4-BE49-F238E27FC236}">
-                <a16:creationId xmlns:a16="http://schemas.microsoft.com/office/drawing/2014/main" id="{F545FAB8-F1CE-4886-9BDE-E772BCB0A9C4}"/>
+                <a16:creationId xmlns:a16="http://schemas.microsoft.com/office/drawing/2014/main" xmlns="" id="{F545FAB8-F1CE-4886-9BDE-E772BCB0A9C4}"/>
               </a:ext>
             </a:extLst>
           </p:cNvPr>
@@ -3862,14 +3995,14 @@
           <p:nvPr>
             <p:extLst>
               <p:ext uri="{D42A27DB-BD31-4B8C-83A1-F6EECF244321}">
-                <p14:modId xmlns:p14="http://schemas.microsoft.com/office/powerpoint/2010/main" val="3467820198"/>
+                <p14:modId xmlns:p14="http://schemas.microsoft.com/office/powerpoint/2010/main" val="444977532"/>
               </p:ext>
             </p:extLst>
           </p:nvPr>
         </p:nvGraphicFramePr>
         <p:xfrm>
-          <a:off x="473240" y="3908450"/>
-          <a:ext cx="1825824" cy="417888"/>
+          <a:off x="364797" y="3908450"/>
+          <a:ext cx="1934267" cy="609600"/>
         </p:xfrm>
         <a:graphic>
           <a:graphicData uri="http://schemas.openxmlformats.org/drawingml/2006/table">
@@ -3878,10 +4011,10 @@
                 <a:tableStyleId>{638B1855-1B75-4FBE-930C-398BA8C253C6}</a:tableStyleId>
               </a:tblPr>
               <a:tblGrid>
-                <a:gridCol w="1825824">
+                <a:gridCol w="1934267">
                   <a:extLst>
                     <a:ext uri="{9D8B030D-6E8A-4147-A177-3AD203B41FA5}">
-                      <a16:colId xmlns:a16="http://schemas.microsoft.com/office/drawing/2014/main" val="4240773277"/>
+                      <a16:colId xmlns:a16="http://schemas.microsoft.com/office/drawing/2014/main" xmlns="" val="4240773277"/>
                     </a:ext>
                   </a:extLst>
                 </a:gridCol>
@@ -3892,14 +4025,49 @@
                     <a:bodyPr/>
                     <a:lstStyle/>
                     <a:p>
+                      <a:pPr marL="0" marR="0" indent="0" algn="l" defTabSz="914400" rtl="0" eaLnBrk="1" fontAlgn="auto" latinLnBrk="0" hangingPunct="1">
+                        <a:lnSpc>
+                          <a:spcPct val="100000"/>
+                        </a:lnSpc>
+                        <a:spcBef>
+                          <a:spcPts val="0"/>
+                        </a:spcBef>
+                        <a:spcAft>
+                          <a:spcPts val="0"/>
+                        </a:spcAft>
+                        <a:buClrTx/>
+                        <a:buSzTx/>
+                        <a:buFontTx/>
+                        <a:buNone/>
+                        <a:tabLst/>
+                        <a:defRPr/>
+                      </a:pPr>
                       <a:r>
-                        <a:rPr lang="en-SG" u="sng" dirty="0"/>
-                        <a:t>ab0:A</a:t>
+                        <a:rPr lang="en-US" sz="1800" u="sng" kern="1200" dirty="0" smtClean="0">
+                          <a:solidFill>
+                            <a:schemeClr val="lt1"/>
+                          </a:solidFill>
+                          <a:effectLst/>
+                          <a:latin typeface="+mn-lt"/>
+                          <a:ea typeface="+mn-ea"/>
+                          <a:cs typeface="+mn-cs"/>
+                        </a:rPr>
+                        <a:t>tm0:TaskManager</a:t>
                       </a:r>
                       <a:r>
-                        <a:rPr lang="en-SG" sz="1800" u="sng" dirty="0"/>
-                        <a:t>ddressBook</a:t>
+                        <a:rPr lang="en-US" sz="1800" kern="1200" dirty="0" smtClean="0">
+                          <a:solidFill>
+                            <a:schemeClr val="lt1"/>
+                          </a:solidFill>
+                          <a:effectLst/>
+                          <a:latin typeface="+mn-lt"/>
+                          <a:ea typeface="+mn-ea"/>
+                          <a:cs typeface="+mn-cs"/>
+                        </a:rPr>
+                        <a:t> </a:t>
                       </a:r>
+                    </a:p>
+                    <a:p>
                       <a:endParaRPr lang="en-SG" sz="1600" u="sng" dirty="0"/>
                     </a:p>
                   </a:txBody>
@@ -3907,7 +4075,7 @@
                 </a:tc>
                 <a:extLst>
                   <a:ext uri="{0D108BD9-81ED-4DB2-BD59-A6C34878D82A}">
-                    <a16:rowId xmlns:a16="http://schemas.microsoft.com/office/drawing/2014/main" val="2194462629"/>
+                    <a16:rowId xmlns:a16="http://schemas.microsoft.com/office/drawing/2014/main" xmlns="" val="2194462629"/>
                   </a:ext>
                 </a:extLst>
               </a:tr>
@@ -3920,7 +4088,7 @@
           <p:cNvPr id="14" name="Straight Arrow Connector 13">
             <a:extLst>
               <a:ext uri="{FF2B5EF4-FFF2-40B4-BE49-F238E27FC236}">
-                <a16:creationId xmlns:a16="http://schemas.microsoft.com/office/drawing/2014/main" id="{DE6F144C-EC66-46E7-97DC-BB839A1578F5}"/>
+                <a16:creationId xmlns:a16="http://schemas.microsoft.com/office/drawing/2014/main" xmlns="" id="{DE6F144C-EC66-46E7-97DC-BB839A1578F5}"/>
               </a:ext>
             </a:extLst>
           </p:cNvPr>
@@ -3964,7 +4132,7 @@
           <p:cNvPr id="19" name="Straight Arrow Connector 18">
             <a:extLst>
               <a:ext uri="{FF2B5EF4-FFF2-40B4-BE49-F238E27FC236}">
-                <a16:creationId xmlns:a16="http://schemas.microsoft.com/office/drawing/2014/main" id="{8B2AD13C-14D7-4ED9-AAC9-B4BBD707577B}"/>
+                <a16:creationId xmlns:a16="http://schemas.microsoft.com/office/drawing/2014/main" xmlns="" id="{8B2AD13C-14D7-4ED9-AAC9-B4BBD707577B}"/>
               </a:ext>
             </a:extLst>
           </p:cNvPr>

--- a/docs/diagrams/UndoRedoNewCommand2StateListDiagram.pptx
+++ b/docs/diagrams/UndoRedoNewCommand2StateListDiagram.pptx
@@ -112,10 +112,6 @@
 </p:presentation>
 </file>
 
-<file path=ppt/revisionInfo.xml><?xml version="1.0" encoding="utf-8"?>
-<p1510:revInfo xmlns:a="http://schemas.openxmlformats.org/drawingml/2006/main" xmlns:r="http://schemas.openxmlformats.org/officeDocument/2006/relationships" xmlns:p1510="http://schemas.microsoft.com/office/powerpoint/2015/10/main"/>
-</file>
-
 <file path=ppt/slideLayouts/slideLayout1.xml><?xml version="1.0" encoding="utf-8"?>
 <p:sldLayout xmlns:a="http://schemas.openxmlformats.org/drawingml/2006/main" xmlns:r="http://schemas.openxmlformats.org/officeDocument/2006/relationships" xmlns:p="http://schemas.openxmlformats.org/presentationml/2006/main" type="title" preserve="1">
   <p:cSld name="Title Slide">
@@ -265,7 +261,7 @@
           <a:p>
             <a:fld id="{03EC4E3E-8101-482F-A883-8B55DAFF7C07}" type="datetimeFigureOut">
               <a:rPr lang="en-SG" smtClean="0"/>
-              <a:t>6/7/2018</a:t>
+              <a:t>22/10/2018</a:t>
             </a:fld>
             <a:endParaRPr lang="en-SG"/>
           </a:p>
@@ -465,7 +461,7 @@
           <a:p>
             <a:fld id="{03EC4E3E-8101-482F-A883-8B55DAFF7C07}" type="datetimeFigureOut">
               <a:rPr lang="en-SG" smtClean="0"/>
-              <a:t>6/7/2018</a:t>
+              <a:t>22/10/2018</a:t>
             </a:fld>
             <a:endParaRPr lang="en-SG"/>
           </a:p>
@@ -675,7 +671,7 @@
           <a:p>
             <a:fld id="{03EC4E3E-8101-482F-A883-8B55DAFF7C07}" type="datetimeFigureOut">
               <a:rPr lang="en-SG" smtClean="0"/>
-              <a:t>6/7/2018</a:t>
+              <a:t>22/10/2018</a:t>
             </a:fld>
             <a:endParaRPr lang="en-SG"/>
           </a:p>
@@ -875,7 +871,7 @@
           <a:p>
             <a:fld id="{03EC4E3E-8101-482F-A883-8B55DAFF7C07}" type="datetimeFigureOut">
               <a:rPr lang="en-SG" smtClean="0"/>
-              <a:t>6/7/2018</a:t>
+              <a:t>22/10/2018</a:t>
             </a:fld>
             <a:endParaRPr lang="en-SG"/>
           </a:p>
@@ -1151,7 +1147,7 @@
           <a:p>
             <a:fld id="{03EC4E3E-8101-482F-A883-8B55DAFF7C07}" type="datetimeFigureOut">
               <a:rPr lang="en-SG" smtClean="0"/>
-              <a:t>6/7/2018</a:t>
+              <a:t>22/10/2018</a:t>
             </a:fld>
             <a:endParaRPr lang="en-SG"/>
           </a:p>
@@ -1419,7 +1415,7 @@
           <a:p>
             <a:fld id="{03EC4E3E-8101-482F-A883-8B55DAFF7C07}" type="datetimeFigureOut">
               <a:rPr lang="en-SG" smtClean="0"/>
-              <a:t>6/7/2018</a:t>
+              <a:t>22/10/2018</a:t>
             </a:fld>
             <a:endParaRPr lang="en-SG"/>
           </a:p>
@@ -1834,7 +1830,7 @@
           <a:p>
             <a:fld id="{03EC4E3E-8101-482F-A883-8B55DAFF7C07}" type="datetimeFigureOut">
               <a:rPr lang="en-SG" smtClean="0"/>
-              <a:t>6/7/2018</a:t>
+              <a:t>22/10/2018</a:t>
             </a:fld>
             <a:endParaRPr lang="en-SG"/>
           </a:p>
@@ -1976,7 +1972,7 @@
           <a:p>
             <a:fld id="{03EC4E3E-8101-482F-A883-8B55DAFF7C07}" type="datetimeFigureOut">
               <a:rPr lang="en-SG" smtClean="0"/>
-              <a:t>6/7/2018</a:t>
+              <a:t>22/10/2018</a:t>
             </a:fld>
             <a:endParaRPr lang="en-SG"/>
           </a:p>
@@ -2089,7 +2085,7 @@
           <a:p>
             <a:fld id="{03EC4E3E-8101-482F-A883-8B55DAFF7C07}" type="datetimeFigureOut">
               <a:rPr lang="en-SG" smtClean="0"/>
-              <a:t>6/7/2018</a:t>
+              <a:t>22/10/2018</a:t>
             </a:fld>
             <a:endParaRPr lang="en-SG"/>
           </a:p>
@@ -2402,7 +2398,7 @@
           <a:p>
             <a:fld id="{03EC4E3E-8101-482F-A883-8B55DAFF7C07}" type="datetimeFigureOut">
               <a:rPr lang="en-SG" smtClean="0"/>
-              <a:t>6/7/2018</a:t>
+              <a:t>22/10/2018</a:t>
             </a:fld>
             <a:endParaRPr lang="en-SG"/>
           </a:p>
@@ -2691,7 +2687,7 @@
           <a:p>
             <a:fld id="{03EC4E3E-8101-482F-A883-8B55DAFF7C07}" type="datetimeFigureOut">
               <a:rPr lang="en-SG" smtClean="0"/>
-              <a:t>6/7/2018</a:t>
+              <a:t>22/10/2018</a:t>
             </a:fld>
             <a:endParaRPr lang="en-SG"/>
           </a:p>
@@ -2934,7 +2930,7 @@
           <a:p>
             <a:fld id="{03EC4E3E-8101-482F-A883-8B55DAFF7C07}" type="datetimeFigureOut">
               <a:rPr lang="en-SG" smtClean="0"/>
-              <a:t>6/7/2018</a:t>
+              <a:t>22/10/2018</a:t>
             </a:fld>
             <a:endParaRPr lang="en-SG"/>
           </a:p>
@@ -3359,8 +3355,8 @@
         </p:nvSpPr>
         <p:spPr>
           <a:xfrm>
-            <a:off x="5129284" y="2264095"/>
-            <a:ext cx="1933431" cy="1383977"/>
+            <a:off x="5404096" y="2224368"/>
+            <a:ext cx="2221084" cy="1383977"/>
           </a:xfrm>
           <a:prstGeom prst="downArrow">
             <a:avLst/>
@@ -3389,7 +3385,15 @@
             <a:pPr algn="ctr"/>
             <a:r>
               <a:rPr lang="en-SG" dirty="0"/>
-              <a:t>Add n/David… </a:t>
+              <a:t>Add n/CS2100 </a:t>
+            </a:r>
+            <a:r>
+              <a:rPr lang="en-SG" dirty="0" err="1"/>
+              <a:t>Lec</a:t>
+            </a:r>
+            <a:r>
+              <a:rPr lang="en-SG" dirty="0"/>
+              <a:t>… </a:t>
             </a:r>
             <a:endParaRPr lang="en-US" dirty="0"/>
           </a:p>
@@ -3409,7 +3413,7 @@
         </p:nvSpPr>
         <p:spPr>
           <a:xfrm>
-            <a:off x="1836612" y="2726030"/>
+            <a:off x="2197096" y="2726030"/>
             <a:ext cx="3207000" cy="369332"/>
           </a:xfrm>
           <a:prstGeom prst="rect">
@@ -3454,14 +3458,14 @@
           <p:nvPr>
             <p:extLst>
               <p:ext uri="{D42A27DB-BD31-4B8C-83A1-F6EECF244321}">
-                <p14:modId xmlns:p14="http://schemas.microsoft.com/office/powerpoint/2010/main" val="3571951523"/>
+                <p14:modId xmlns:p14="http://schemas.microsoft.com/office/powerpoint/2010/main" val="3541320807"/>
               </p:ext>
             </p:extLst>
           </p:nvPr>
         </p:nvGraphicFramePr>
         <p:xfrm>
           <a:off x="473240" y="1476102"/>
-          <a:ext cx="1825824" cy="417888"/>
+          <a:ext cx="2221446" cy="417888"/>
         </p:xfrm>
         <a:graphic>
           <a:graphicData uri="http://schemas.openxmlformats.org/drawingml/2006/table">
@@ -3470,7 +3474,7 @@
                 <a:tableStyleId>{638B1855-1B75-4FBE-930C-398BA8C253C6}</a:tableStyleId>
               </a:tblPr>
               <a:tblGrid>
-                <a:gridCol w="1825824">
+                <a:gridCol w="2221446">
                   <a:extLst>
                     <a:ext uri="{9D8B030D-6E8A-4147-A177-3AD203B41FA5}">
                       <a16:colId xmlns:a16="http://schemas.microsoft.com/office/drawing/2014/main" val="4240773277"/>
@@ -3486,11 +3490,7 @@
                     <a:p>
                       <a:r>
                         <a:rPr lang="en-SG" u="sng" dirty="0"/>
-                        <a:t>ab0:A</a:t>
-                      </a:r>
-                      <a:r>
-                        <a:rPr lang="en-SG" sz="1800" u="sng" dirty="0"/>
-                        <a:t>ddressBook</a:t>
+                        <a:t>sp0:SchedulePlanner</a:t>
                       </a:r>
                       <a:endParaRPr lang="en-SG" sz="1600" u="sng" dirty="0"/>
                     </a:p>
@@ -3567,7 +3567,7 @@
         </p:nvSpPr>
         <p:spPr>
           <a:xfrm>
-            <a:off x="3894137" y="5123174"/>
+            <a:off x="4694235" y="5123174"/>
             <a:ext cx="3207000" cy="369332"/>
           </a:xfrm>
           <a:prstGeom prst="rect">
@@ -3658,14 +3658,14 @@
           <p:nvPr>
             <p:extLst>
               <p:ext uri="{D42A27DB-BD31-4B8C-83A1-F6EECF244321}">
-                <p14:modId xmlns:p14="http://schemas.microsoft.com/office/powerpoint/2010/main" val="2341913009"/>
+                <p14:modId xmlns:p14="http://schemas.microsoft.com/office/powerpoint/2010/main" val="3213874398"/>
               </p:ext>
             </p:extLst>
           </p:nvPr>
         </p:nvGraphicFramePr>
         <p:xfrm>
-          <a:off x="2491232" y="1476102"/>
-          <a:ext cx="1825824" cy="417888"/>
+          <a:off x="2851715" y="1476102"/>
+          <a:ext cx="2221445" cy="417888"/>
         </p:xfrm>
         <a:graphic>
           <a:graphicData uri="http://schemas.openxmlformats.org/drawingml/2006/table">
@@ -3674,7 +3674,7 @@
                 <a:tableStyleId>{638B1855-1B75-4FBE-930C-398BA8C253C6}</a:tableStyleId>
               </a:tblPr>
               <a:tblGrid>
-                <a:gridCol w="1825824">
+                <a:gridCol w="2221445">
                   <a:extLst>
                     <a:ext uri="{9D8B030D-6E8A-4147-A177-3AD203B41FA5}">
                       <a16:colId xmlns:a16="http://schemas.microsoft.com/office/drawing/2014/main" val="4240773277"/>
@@ -3690,11 +3690,7 @@
                     <a:p>
                       <a:r>
                         <a:rPr lang="en-SG" u="sng" dirty="0"/>
-                        <a:t>ab1:A</a:t>
-                      </a:r>
-                      <a:r>
-                        <a:rPr lang="en-SG" sz="1800" u="sng" dirty="0"/>
-                        <a:t>ddressBook</a:t>
+                        <a:t>sp1:SchedulePlanner</a:t>
                       </a:r>
                       <a:endParaRPr lang="en-SG" sz="1600" u="sng" dirty="0"/>
                     </a:p>
@@ -3726,14 +3722,14 @@
           <p:nvPr>
             <p:extLst>
               <p:ext uri="{D42A27DB-BD31-4B8C-83A1-F6EECF244321}">
-                <p14:modId xmlns:p14="http://schemas.microsoft.com/office/powerpoint/2010/main" val="2172716932"/>
+                <p14:modId xmlns:p14="http://schemas.microsoft.com/office/powerpoint/2010/main" val="3976927150"/>
               </p:ext>
             </p:extLst>
           </p:nvPr>
         </p:nvGraphicFramePr>
         <p:xfrm>
-          <a:off x="4509224" y="3926589"/>
-          <a:ext cx="1825824" cy="417888"/>
+          <a:off x="5309322" y="3926589"/>
+          <a:ext cx="2023463" cy="417888"/>
         </p:xfrm>
         <a:graphic>
           <a:graphicData uri="http://schemas.openxmlformats.org/drawingml/2006/table">
@@ -3742,7 +3738,7 @@
                 <a:tableStyleId>{638B1855-1B75-4FBE-930C-398BA8C253C6}</a:tableStyleId>
               </a:tblPr>
               <a:tblGrid>
-                <a:gridCol w="1825824">
+                <a:gridCol w="2023463">
                   <a:extLst>
                     <a:ext uri="{9D8B030D-6E8A-4147-A177-3AD203B41FA5}">
                       <a16:colId xmlns:a16="http://schemas.microsoft.com/office/drawing/2014/main" val="4240773277"/>
@@ -3757,14 +3753,9 @@
                     <a:lstStyle/>
                     <a:p>
                       <a:r>
-                        <a:rPr lang="en-SG" u="sng"/>
-                        <a:t>ab2:A</a:t>
+                        <a:rPr lang="en-SG" sz="1600" u="sng" dirty="0"/>
+                        <a:t>sp2:SchedulePlanner</a:t>
                       </a:r>
-                      <a:r>
-                        <a:rPr lang="en-SG" sz="1800" u="sng"/>
-                        <a:t>ddressBook</a:t>
-                      </a:r>
-                      <a:endParaRPr lang="en-SG" sz="1600" u="sng" dirty="0"/>
                     </a:p>
                   </a:txBody>
                   <a:tcPr/>
@@ -3794,14 +3785,14 @@
           <p:nvPr>
             <p:extLst>
               <p:ext uri="{D42A27DB-BD31-4B8C-83A1-F6EECF244321}">
-                <p14:modId xmlns:p14="http://schemas.microsoft.com/office/powerpoint/2010/main" val="4094059841"/>
+                <p14:modId xmlns:p14="http://schemas.microsoft.com/office/powerpoint/2010/main" val="854287300"/>
               </p:ext>
             </p:extLst>
           </p:nvPr>
         </p:nvGraphicFramePr>
         <p:xfrm>
-          <a:off x="2491232" y="3908450"/>
-          <a:ext cx="1825824" cy="417888"/>
+          <a:off x="2851716" y="3908450"/>
+          <a:ext cx="2221444" cy="417888"/>
         </p:xfrm>
         <a:graphic>
           <a:graphicData uri="http://schemas.openxmlformats.org/drawingml/2006/table">
@@ -3810,7 +3801,7 @@
                 <a:tableStyleId>{638B1855-1B75-4FBE-930C-398BA8C253C6}</a:tableStyleId>
               </a:tblPr>
               <a:tblGrid>
-                <a:gridCol w="1825824">
+                <a:gridCol w="2221444">
                   <a:extLst>
                     <a:ext uri="{9D8B030D-6E8A-4147-A177-3AD203B41FA5}">
                       <a16:colId xmlns:a16="http://schemas.microsoft.com/office/drawing/2014/main" val="4240773277"/>
@@ -3826,11 +3817,7 @@
                     <a:p>
                       <a:r>
                         <a:rPr lang="en-SG" u="sng" dirty="0"/>
-                        <a:t>ab1:A</a:t>
-                      </a:r>
-                      <a:r>
-                        <a:rPr lang="en-SG" sz="1800" u="sng" dirty="0"/>
-                        <a:t>ddressBook</a:t>
+                        <a:t>sp1:SchedulePlanner</a:t>
                       </a:r>
                       <a:endParaRPr lang="en-SG" sz="1600" u="sng" dirty="0"/>
                     </a:p>
@@ -3862,14 +3849,14 @@
           <p:nvPr>
             <p:extLst>
               <p:ext uri="{D42A27DB-BD31-4B8C-83A1-F6EECF244321}">
-                <p14:modId xmlns:p14="http://schemas.microsoft.com/office/powerpoint/2010/main" val="3467820198"/>
+                <p14:modId xmlns:p14="http://schemas.microsoft.com/office/powerpoint/2010/main" val="2875237608"/>
               </p:ext>
             </p:extLst>
           </p:nvPr>
         </p:nvGraphicFramePr>
         <p:xfrm>
           <a:off x="473240" y="3908450"/>
-          <a:ext cx="1825824" cy="417888"/>
+          <a:ext cx="2155660" cy="417888"/>
         </p:xfrm>
         <a:graphic>
           <a:graphicData uri="http://schemas.openxmlformats.org/drawingml/2006/table">
@@ -3878,7 +3865,7 @@
                 <a:tableStyleId>{638B1855-1B75-4FBE-930C-398BA8C253C6}</a:tableStyleId>
               </a:tblPr>
               <a:tblGrid>
-                <a:gridCol w="1825824">
+                <a:gridCol w="2155660">
                   <a:extLst>
                     <a:ext uri="{9D8B030D-6E8A-4147-A177-3AD203B41FA5}">
                       <a16:colId xmlns:a16="http://schemas.microsoft.com/office/drawing/2014/main" val="4240773277"/>
@@ -3894,11 +3881,7 @@
                     <a:p>
                       <a:r>
                         <a:rPr lang="en-SG" u="sng" dirty="0"/>
-                        <a:t>ab0:A</a:t>
-                      </a:r>
-                      <a:r>
-                        <a:rPr lang="en-SG" sz="1800" u="sng" dirty="0"/>
-                        <a:t>ddressBook</a:t>
+                        <a:t>sp0:SchedulePlanner</a:t>
                       </a:r>
                       <a:endParaRPr lang="en-SG" sz="1600" u="sng" dirty="0"/>
                     </a:p>
@@ -3931,7 +3914,7 @@
         </p:nvCxnSpPr>
         <p:spPr>
           <a:xfrm flipV="1">
-            <a:off x="3380763" y="2019157"/>
+            <a:off x="3741247" y="2019157"/>
             <a:ext cx="0" cy="706873"/>
           </a:xfrm>
           <a:prstGeom prst="straightConnector1">
@@ -3975,7 +3958,7 @@
         </p:nvCxnSpPr>
         <p:spPr>
           <a:xfrm flipV="1">
-            <a:off x="5497637" y="4432492"/>
+            <a:off x="6297735" y="4432492"/>
             <a:ext cx="0" cy="706873"/>
           </a:xfrm>
           <a:prstGeom prst="straightConnector1">

--- a/docs/diagrams/UndoRedoNewCommand2StateListDiagram.pptx
+++ b/docs/diagrams/UndoRedoNewCommand2StateListDiagram.pptx
@@ -112,10 +112,6 @@
 </p:presentation>
 </file>
 
-<file path=ppt/revisionInfo.xml><?xml version="1.0" encoding="utf-8"?>
-<p1510:revInfo xmlns:a="http://schemas.openxmlformats.org/drawingml/2006/main" xmlns:r="http://schemas.openxmlformats.org/officeDocument/2006/relationships" xmlns:p1510="http://schemas.microsoft.com/office/powerpoint/2015/10/main"/>
-</file>
-
 <file path=ppt/slideLayouts/slideLayout1.xml><?xml version="1.0" encoding="utf-8"?>
 <p:sldLayout xmlns:a="http://schemas.openxmlformats.org/drawingml/2006/main" xmlns:r="http://schemas.openxmlformats.org/officeDocument/2006/relationships" xmlns:p="http://schemas.openxmlformats.org/presentationml/2006/main" type="title" preserve="1">
   <p:cSld name="Title Slide">
@@ -265,7 +261,7 @@
           <a:p>
             <a:fld id="{03EC4E3E-8101-482F-A883-8B55DAFF7C07}" type="datetimeFigureOut">
               <a:rPr lang="en-SG" smtClean="0"/>
-              <a:t>6/7/2018</a:t>
+              <a:t>25/10/2018</a:t>
             </a:fld>
             <a:endParaRPr lang="en-SG"/>
           </a:p>
@@ -465,7 +461,7 @@
           <a:p>
             <a:fld id="{03EC4E3E-8101-482F-A883-8B55DAFF7C07}" type="datetimeFigureOut">
               <a:rPr lang="en-SG" smtClean="0"/>
-              <a:t>6/7/2018</a:t>
+              <a:t>25/10/2018</a:t>
             </a:fld>
             <a:endParaRPr lang="en-SG"/>
           </a:p>
@@ -675,7 +671,7 @@
           <a:p>
             <a:fld id="{03EC4E3E-8101-482F-A883-8B55DAFF7C07}" type="datetimeFigureOut">
               <a:rPr lang="en-SG" smtClean="0"/>
-              <a:t>6/7/2018</a:t>
+              <a:t>25/10/2018</a:t>
             </a:fld>
             <a:endParaRPr lang="en-SG"/>
           </a:p>
@@ -875,7 +871,7 @@
           <a:p>
             <a:fld id="{03EC4E3E-8101-482F-A883-8B55DAFF7C07}" type="datetimeFigureOut">
               <a:rPr lang="en-SG" smtClean="0"/>
-              <a:t>6/7/2018</a:t>
+              <a:t>25/10/2018</a:t>
             </a:fld>
             <a:endParaRPr lang="en-SG"/>
           </a:p>
@@ -1151,7 +1147,7 @@
           <a:p>
             <a:fld id="{03EC4E3E-8101-482F-A883-8B55DAFF7C07}" type="datetimeFigureOut">
               <a:rPr lang="en-SG" smtClean="0"/>
-              <a:t>6/7/2018</a:t>
+              <a:t>25/10/2018</a:t>
             </a:fld>
             <a:endParaRPr lang="en-SG"/>
           </a:p>
@@ -1419,7 +1415,7 @@
           <a:p>
             <a:fld id="{03EC4E3E-8101-482F-A883-8B55DAFF7C07}" type="datetimeFigureOut">
               <a:rPr lang="en-SG" smtClean="0"/>
-              <a:t>6/7/2018</a:t>
+              <a:t>25/10/2018</a:t>
             </a:fld>
             <a:endParaRPr lang="en-SG"/>
           </a:p>
@@ -1834,7 +1830,7 @@
           <a:p>
             <a:fld id="{03EC4E3E-8101-482F-A883-8B55DAFF7C07}" type="datetimeFigureOut">
               <a:rPr lang="en-SG" smtClean="0"/>
-              <a:t>6/7/2018</a:t>
+              <a:t>25/10/2018</a:t>
             </a:fld>
             <a:endParaRPr lang="en-SG"/>
           </a:p>
@@ -1976,7 +1972,7 @@
           <a:p>
             <a:fld id="{03EC4E3E-8101-482F-A883-8B55DAFF7C07}" type="datetimeFigureOut">
               <a:rPr lang="en-SG" smtClean="0"/>
-              <a:t>6/7/2018</a:t>
+              <a:t>25/10/2018</a:t>
             </a:fld>
             <a:endParaRPr lang="en-SG"/>
           </a:p>
@@ -2089,7 +2085,7 @@
           <a:p>
             <a:fld id="{03EC4E3E-8101-482F-A883-8B55DAFF7C07}" type="datetimeFigureOut">
               <a:rPr lang="en-SG" smtClean="0"/>
-              <a:t>6/7/2018</a:t>
+              <a:t>25/10/2018</a:t>
             </a:fld>
             <a:endParaRPr lang="en-SG"/>
           </a:p>
@@ -2402,7 +2398,7 @@
           <a:p>
             <a:fld id="{03EC4E3E-8101-482F-A883-8B55DAFF7C07}" type="datetimeFigureOut">
               <a:rPr lang="en-SG" smtClean="0"/>
-              <a:t>6/7/2018</a:t>
+              <a:t>25/10/2018</a:t>
             </a:fld>
             <a:endParaRPr lang="en-SG"/>
           </a:p>
@@ -2691,7 +2687,7 @@
           <a:p>
             <a:fld id="{03EC4E3E-8101-482F-A883-8B55DAFF7C07}" type="datetimeFigureOut">
               <a:rPr lang="en-SG" smtClean="0"/>
-              <a:t>6/7/2018</a:t>
+              <a:t>25/10/2018</a:t>
             </a:fld>
             <a:endParaRPr lang="en-SG"/>
           </a:p>
@@ -2934,7 +2930,7 @@
           <a:p>
             <a:fld id="{03EC4E3E-8101-482F-A883-8B55DAFF7C07}" type="datetimeFigureOut">
               <a:rPr lang="en-SG" smtClean="0"/>
-              <a:t>6/7/2018</a:t>
+              <a:t>25/10/2018</a:t>
             </a:fld>
             <a:endParaRPr lang="en-SG"/>
           </a:p>
@@ -3359,8 +3355,8 @@
         </p:nvSpPr>
         <p:spPr>
           <a:xfrm>
-            <a:off x="5129284" y="2264095"/>
-            <a:ext cx="1933431" cy="1383977"/>
+            <a:off x="4938784" y="2264095"/>
+            <a:ext cx="2224014" cy="1383977"/>
           </a:xfrm>
           <a:prstGeom prst="downArrow">
             <a:avLst/>
@@ -3389,7 +3385,7 @@
             <a:pPr algn="ctr"/>
             <a:r>
               <a:rPr lang="en-SG" dirty="0"/>
-              <a:t>Add n/David… </a:t>
+              <a:t>Add n/Holiday… </a:t>
             </a:r>
             <a:endParaRPr lang="en-US" dirty="0"/>
           </a:p>
@@ -3454,7 +3450,7 @@
           <p:nvPr>
             <p:extLst>
               <p:ext uri="{D42A27DB-BD31-4B8C-83A1-F6EECF244321}">
-                <p14:modId xmlns:p14="http://schemas.microsoft.com/office/powerpoint/2010/main" val="3571951523"/>
+                <p14:modId xmlns:p14="http://schemas.microsoft.com/office/powerpoint/2010/main" val="3538418094"/>
               </p:ext>
             </p:extLst>
           </p:nvPr>
@@ -3486,11 +3482,7 @@
                     <a:p>
                       <a:r>
                         <a:rPr lang="en-SG" u="sng" dirty="0"/>
-                        <a:t>ab0:A</a:t>
-                      </a:r>
-                      <a:r>
-                        <a:rPr lang="en-SG" sz="1800" u="sng" dirty="0"/>
-                        <a:t>ddressBook</a:t>
+                        <a:t>schd0:Scheduler</a:t>
                       </a:r>
                       <a:endParaRPr lang="en-SG" sz="1600" u="sng" dirty="0"/>
                     </a:p>
@@ -3658,7 +3650,7 @@
           <p:nvPr>
             <p:extLst>
               <p:ext uri="{D42A27DB-BD31-4B8C-83A1-F6EECF244321}">
-                <p14:modId xmlns:p14="http://schemas.microsoft.com/office/powerpoint/2010/main" val="2341913009"/>
+                <p14:modId xmlns:p14="http://schemas.microsoft.com/office/powerpoint/2010/main" val="1337190891"/>
               </p:ext>
             </p:extLst>
           </p:nvPr>
@@ -3690,11 +3682,7 @@
                     <a:p>
                       <a:r>
                         <a:rPr lang="en-SG" u="sng" dirty="0"/>
-                        <a:t>ab1:A</a:t>
-                      </a:r>
-                      <a:r>
-                        <a:rPr lang="en-SG" sz="1800" u="sng" dirty="0"/>
-                        <a:t>ddressBook</a:t>
+                        <a:t>schd1:Scheduler</a:t>
                       </a:r>
                       <a:endParaRPr lang="en-SG" sz="1600" u="sng" dirty="0"/>
                     </a:p>
@@ -3726,7 +3714,7 @@
           <p:nvPr>
             <p:extLst>
               <p:ext uri="{D42A27DB-BD31-4B8C-83A1-F6EECF244321}">
-                <p14:modId xmlns:p14="http://schemas.microsoft.com/office/powerpoint/2010/main" val="2172716932"/>
+                <p14:modId xmlns:p14="http://schemas.microsoft.com/office/powerpoint/2010/main" val="2647800695"/>
               </p:ext>
             </p:extLst>
           </p:nvPr>
@@ -3757,12 +3745,8 @@
                     <a:lstStyle/>
                     <a:p>
                       <a:r>
-                        <a:rPr lang="en-SG" u="sng"/>
-                        <a:t>ab2:A</a:t>
-                      </a:r>
-                      <a:r>
-                        <a:rPr lang="en-SG" sz="1800" u="sng"/>
-                        <a:t>ddressBook</a:t>
+                        <a:rPr lang="en-SG" u="sng" dirty="0"/>
+                        <a:t>schd2:Scheduler</a:t>
                       </a:r>
                       <a:endParaRPr lang="en-SG" sz="1600" u="sng" dirty="0"/>
                     </a:p>
@@ -3794,7 +3778,7 @@
           <p:nvPr>
             <p:extLst>
               <p:ext uri="{D42A27DB-BD31-4B8C-83A1-F6EECF244321}">
-                <p14:modId xmlns:p14="http://schemas.microsoft.com/office/powerpoint/2010/main" val="4094059841"/>
+                <p14:modId xmlns:p14="http://schemas.microsoft.com/office/powerpoint/2010/main" val="924188822"/>
               </p:ext>
             </p:extLst>
           </p:nvPr>
@@ -3826,11 +3810,7 @@
                     <a:p>
                       <a:r>
                         <a:rPr lang="en-SG" u="sng" dirty="0"/>
-                        <a:t>ab1:A</a:t>
-                      </a:r>
-                      <a:r>
-                        <a:rPr lang="en-SG" sz="1800" u="sng" dirty="0"/>
-                        <a:t>ddressBook</a:t>
+                        <a:t>schd1:Scheduler</a:t>
                       </a:r>
                       <a:endParaRPr lang="en-SG" sz="1600" u="sng" dirty="0"/>
                     </a:p>
@@ -3862,7 +3842,7 @@
           <p:nvPr>
             <p:extLst>
               <p:ext uri="{D42A27DB-BD31-4B8C-83A1-F6EECF244321}">
-                <p14:modId xmlns:p14="http://schemas.microsoft.com/office/powerpoint/2010/main" val="3467820198"/>
+                <p14:modId xmlns:p14="http://schemas.microsoft.com/office/powerpoint/2010/main" val="2653609807"/>
               </p:ext>
             </p:extLst>
           </p:nvPr>
@@ -3894,11 +3874,11 @@
                     <a:p>
                       <a:r>
                         <a:rPr lang="en-SG" u="sng" dirty="0"/>
-                        <a:t>ab0:A</a:t>
+                        <a:t>schd0:</a:t>
                       </a:r>
                       <a:r>
                         <a:rPr lang="en-SG" sz="1800" u="sng" dirty="0"/>
-                        <a:t>ddressBook</a:t>
+                        <a:t>Scheduler</a:t>
                       </a:r>
                       <a:endParaRPr lang="en-SG" sz="1600" u="sng" dirty="0"/>
                     </a:p>

--- a/docs/diagrams/UndoRedoNewCommand2StateListDiagram.pptx
+++ b/docs/diagrams/UndoRedoNewCommand2StateListDiagram.pptx
@@ -112,10 +112,6 @@
 </p:presentation>
 </file>
 
-<file path=ppt/revisionInfo.xml><?xml version="1.0" encoding="utf-8"?>
-<p1510:revInfo xmlns:a="http://schemas.openxmlformats.org/drawingml/2006/main" xmlns:r="http://schemas.openxmlformats.org/officeDocument/2006/relationships" xmlns:p1510="http://schemas.microsoft.com/office/powerpoint/2015/10/main"/>
-</file>
-
 <file path=ppt/slideLayouts/slideLayout1.xml><?xml version="1.0" encoding="utf-8"?>
 <p:sldLayout xmlns:a="http://schemas.openxmlformats.org/drawingml/2006/main" xmlns:r="http://schemas.openxmlformats.org/officeDocument/2006/relationships" xmlns:p="http://schemas.openxmlformats.org/presentationml/2006/main" type="title" preserve="1">
   <p:cSld name="Title Slide">
@@ -265,7 +261,7 @@
           <a:p>
             <a:fld id="{03EC4E3E-8101-482F-A883-8B55DAFF7C07}" type="datetimeFigureOut">
               <a:rPr lang="en-SG" smtClean="0"/>
-              <a:t>6/7/2018</a:t>
+              <a:t>6/11/2018</a:t>
             </a:fld>
             <a:endParaRPr lang="en-SG"/>
           </a:p>
@@ -465,7 +461,7 @@
           <a:p>
             <a:fld id="{03EC4E3E-8101-482F-A883-8B55DAFF7C07}" type="datetimeFigureOut">
               <a:rPr lang="en-SG" smtClean="0"/>
-              <a:t>6/7/2018</a:t>
+              <a:t>6/11/2018</a:t>
             </a:fld>
             <a:endParaRPr lang="en-SG"/>
           </a:p>
@@ -675,7 +671,7 @@
           <a:p>
             <a:fld id="{03EC4E3E-8101-482F-A883-8B55DAFF7C07}" type="datetimeFigureOut">
               <a:rPr lang="en-SG" smtClean="0"/>
-              <a:t>6/7/2018</a:t>
+              <a:t>6/11/2018</a:t>
             </a:fld>
             <a:endParaRPr lang="en-SG"/>
           </a:p>
@@ -875,7 +871,7 @@
           <a:p>
             <a:fld id="{03EC4E3E-8101-482F-A883-8B55DAFF7C07}" type="datetimeFigureOut">
               <a:rPr lang="en-SG" smtClean="0"/>
-              <a:t>6/7/2018</a:t>
+              <a:t>6/11/2018</a:t>
             </a:fld>
             <a:endParaRPr lang="en-SG"/>
           </a:p>
@@ -1151,7 +1147,7 @@
           <a:p>
             <a:fld id="{03EC4E3E-8101-482F-A883-8B55DAFF7C07}" type="datetimeFigureOut">
               <a:rPr lang="en-SG" smtClean="0"/>
-              <a:t>6/7/2018</a:t>
+              <a:t>6/11/2018</a:t>
             </a:fld>
             <a:endParaRPr lang="en-SG"/>
           </a:p>
@@ -1419,7 +1415,7 @@
           <a:p>
             <a:fld id="{03EC4E3E-8101-482F-A883-8B55DAFF7C07}" type="datetimeFigureOut">
               <a:rPr lang="en-SG" smtClean="0"/>
-              <a:t>6/7/2018</a:t>
+              <a:t>6/11/2018</a:t>
             </a:fld>
             <a:endParaRPr lang="en-SG"/>
           </a:p>
@@ -1834,7 +1830,7 @@
           <a:p>
             <a:fld id="{03EC4E3E-8101-482F-A883-8B55DAFF7C07}" type="datetimeFigureOut">
               <a:rPr lang="en-SG" smtClean="0"/>
-              <a:t>6/7/2018</a:t>
+              <a:t>6/11/2018</a:t>
             </a:fld>
             <a:endParaRPr lang="en-SG"/>
           </a:p>
@@ -1976,7 +1972,7 @@
           <a:p>
             <a:fld id="{03EC4E3E-8101-482F-A883-8B55DAFF7C07}" type="datetimeFigureOut">
               <a:rPr lang="en-SG" smtClean="0"/>
-              <a:t>6/7/2018</a:t>
+              <a:t>6/11/2018</a:t>
             </a:fld>
             <a:endParaRPr lang="en-SG"/>
           </a:p>
@@ -2089,7 +2085,7 @@
           <a:p>
             <a:fld id="{03EC4E3E-8101-482F-A883-8B55DAFF7C07}" type="datetimeFigureOut">
               <a:rPr lang="en-SG" smtClean="0"/>
-              <a:t>6/7/2018</a:t>
+              <a:t>6/11/2018</a:t>
             </a:fld>
             <a:endParaRPr lang="en-SG"/>
           </a:p>
@@ -2402,7 +2398,7 @@
           <a:p>
             <a:fld id="{03EC4E3E-8101-482F-A883-8B55DAFF7C07}" type="datetimeFigureOut">
               <a:rPr lang="en-SG" smtClean="0"/>
-              <a:t>6/7/2018</a:t>
+              <a:t>6/11/2018</a:t>
             </a:fld>
             <a:endParaRPr lang="en-SG"/>
           </a:p>
@@ -2691,7 +2687,7 @@
           <a:p>
             <a:fld id="{03EC4E3E-8101-482F-A883-8B55DAFF7C07}" type="datetimeFigureOut">
               <a:rPr lang="en-SG" smtClean="0"/>
-              <a:t>6/7/2018</a:t>
+              <a:t>6/11/2018</a:t>
             </a:fld>
             <a:endParaRPr lang="en-SG"/>
           </a:p>
@@ -2934,7 +2930,7 @@
           <a:p>
             <a:fld id="{03EC4E3E-8101-482F-A883-8B55DAFF7C07}" type="datetimeFigureOut">
               <a:rPr lang="en-SG" smtClean="0"/>
-              <a:t>6/7/2018</a:t>
+              <a:t>6/11/2018</a:t>
             </a:fld>
             <a:endParaRPr lang="en-SG"/>
           </a:p>
@@ -3360,7 +3356,7 @@
         <p:spPr>
           <a:xfrm>
             <a:off x="5129284" y="2264095"/>
-            <a:ext cx="1933431" cy="1383977"/>
+            <a:ext cx="2019104" cy="1383977"/>
           </a:xfrm>
           <a:prstGeom prst="downArrow">
             <a:avLst/>
@@ -3389,7 +3385,7 @@
             <a:pPr algn="ctr"/>
             <a:r>
               <a:rPr lang="en-SG" dirty="0"/>
-              <a:t>Add n/David… </a:t>
+              <a:t>Add n/Wallet… </a:t>
             </a:r>
             <a:endParaRPr lang="en-US" dirty="0"/>
           </a:p>
@@ -3454,7 +3450,7 @@
           <p:nvPr>
             <p:extLst>
               <p:ext uri="{D42A27DB-BD31-4B8C-83A1-F6EECF244321}">
-                <p14:modId xmlns:p14="http://schemas.microsoft.com/office/powerpoint/2010/main" val="3571951523"/>
+                <p14:modId xmlns:p14="http://schemas.microsoft.com/office/powerpoint/2010/main" val="646089126"/>
               </p:ext>
             </p:extLst>
           </p:nvPr>
@@ -3484,13 +3480,14 @@
                     <a:bodyPr/>
                     <a:lstStyle/>
                     <a:p>
+                      <a:pPr algn="ctr"/>
                       <a:r>
                         <a:rPr lang="en-SG" u="sng" dirty="0"/>
-                        <a:t>ab0:A</a:t>
+                        <a:t>al0:</a:t>
                       </a:r>
                       <a:r>
                         <a:rPr lang="en-SG" sz="1800" u="sng" dirty="0"/>
-                        <a:t>ddressBook</a:t>
+                        <a:t>ArticleList</a:t>
                       </a:r>
                       <a:endParaRPr lang="en-SG" sz="1600" u="sng" dirty="0"/>
                     </a:p>
@@ -3658,7 +3655,7 @@
           <p:nvPr>
             <p:extLst>
               <p:ext uri="{D42A27DB-BD31-4B8C-83A1-F6EECF244321}">
-                <p14:modId xmlns:p14="http://schemas.microsoft.com/office/powerpoint/2010/main" val="2341913009"/>
+                <p14:modId xmlns:p14="http://schemas.microsoft.com/office/powerpoint/2010/main" val="2933616478"/>
               </p:ext>
             </p:extLst>
           </p:nvPr>
@@ -3688,13 +3685,14 @@
                     <a:bodyPr/>
                     <a:lstStyle/>
                     <a:p>
+                      <a:pPr algn="ctr"/>
                       <a:r>
                         <a:rPr lang="en-SG" u="sng" dirty="0"/>
-                        <a:t>ab1:A</a:t>
+                        <a:t>al1:</a:t>
                       </a:r>
                       <a:r>
                         <a:rPr lang="en-SG" sz="1800" u="sng" dirty="0"/>
-                        <a:t>ddressBook</a:t>
+                        <a:t>ArticleList</a:t>
                       </a:r>
                       <a:endParaRPr lang="en-SG" sz="1600" u="sng" dirty="0"/>
                     </a:p>
@@ -3726,7 +3724,7 @@
           <p:nvPr>
             <p:extLst>
               <p:ext uri="{D42A27DB-BD31-4B8C-83A1-F6EECF244321}">
-                <p14:modId xmlns:p14="http://schemas.microsoft.com/office/powerpoint/2010/main" val="2172716932"/>
+                <p14:modId xmlns:p14="http://schemas.microsoft.com/office/powerpoint/2010/main" val="3554093598"/>
               </p:ext>
             </p:extLst>
           </p:nvPr>
@@ -3756,13 +3754,14 @@
                     <a:bodyPr/>
                     <a:lstStyle/>
                     <a:p>
+                      <a:pPr algn="ctr"/>
                       <a:r>
-                        <a:rPr lang="en-SG" u="sng"/>
-                        <a:t>ab2:A</a:t>
+                        <a:rPr lang="en-SG" u="sng" dirty="0"/>
+                        <a:t>al2:</a:t>
                       </a:r>
                       <a:r>
-                        <a:rPr lang="en-SG" sz="1800" u="sng"/>
-                        <a:t>ddressBook</a:t>
+                        <a:rPr lang="en-SG" sz="1800" u="sng" dirty="0"/>
+                        <a:t>ArticleList</a:t>
                       </a:r>
                       <a:endParaRPr lang="en-SG" sz="1600" u="sng" dirty="0"/>
                     </a:p>
@@ -3794,7 +3793,7 @@
           <p:nvPr>
             <p:extLst>
               <p:ext uri="{D42A27DB-BD31-4B8C-83A1-F6EECF244321}">
-                <p14:modId xmlns:p14="http://schemas.microsoft.com/office/powerpoint/2010/main" val="4094059841"/>
+                <p14:modId xmlns:p14="http://schemas.microsoft.com/office/powerpoint/2010/main" val="1199105881"/>
               </p:ext>
             </p:extLst>
           </p:nvPr>
@@ -3824,13 +3823,14 @@
                     <a:bodyPr/>
                     <a:lstStyle/>
                     <a:p>
+                      <a:pPr algn="ctr"/>
                       <a:r>
                         <a:rPr lang="en-SG" u="sng" dirty="0"/>
-                        <a:t>ab1:A</a:t>
+                        <a:t>al1:</a:t>
                       </a:r>
                       <a:r>
                         <a:rPr lang="en-SG" sz="1800" u="sng" dirty="0"/>
-                        <a:t>ddressBook</a:t>
+                        <a:t>ArticleList</a:t>
                       </a:r>
                       <a:endParaRPr lang="en-SG" sz="1600" u="sng" dirty="0"/>
                     </a:p>
@@ -3862,7 +3862,7 @@
           <p:nvPr>
             <p:extLst>
               <p:ext uri="{D42A27DB-BD31-4B8C-83A1-F6EECF244321}">
-                <p14:modId xmlns:p14="http://schemas.microsoft.com/office/powerpoint/2010/main" val="3467820198"/>
+                <p14:modId xmlns:p14="http://schemas.microsoft.com/office/powerpoint/2010/main" val="2570948733"/>
               </p:ext>
             </p:extLst>
           </p:nvPr>
@@ -3892,13 +3892,14 @@
                     <a:bodyPr/>
                     <a:lstStyle/>
                     <a:p>
+                      <a:pPr algn="ctr"/>
                       <a:r>
                         <a:rPr lang="en-SG" u="sng" dirty="0"/>
-                        <a:t>ab0:A</a:t>
+                        <a:t>al0:</a:t>
                       </a:r>
                       <a:r>
                         <a:rPr lang="en-SG" sz="1800" u="sng" dirty="0"/>
-                        <a:t>ddressBook</a:t>
+                        <a:t>ArticleList</a:t>
                       </a:r>
                       <a:endParaRPr lang="en-SG" sz="1600" u="sng" dirty="0"/>
                     </a:p>

--- a/docs/diagrams/UndoRedoNewCommand2StateListDiagram.pptx
+++ b/docs/diagrams/UndoRedoNewCommand2StateListDiagram.pptx
@@ -112,10 +112,6 @@
 </p:presentation>
 </file>
 
-<file path=ppt/revisionInfo.xml><?xml version="1.0" encoding="utf-8"?>
-<p1510:revInfo xmlns:a="http://schemas.openxmlformats.org/drawingml/2006/main" xmlns:r="http://schemas.openxmlformats.org/officeDocument/2006/relationships" xmlns:p1510="http://schemas.microsoft.com/office/powerpoint/2015/10/main"/>
-</file>
-
 <file path=ppt/slideLayouts/slideLayout1.xml><?xml version="1.0" encoding="utf-8"?>
 <p:sldLayout xmlns:a="http://schemas.openxmlformats.org/drawingml/2006/main" xmlns:r="http://schemas.openxmlformats.org/officeDocument/2006/relationships" xmlns:p="http://schemas.openxmlformats.org/presentationml/2006/main" type="title" preserve="1">
   <p:cSld name="Title Slide">
@@ -265,7 +261,7 @@
           <a:p>
             <a:fld id="{03EC4E3E-8101-482F-A883-8B55DAFF7C07}" type="datetimeFigureOut">
               <a:rPr lang="en-SG" smtClean="0"/>
-              <a:t>6/7/2018</a:t>
+              <a:t>9/11/2018</a:t>
             </a:fld>
             <a:endParaRPr lang="en-SG"/>
           </a:p>
@@ -465,7 +461,7 @@
           <a:p>
             <a:fld id="{03EC4E3E-8101-482F-A883-8B55DAFF7C07}" type="datetimeFigureOut">
               <a:rPr lang="en-SG" smtClean="0"/>
-              <a:t>6/7/2018</a:t>
+              <a:t>9/11/2018</a:t>
             </a:fld>
             <a:endParaRPr lang="en-SG"/>
           </a:p>
@@ -675,7 +671,7 @@
           <a:p>
             <a:fld id="{03EC4E3E-8101-482F-A883-8B55DAFF7C07}" type="datetimeFigureOut">
               <a:rPr lang="en-SG" smtClean="0"/>
-              <a:t>6/7/2018</a:t>
+              <a:t>9/11/2018</a:t>
             </a:fld>
             <a:endParaRPr lang="en-SG"/>
           </a:p>
@@ -875,7 +871,7 @@
           <a:p>
             <a:fld id="{03EC4E3E-8101-482F-A883-8B55DAFF7C07}" type="datetimeFigureOut">
               <a:rPr lang="en-SG" smtClean="0"/>
-              <a:t>6/7/2018</a:t>
+              <a:t>9/11/2018</a:t>
             </a:fld>
             <a:endParaRPr lang="en-SG"/>
           </a:p>
@@ -1151,7 +1147,7 @@
           <a:p>
             <a:fld id="{03EC4E3E-8101-482F-A883-8B55DAFF7C07}" type="datetimeFigureOut">
               <a:rPr lang="en-SG" smtClean="0"/>
-              <a:t>6/7/2018</a:t>
+              <a:t>9/11/2018</a:t>
             </a:fld>
             <a:endParaRPr lang="en-SG"/>
           </a:p>
@@ -1419,7 +1415,7 @@
           <a:p>
             <a:fld id="{03EC4E3E-8101-482F-A883-8B55DAFF7C07}" type="datetimeFigureOut">
               <a:rPr lang="en-SG" smtClean="0"/>
-              <a:t>6/7/2018</a:t>
+              <a:t>9/11/2018</a:t>
             </a:fld>
             <a:endParaRPr lang="en-SG"/>
           </a:p>
@@ -1834,7 +1830,7 @@
           <a:p>
             <a:fld id="{03EC4E3E-8101-482F-A883-8B55DAFF7C07}" type="datetimeFigureOut">
               <a:rPr lang="en-SG" smtClean="0"/>
-              <a:t>6/7/2018</a:t>
+              <a:t>9/11/2018</a:t>
             </a:fld>
             <a:endParaRPr lang="en-SG"/>
           </a:p>
@@ -1976,7 +1972,7 @@
           <a:p>
             <a:fld id="{03EC4E3E-8101-482F-A883-8B55DAFF7C07}" type="datetimeFigureOut">
               <a:rPr lang="en-SG" smtClean="0"/>
-              <a:t>6/7/2018</a:t>
+              <a:t>9/11/2018</a:t>
             </a:fld>
             <a:endParaRPr lang="en-SG"/>
           </a:p>
@@ -2089,7 +2085,7 @@
           <a:p>
             <a:fld id="{03EC4E3E-8101-482F-A883-8B55DAFF7C07}" type="datetimeFigureOut">
               <a:rPr lang="en-SG" smtClean="0"/>
-              <a:t>6/7/2018</a:t>
+              <a:t>9/11/2018</a:t>
             </a:fld>
             <a:endParaRPr lang="en-SG"/>
           </a:p>
@@ -2402,7 +2398,7 @@
           <a:p>
             <a:fld id="{03EC4E3E-8101-482F-A883-8B55DAFF7C07}" type="datetimeFigureOut">
               <a:rPr lang="en-SG" smtClean="0"/>
-              <a:t>6/7/2018</a:t>
+              <a:t>9/11/2018</a:t>
             </a:fld>
             <a:endParaRPr lang="en-SG"/>
           </a:p>
@@ -2691,7 +2687,7 @@
           <a:p>
             <a:fld id="{03EC4E3E-8101-482F-A883-8B55DAFF7C07}" type="datetimeFigureOut">
               <a:rPr lang="en-SG" smtClean="0"/>
-              <a:t>6/7/2018</a:t>
+              <a:t>9/11/2018</a:t>
             </a:fld>
             <a:endParaRPr lang="en-SG"/>
           </a:p>
@@ -2934,7 +2930,7 @@
           <a:p>
             <a:fld id="{03EC4E3E-8101-482F-A883-8B55DAFF7C07}" type="datetimeFigureOut">
               <a:rPr lang="en-SG" smtClean="0"/>
-              <a:t>6/7/2018</a:t>
+              <a:t>9/11/2018</a:t>
             </a:fld>
             <a:endParaRPr lang="en-SG"/>
           </a:p>
@@ -3360,7 +3356,7 @@
         <p:spPr>
           <a:xfrm>
             <a:off x="5129284" y="2264095"/>
-            <a:ext cx="1933431" cy="1383977"/>
+            <a:ext cx="2254737" cy="1383977"/>
           </a:xfrm>
           <a:prstGeom prst="downArrow">
             <a:avLst/>
@@ -3389,7 +3385,7 @@
             <a:pPr algn="ctr"/>
             <a:r>
               <a:rPr lang="en-SG" dirty="0"/>
-              <a:t>Add n/David… </a:t>
+              <a:t>register id/azhikai …</a:t>
             </a:r>
             <a:endParaRPr lang="en-US" dirty="0"/>
           </a:p>
@@ -3439,74 +3435,6 @@
           </a:p>
         </p:txBody>
       </p:sp>
-      <p:graphicFrame>
-        <p:nvGraphicFramePr>
-          <p:cNvPr id="25" name="Table 24">
-            <a:extLst>
-              <a:ext uri="{FF2B5EF4-FFF2-40B4-BE49-F238E27FC236}">
-                <a16:creationId xmlns:a16="http://schemas.microsoft.com/office/drawing/2014/main" id="{F545FAB8-F1CE-4886-9BDE-E772BCB0A9C4}"/>
-              </a:ext>
-            </a:extLst>
-          </p:cNvPr>
-          <p:cNvGraphicFramePr>
-            <a:graphicFrameLocks noGrp="1"/>
-          </p:cNvGraphicFramePr>
-          <p:nvPr>
-            <p:extLst>
-              <p:ext uri="{D42A27DB-BD31-4B8C-83A1-F6EECF244321}">
-                <p14:modId xmlns:p14="http://schemas.microsoft.com/office/powerpoint/2010/main" val="3571951523"/>
-              </p:ext>
-            </p:extLst>
-          </p:nvPr>
-        </p:nvGraphicFramePr>
-        <p:xfrm>
-          <a:off x="473240" y="1476102"/>
-          <a:ext cx="1825824" cy="417888"/>
-        </p:xfrm>
-        <a:graphic>
-          <a:graphicData uri="http://schemas.openxmlformats.org/drawingml/2006/table">
-            <a:tbl>
-              <a:tblPr>
-                <a:tableStyleId>{638B1855-1B75-4FBE-930C-398BA8C253C6}</a:tableStyleId>
-              </a:tblPr>
-              <a:tblGrid>
-                <a:gridCol w="1825824">
-                  <a:extLst>
-                    <a:ext uri="{9D8B030D-6E8A-4147-A177-3AD203B41FA5}">
-                      <a16:colId xmlns:a16="http://schemas.microsoft.com/office/drawing/2014/main" val="4240773277"/>
-                    </a:ext>
-                  </a:extLst>
-                </a:gridCol>
-              </a:tblGrid>
-              <a:tr h="417888">
-                <a:tc>
-                  <a:txBody>
-                    <a:bodyPr/>
-                    <a:lstStyle/>
-                    <a:p>
-                      <a:r>
-                        <a:rPr lang="en-SG" u="sng" dirty="0"/>
-                        <a:t>ab0:A</a:t>
-                      </a:r>
-                      <a:r>
-                        <a:rPr lang="en-SG" sz="1800" u="sng" dirty="0"/>
-                        <a:t>ddressBook</a:t>
-                      </a:r>
-                      <a:endParaRPr lang="en-SG" sz="1600" u="sng" dirty="0"/>
-                    </a:p>
-                  </a:txBody>
-                  <a:tcPr/>
-                </a:tc>
-                <a:extLst>
-                  <a:ext uri="{0D108BD9-81ED-4DB2-BD59-A6C34878D82A}">
-                    <a16:rowId xmlns:a16="http://schemas.microsoft.com/office/drawing/2014/main" val="2194462629"/>
-                  </a:ext>
-                </a:extLst>
-              </a:tr>
-            </a:tbl>
-          </a:graphicData>
-        </a:graphic>
-      </p:graphicFrame>
       <p:sp>
         <p:nvSpPr>
           <p:cNvPr id="29" name="Rectangle 28"/>
@@ -3643,278 +3571,6 @@
           </a:p>
         </p:txBody>
       </p:sp>
-      <p:graphicFrame>
-        <p:nvGraphicFramePr>
-          <p:cNvPr id="15" name="Table 14">
-            <a:extLst>
-              <a:ext uri="{FF2B5EF4-FFF2-40B4-BE49-F238E27FC236}">
-                <a16:creationId xmlns:a16="http://schemas.microsoft.com/office/drawing/2014/main" id="{F545FAB8-F1CE-4886-9BDE-E772BCB0A9C4}"/>
-              </a:ext>
-            </a:extLst>
-          </p:cNvPr>
-          <p:cNvGraphicFramePr>
-            <a:graphicFrameLocks noGrp="1"/>
-          </p:cNvGraphicFramePr>
-          <p:nvPr>
-            <p:extLst>
-              <p:ext uri="{D42A27DB-BD31-4B8C-83A1-F6EECF244321}">
-                <p14:modId xmlns:p14="http://schemas.microsoft.com/office/powerpoint/2010/main" val="2341913009"/>
-              </p:ext>
-            </p:extLst>
-          </p:nvPr>
-        </p:nvGraphicFramePr>
-        <p:xfrm>
-          <a:off x="2491232" y="1476102"/>
-          <a:ext cx="1825824" cy="417888"/>
-        </p:xfrm>
-        <a:graphic>
-          <a:graphicData uri="http://schemas.openxmlformats.org/drawingml/2006/table">
-            <a:tbl>
-              <a:tblPr>
-                <a:tableStyleId>{638B1855-1B75-4FBE-930C-398BA8C253C6}</a:tableStyleId>
-              </a:tblPr>
-              <a:tblGrid>
-                <a:gridCol w="1825824">
-                  <a:extLst>
-                    <a:ext uri="{9D8B030D-6E8A-4147-A177-3AD203B41FA5}">
-                      <a16:colId xmlns:a16="http://schemas.microsoft.com/office/drawing/2014/main" val="4240773277"/>
-                    </a:ext>
-                  </a:extLst>
-                </a:gridCol>
-              </a:tblGrid>
-              <a:tr h="417888">
-                <a:tc>
-                  <a:txBody>
-                    <a:bodyPr/>
-                    <a:lstStyle/>
-                    <a:p>
-                      <a:r>
-                        <a:rPr lang="en-SG" u="sng" dirty="0"/>
-                        <a:t>ab1:A</a:t>
-                      </a:r>
-                      <a:r>
-                        <a:rPr lang="en-SG" sz="1800" u="sng" dirty="0"/>
-                        <a:t>ddressBook</a:t>
-                      </a:r>
-                      <a:endParaRPr lang="en-SG" sz="1600" u="sng" dirty="0"/>
-                    </a:p>
-                  </a:txBody>
-                  <a:tcPr/>
-                </a:tc>
-                <a:extLst>
-                  <a:ext uri="{0D108BD9-81ED-4DB2-BD59-A6C34878D82A}">
-                    <a16:rowId xmlns:a16="http://schemas.microsoft.com/office/drawing/2014/main" val="2194462629"/>
-                  </a:ext>
-                </a:extLst>
-              </a:tr>
-            </a:tbl>
-          </a:graphicData>
-        </a:graphic>
-      </p:graphicFrame>
-      <p:graphicFrame>
-        <p:nvGraphicFramePr>
-          <p:cNvPr id="16" name="Table 15">
-            <a:extLst>
-              <a:ext uri="{FF2B5EF4-FFF2-40B4-BE49-F238E27FC236}">
-                <a16:creationId xmlns:a16="http://schemas.microsoft.com/office/drawing/2014/main" id="{F545FAB8-F1CE-4886-9BDE-E772BCB0A9C4}"/>
-              </a:ext>
-            </a:extLst>
-          </p:cNvPr>
-          <p:cNvGraphicFramePr>
-            <a:graphicFrameLocks noGrp="1"/>
-          </p:cNvGraphicFramePr>
-          <p:nvPr>
-            <p:extLst>
-              <p:ext uri="{D42A27DB-BD31-4B8C-83A1-F6EECF244321}">
-                <p14:modId xmlns:p14="http://schemas.microsoft.com/office/powerpoint/2010/main" val="2172716932"/>
-              </p:ext>
-            </p:extLst>
-          </p:nvPr>
-        </p:nvGraphicFramePr>
-        <p:xfrm>
-          <a:off x="4509224" y="3926589"/>
-          <a:ext cx="1825824" cy="417888"/>
-        </p:xfrm>
-        <a:graphic>
-          <a:graphicData uri="http://schemas.openxmlformats.org/drawingml/2006/table">
-            <a:tbl>
-              <a:tblPr>
-                <a:tableStyleId>{638B1855-1B75-4FBE-930C-398BA8C253C6}</a:tableStyleId>
-              </a:tblPr>
-              <a:tblGrid>
-                <a:gridCol w="1825824">
-                  <a:extLst>
-                    <a:ext uri="{9D8B030D-6E8A-4147-A177-3AD203B41FA5}">
-                      <a16:colId xmlns:a16="http://schemas.microsoft.com/office/drawing/2014/main" val="4240773277"/>
-                    </a:ext>
-                  </a:extLst>
-                </a:gridCol>
-              </a:tblGrid>
-              <a:tr h="417888">
-                <a:tc>
-                  <a:txBody>
-                    <a:bodyPr/>
-                    <a:lstStyle/>
-                    <a:p>
-                      <a:r>
-                        <a:rPr lang="en-SG" u="sng"/>
-                        <a:t>ab2:A</a:t>
-                      </a:r>
-                      <a:r>
-                        <a:rPr lang="en-SG" sz="1800" u="sng"/>
-                        <a:t>ddressBook</a:t>
-                      </a:r>
-                      <a:endParaRPr lang="en-SG" sz="1600" u="sng" dirty="0"/>
-                    </a:p>
-                  </a:txBody>
-                  <a:tcPr/>
-                </a:tc>
-                <a:extLst>
-                  <a:ext uri="{0D108BD9-81ED-4DB2-BD59-A6C34878D82A}">
-                    <a16:rowId xmlns:a16="http://schemas.microsoft.com/office/drawing/2014/main" val="2194462629"/>
-                  </a:ext>
-                </a:extLst>
-              </a:tr>
-            </a:tbl>
-          </a:graphicData>
-        </a:graphic>
-      </p:graphicFrame>
-      <p:graphicFrame>
-        <p:nvGraphicFramePr>
-          <p:cNvPr id="17" name="Table 16">
-            <a:extLst>
-              <a:ext uri="{FF2B5EF4-FFF2-40B4-BE49-F238E27FC236}">
-                <a16:creationId xmlns:a16="http://schemas.microsoft.com/office/drawing/2014/main" id="{F545FAB8-F1CE-4886-9BDE-E772BCB0A9C4}"/>
-              </a:ext>
-            </a:extLst>
-          </p:cNvPr>
-          <p:cNvGraphicFramePr>
-            <a:graphicFrameLocks noGrp="1"/>
-          </p:cNvGraphicFramePr>
-          <p:nvPr>
-            <p:extLst>
-              <p:ext uri="{D42A27DB-BD31-4B8C-83A1-F6EECF244321}">
-                <p14:modId xmlns:p14="http://schemas.microsoft.com/office/powerpoint/2010/main" val="4094059841"/>
-              </p:ext>
-            </p:extLst>
-          </p:nvPr>
-        </p:nvGraphicFramePr>
-        <p:xfrm>
-          <a:off x="2491232" y="3908450"/>
-          <a:ext cx="1825824" cy="417888"/>
-        </p:xfrm>
-        <a:graphic>
-          <a:graphicData uri="http://schemas.openxmlformats.org/drawingml/2006/table">
-            <a:tbl>
-              <a:tblPr>
-                <a:tableStyleId>{638B1855-1B75-4FBE-930C-398BA8C253C6}</a:tableStyleId>
-              </a:tblPr>
-              <a:tblGrid>
-                <a:gridCol w="1825824">
-                  <a:extLst>
-                    <a:ext uri="{9D8B030D-6E8A-4147-A177-3AD203B41FA5}">
-                      <a16:colId xmlns:a16="http://schemas.microsoft.com/office/drawing/2014/main" val="4240773277"/>
-                    </a:ext>
-                  </a:extLst>
-                </a:gridCol>
-              </a:tblGrid>
-              <a:tr h="417888">
-                <a:tc>
-                  <a:txBody>
-                    <a:bodyPr/>
-                    <a:lstStyle/>
-                    <a:p>
-                      <a:r>
-                        <a:rPr lang="en-SG" u="sng" dirty="0"/>
-                        <a:t>ab1:A</a:t>
-                      </a:r>
-                      <a:r>
-                        <a:rPr lang="en-SG" sz="1800" u="sng" dirty="0"/>
-                        <a:t>ddressBook</a:t>
-                      </a:r>
-                      <a:endParaRPr lang="en-SG" sz="1600" u="sng" dirty="0"/>
-                    </a:p>
-                  </a:txBody>
-                  <a:tcPr/>
-                </a:tc>
-                <a:extLst>
-                  <a:ext uri="{0D108BD9-81ED-4DB2-BD59-A6C34878D82A}">
-                    <a16:rowId xmlns:a16="http://schemas.microsoft.com/office/drawing/2014/main" val="2194462629"/>
-                  </a:ext>
-                </a:extLst>
-              </a:tr>
-            </a:tbl>
-          </a:graphicData>
-        </a:graphic>
-      </p:graphicFrame>
-      <p:graphicFrame>
-        <p:nvGraphicFramePr>
-          <p:cNvPr id="18" name="Table 17">
-            <a:extLst>
-              <a:ext uri="{FF2B5EF4-FFF2-40B4-BE49-F238E27FC236}">
-                <a16:creationId xmlns:a16="http://schemas.microsoft.com/office/drawing/2014/main" id="{F545FAB8-F1CE-4886-9BDE-E772BCB0A9C4}"/>
-              </a:ext>
-            </a:extLst>
-          </p:cNvPr>
-          <p:cNvGraphicFramePr>
-            <a:graphicFrameLocks noGrp="1"/>
-          </p:cNvGraphicFramePr>
-          <p:nvPr>
-            <p:extLst>
-              <p:ext uri="{D42A27DB-BD31-4B8C-83A1-F6EECF244321}">
-                <p14:modId xmlns:p14="http://schemas.microsoft.com/office/powerpoint/2010/main" val="3467820198"/>
-              </p:ext>
-            </p:extLst>
-          </p:nvPr>
-        </p:nvGraphicFramePr>
-        <p:xfrm>
-          <a:off x="473240" y="3908450"/>
-          <a:ext cx="1825824" cy="417888"/>
-        </p:xfrm>
-        <a:graphic>
-          <a:graphicData uri="http://schemas.openxmlformats.org/drawingml/2006/table">
-            <a:tbl>
-              <a:tblPr>
-                <a:tableStyleId>{638B1855-1B75-4FBE-930C-398BA8C253C6}</a:tableStyleId>
-              </a:tblPr>
-              <a:tblGrid>
-                <a:gridCol w="1825824">
-                  <a:extLst>
-                    <a:ext uri="{9D8B030D-6E8A-4147-A177-3AD203B41FA5}">
-                      <a16:colId xmlns:a16="http://schemas.microsoft.com/office/drawing/2014/main" val="4240773277"/>
-                    </a:ext>
-                  </a:extLst>
-                </a:gridCol>
-              </a:tblGrid>
-              <a:tr h="417888">
-                <a:tc>
-                  <a:txBody>
-                    <a:bodyPr/>
-                    <a:lstStyle/>
-                    <a:p>
-                      <a:r>
-                        <a:rPr lang="en-SG" u="sng" dirty="0"/>
-                        <a:t>ab0:A</a:t>
-                      </a:r>
-                      <a:r>
-                        <a:rPr lang="en-SG" sz="1800" u="sng" dirty="0"/>
-                        <a:t>ddressBook</a:t>
-                      </a:r>
-                      <a:endParaRPr lang="en-SG" sz="1600" u="sng" dirty="0"/>
-                    </a:p>
-                  </a:txBody>
-                  <a:tcPr/>
-                </a:tc>
-                <a:extLst>
-                  <a:ext uri="{0D108BD9-81ED-4DB2-BD59-A6C34878D82A}">
-                    <a16:rowId xmlns:a16="http://schemas.microsoft.com/office/drawing/2014/main" val="2194462629"/>
-                  </a:ext>
-                </a:extLst>
-              </a:tr>
-            </a:tbl>
-          </a:graphicData>
-        </a:graphic>
-      </p:graphicFrame>
       <p:cxnSp>
         <p:nvCxnSpPr>
           <p:cNvPr id="14" name="Straight Arrow Connector 13">
@@ -4003,6 +3659,346 @@
           </a:fontRef>
         </p:style>
       </p:cxnSp>
+      <p:graphicFrame>
+        <p:nvGraphicFramePr>
+          <p:cNvPr id="23" name="Table 22">
+            <a:extLst>
+              <a:ext uri="{FF2B5EF4-FFF2-40B4-BE49-F238E27FC236}">
+                <a16:creationId xmlns:a16="http://schemas.microsoft.com/office/drawing/2014/main" id="{AC7B30DD-9A99-4F3E-8334-5F66B7497F88}"/>
+              </a:ext>
+            </a:extLst>
+          </p:cNvPr>
+          <p:cNvGraphicFramePr>
+            <a:graphicFrameLocks noGrp="1"/>
+          </p:cNvGraphicFramePr>
+          <p:nvPr>
+            <p:extLst>
+              <p:ext uri="{D42A27DB-BD31-4B8C-83A1-F6EECF244321}">
+                <p14:modId xmlns:p14="http://schemas.microsoft.com/office/powerpoint/2010/main" val="3791269308"/>
+              </p:ext>
+            </p:extLst>
+          </p:nvPr>
+        </p:nvGraphicFramePr>
+        <p:xfrm>
+          <a:off x="473239" y="1476102"/>
+          <a:ext cx="2073314" cy="417888"/>
+        </p:xfrm>
+        <a:graphic>
+          <a:graphicData uri="http://schemas.openxmlformats.org/drawingml/2006/table">
+            <a:tbl>
+              <a:tblPr>
+                <a:tableStyleId>{638B1855-1B75-4FBE-930C-398BA8C253C6}</a:tableStyleId>
+              </a:tblPr>
+              <a:tblGrid>
+                <a:gridCol w="2073314">
+                  <a:extLst>
+                    <a:ext uri="{9D8B030D-6E8A-4147-A177-3AD203B41FA5}">
+                      <a16:colId xmlns:a16="http://schemas.microsoft.com/office/drawing/2014/main" val="4240773277"/>
+                    </a:ext>
+                  </a:extLst>
+                </a:gridCol>
+              </a:tblGrid>
+              <a:tr h="417888">
+                <a:tc>
+                  <a:txBody>
+                    <a:bodyPr/>
+                    <a:lstStyle/>
+                    <a:p>
+                      <a:r>
+                        <a:rPr lang="en-SG" u="sng" dirty="0"/>
+                        <a:t>rb0:</a:t>
+                      </a:r>
+                      <a:r>
+                        <a:rPr lang="en-SG" sz="1800" u="sng" dirty="0"/>
+                        <a:t>RestaurantBook</a:t>
+                      </a:r>
+                      <a:endParaRPr lang="en-SG" u="sng" dirty="0"/>
+                    </a:p>
+                  </a:txBody>
+                  <a:tcPr/>
+                </a:tc>
+                <a:extLst>
+                  <a:ext uri="{0D108BD9-81ED-4DB2-BD59-A6C34878D82A}">
+                    <a16:rowId xmlns:a16="http://schemas.microsoft.com/office/drawing/2014/main" val="2194462629"/>
+                  </a:ext>
+                </a:extLst>
+              </a:tr>
+            </a:tbl>
+          </a:graphicData>
+        </a:graphic>
+      </p:graphicFrame>
+      <p:graphicFrame>
+        <p:nvGraphicFramePr>
+          <p:cNvPr id="26" name="Table 25">
+            <a:extLst>
+              <a:ext uri="{FF2B5EF4-FFF2-40B4-BE49-F238E27FC236}">
+                <a16:creationId xmlns:a16="http://schemas.microsoft.com/office/drawing/2014/main" id="{0F707DD5-1A1B-478A-B5F7-1BAC444597DE}"/>
+              </a:ext>
+            </a:extLst>
+          </p:cNvPr>
+          <p:cNvGraphicFramePr>
+            <a:graphicFrameLocks noGrp="1"/>
+          </p:cNvGraphicFramePr>
+          <p:nvPr>
+            <p:extLst>
+              <p:ext uri="{D42A27DB-BD31-4B8C-83A1-F6EECF244321}">
+                <p14:modId xmlns:p14="http://schemas.microsoft.com/office/powerpoint/2010/main" val="963929783"/>
+              </p:ext>
+            </p:extLst>
+          </p:nvPr>
+        </p:nvGraphicFramePr>
+        <p:xfrm>
+          <a:off x="2637102" y="1476102"/>
+          <a:ext cx="2138499" cy="417888"/>
+        </p:xfrm>
+        <a:graphic>
+          <a:graphicData uri="http://schemas.openxmlformats.org/drawingml/2006/table">
+            <a:tbl>
+              <a:tblPr>
+                <a:tableStyleId>{638B1855-1B75-4FBE-930C-398BA8C253C6}</a:tableStyleId>
+              </a:tblPr>
+              <a:tblGrid>
+                <a:gridCol w="2138499">
+                  <a:extLst>
+                    <a:ext uri="{9D8B030D-6E8A-4147-A177-3AD203B41FA5}">
+                      <a16:colId xmlns:a16="http://schemas.microsoft.com/office/drawing/2014/main" val="4240773277"/>
+                    </a:ext>
+                  </a:extLst>
+                </a:gridCol>
+              </a:tblGrid>
+              <a:tr h="417888">
+                <a:tc>
+                  <a:txBody>
+                    <a:bodyPr/>
+                    <a:lstStyle/>
+                    <a:p>
+                      <a:r>
+                        <a:rPr lang="en-SG" u="sng" dirty="0"/>
+                        <a:t>rb1:</a:t>
+                      </a:r>
+                      <a:r>
+                        <a:rPr lang="en-SG" sz="1800" u="sng" dirty="0"/>
+                        <a:t>RestaurantBook</a:t>
+                      </a:r>
+                      <a:endParaRPr lang="en-SG" u="sng" dirty="0"/>
+                    </a:p>
+                  </a:txBody>
+                  <a:tcPr/>
+                </a:tc>
+                <a:extLst>
+                  <a:ext uri="{0D108BD9-81ED-4DB2-BD59-A6C34878D82A}">
+                    <a16:rowId xmlns:a16="http://schemas.microsoft.com/office/drawing/2014/main" val="2194462629"/>
+                  </a:ext>
+                </a:extLst>
+              </a:tr>
+            </a:tbl>
+          </a:graphicData>
+        </a:graphic>
+      </p:graphicFrame>
+      <p:graphicFrame>
+        <p:nvGraphicFramePr>
+          <p:cNvPr id="34" name="Table 33">
+            <a:extLst>
+              <a:ext uri="{FF2B5EF4-FFF2-40B4-BE49-F238E27FC236}">
+                <a16:creationId xmlns:a16="http://schemas.microsoft.com/office/drawing/2014/main" id="{4FD2FC74-263D-40F0-9EA8-1D3CB16C3338}"/>
+              </a:ext>
+            </a:extLst>
+          </p:cNvPr>
+          <p:cNvGraphicFramePr>
+            <a:graphicFrameLocks noGrp="1"/>
+          </p:cNvGraphicFramePr>
+          <p:nvPr>
+            <p:extLst>
+              <p:ext uri="{D42A27DB-BD31-4B8C-83A1-F6EECF244321}">
+                <p14:modId xmlns:p14="http://schemas.microsoft.com/office/powerpoint/2010/main" val="1833540125"/>
+              </p:ext>
+            </p:extLst>
+          </p:nvPr>
+        </p:nvGraphicFramePr>
+        <p:xfrm>
+          <a:off x="473239" y="3914507"/>
+          <a:ext cx="2073314" cy="417888"/>
+        </p:xfrm>
+        <a:graphic>
+          <a:graphicData uri="http://schemas.openxmlformats.org/drawingml/2006/table">
+            <a:tbl>
+              <a:tblPr>
+                <a:tableStyleId>{638B1855-1B75-4FBE-930C-398BA8C253C6}</a:tableStyleId>
+              </a:tblPr>
+              <a:tblGrid>
+                <a:gridCol w="2073314">
+                  <a:extLst>
+                    <a:ext uri="{9D8B030D-6E8A-4147-A177-3AD203B41FA5}">
+                      <a16:colId xmlns:a16="http://schemas.microsoft.com/office/drawing/2014/main" val="4240773277"/>
+                    </a:ext>
+                  </a:extLst>
+                </a:gridCol>
+              </a:tblGrid>
+              <a:tr h="417888">
+                <a:tc>
+                  <a:txBody>
+                    <a:bodyPr/>
+                    <a:lstStyle/>
+                    <a:p>
+                      <a:r>
+                        <a:rPr lang="en-SG" u="sng" dirty="0"/>
+                        <a:t>rb0:</a:t>
+                      </a:r>
+                      <a:r>
+                        <a:rPr lang="en-SG" sz="1800" u="sng" dirty="0"/>
+                        <a:t>RestaurantBook</a:t>
+                      </a:r>
+                      <a:endParaRPr lang="en-SG" u="sng" dirty="0"/>
+                    </a:p>
+                  </a:txBody>
+                  <a:tcPr/>
+                </a:tc>
+                <a:extLst>
+                  <a:ext uri="{0D108BD9-81ED-4DB2-BD59-A6C34878D82A}">
+                    <a16:rowId xmlns:a16="http://schemas.microsoft.com/office/drawing/2014/main" val="2194462629"/>
+                  </a:ext>
+                </a:extLst>
+              </a:tr>
+            </a:tbl>
+          </a:graphicData>
+        </a:graphic>
+      </p:graphicFrame>
+      <p:graphicFrame>
+        <p:nvGraphicFramePr>
+          <p:cNvPr id="35" name="Table 34">
+            <a:extLst>
+              <a:ext uri="{FF2B5EF4-FFF2-40B4-BE49-F238E27FC236}">
+                <a16:creationId xmlns:a16="http://schemas.microsoft.com/office/drawing/2014/main" id="{3E65A46E-2616-46B1-B99E-BD15D22701B1}"/>
+              </a:ext>
+            </a:extLst>
+          </p:cNvPr>
+          <p:cNvGraphicFramePr>
+            <a:graphicFrameLocks noGrp="1"/>
+          </p:cNvGraphicFramePr>
+          <p:nvPr>
+            <p:extLst>
+              <p:ext uri="{D42A27DB-BD31-4B8C-83A1-F6EECF244321}">
+                <p14:modId xmlns:p14="http://schemas.microsoft.com/office/powerpoint/2010/main" val="997058878"/>
+              </p:ext>
+            </p:extLst>
+          </p:nvPr>
+        </p:nvGraphicFramePr>
+        <p:xfrm>
+          <a:off x="2637102" y="3914507"/>
+          <a:ext cx="2138499" cy="417888"/>
+        </p:xfrm>
+        <a:graphic>
+          <a:graphicData uri="http://schemas.openxmlformats.org/drawingml/2006/table">
+            <a:tbl>
+              <a:tblPr>
+                <a:tableStyleId>{638B1855-1B75-4FBE-930C-398BA8C253C6}</a:tableStyleId>
+              </a:tblPr>
+              <a:tblGrid>
+                <a:gridCol w="2138499">
+                  <a:extLst>
+                    <a:ext uri="{9D8B030D-6E8A-4147-A177-3AD203B41FA5}">
+                      <a16:colId xmlns:a16="http://schemas.microsoft.com/office/drawing/2014/main" val="4240773277"/>
+                    </a:ext>
+                  </a:extLst>
+                </a:gridCol>
+              </a:tblGrid>
+              <a:tr h="417888">
+                <a:tc>
+                  <a:txBody>
+                    <a:bodyPr/>
+                    <a:lstStyle/>
+                    <a:p>
+                      <a:r>
+                        <a:rPr lang="en-SG" u="sng" dirty="0"/>
+                        <a:t>rb1:</a:t>
+                      </a:r>
+                      <a:r>
+                        <a:rPr lang="en-SG" sz="1800" u="sng" dirty="0"/>
+                        <a:t>RestaurantBook</a:t>
+                      </a:r>
+                      <a:endParaRPr lang="en-SG" u="sng" dirty="0"/>
+                    </a:p>
+                  </a:txBody>
+                  <a:tcPr/>
+                </a:tc>
+                <a:extLst>
+                  <a:ext uri="{0D108BD9-81ED-4DB2-BD59-A6C34878D82A}">
+                    <a16:rowId xmlns:a16="http://schemas.microsoft.com/office/drawing/2014/main" val="2194462629"/>
+                  </a:ext>
+                </a:extLst>
+              </a:tr>
+            </a:tbl>
+          </a:graphicData>
+        </a:graphic>
+      </p:graphicFrame>
+      <p:graphicFrame>
+        <p:nvGraphicFramePr>
+          <p:cNvPr id="36" name="Table 35">
+            <a:extLst>
+              <a:ext uri="{FF2B5EF4-FFF2-40B4-BE49-F238E27FC236}">
+                <a16:creationId xmlns:a16="http://schemas.microsoft.com/office/drawing/2014/main" id="{21323A11-925C-4688-8780-EAFB71700334}"/>
+              </a:ext>
+            </a:extLst>
+          </p:cNvPr>
+          <p:cNvGraphicFramePr>
+            <a:graphicFrameLocks noGrp="1"/>
+          </p:cNvGraphicFramePr>
+          <p:nvPr>
+            <p:extLst>
+              <p:ext uri="{D42A27DB-BD31-4B8C-83A1-F6EECF244321}">
+                <p14:modId xmlns:p14="http://schemas.microsoft.com/office/powerpoint/2010/main" val="1814479363"/>
+              </p:ext>
+            </p:extLst>
+          </p:nvPr>
+        </p:nvGraphicFramePr>
+        <p:xfrm>
+          <a:off x="4852235" y="3914507"/>
+          <a:ext cx="2138500" cy="417888"/>
+        </p:xfrm>
+        <a:graphic>
+          <a:graphicData uri="http://schemas.openxmlformats.org/drawingml/2006/table">
+            <a:tbl>
+              <a:tblPr>
+                <a:tableStyleId>{638B1855-1B75-4FBE-930C-398BA8C253C6}</a:tableStyleId>
+              </a:tblPr>
+              <a:tblGrid>
+                <a:gridCol w="2138500">
+                  <a:extLst>
+                    <a:ext uri="{9D8B030D-6E8A-4147-A177-3AD203B41FA5}">
+                      <a16:colId xmlns:a16="http://schemas.microsoft.com/office/drawing/2014/main" val="4240773277"/>
+                    </a:ext>
+                  </a:extLst>
+                </a:gridCol>
+              </a:tblGrid>
+              <a:tr h="417888">
+                <a:tc>
+                  <a:txBody>
+                    <a:bodyPr/>
+                    <a:lstStyle/>
+                    <a:p>
+                      <a:r>
+                        <a:rPr lang="en-SG" u="sng" dirty="0"/>
+                        <a:t>rb2:</a:t>
+                      </a:r>
+                      <a:r>
+                        <a:rPr lang="en-SG" sz="1800" u="sng" dirty="0"/>
+                        <a:t>RestaurantBook</a:t>
+                      </a:r>
+                      <a:endParaRPr lang="en-SG" u="sng" dirty="0"/>
+                    </a:p>
+                  </a:txBody>
+                  <a:tcPr/>
+                </a:tc>
+                <a:extLst>
+                  <a:ext uri="{0D108BD9-81ED-4DB2-BD59-A6C34878D82A}">
+                    <a16:rowId xmlns:a16="http://schemas.microsoft.com/office/drawing/2014/main" val="2194462629"/>
+                  </a:ext>
+                </a:extLst>
+              </a:tr>
+            </a:tbl>
+          </a:graphicData>
+        </a:graphic>
+      </p:graphicFrame>
     </p:spTree>
     <p:extLst>
       <p:ext uri="{BB962C8B-B14F-4D97-AF65-F5344CB8AC3E}">

--- a/docs/diagrams/UndoRedoNewCommand2StateListDiagram.pptx
+++ b/docs/diagrams/UndoRedoNewCommand2StateListDiagram.pptx
@@ -112,10 +112,6 @@
 </p:presentation>
 </file>
 
-<file path=ppt/revisionInfo.xml><?xml version="1.0" encoding="utf-8"?>
-<p1510:revInfo xmlns:a="http://schemas.openxmlformats.org/drawingml/2006/main" xmlns:r="http://schemas.openxmlformats.org/officeDocument/2006/relationships" xmlns:p1510="http://schemas.microsoft.com/office/powerpoint/2015/10/main"/>
-</file>
-
 <file path=ppt/slideLayouts/slideLayout1.xml><?xml version="1.0" encoding="utf-8"?>
 <p:sldLayout xmlns:a="http://schemas.openxmlformats.org/drawingml/2006/main" xmlns:r="http://schemas.openxmlformats.org/officeDocument/2006/relationships" xmlns:p="http://schemas.openxmlformats.org/presentationml/2006/main" type="title" preserve="1">
   <p:cSld name="Title Slide">
@@ -265,7 +261,7 @@
           <a:p>
             <a:fld id="{03EC4E3E-8101-482F-A883-8B55DAFF7C07}" type="datetimeFigureOut">
               <a:rPr lang="en-SG" smtClean="0"/>
-              <a:t>6/7/2018</a:t>
+              <a:t>10/11/2018</a:t>
             </a:fld>
             <a:endParaRPr lang="en-SG"/>
           </a:p>
@@ -465,7 +461,7 @@
           <a:p>
             <a:fld id="{03EC4E3E-8101-482F-A883-8B55DAFF7C07}" type="datetimeFigureOut">
               <a:rPr lang="en-SG" smtClean="0"/>
-              <a:t>6/7/2018</a:t>
+              <a:t>10/11/2018</a:t>
             </a:fld>
             <a:endParaRPr lang="en-SG"/>
           </a:p>
@@ -675,7 +671,7 @@
           <a:p>
             <a:fld id="{03EC4E3E-8101-482F-A883-8B55DAFF7C07}" type="datetimeFigureOut">
               <a:rPr lang="en-SG" smtClean="0"/>
-              <a:t>6/7/2018</a:t>
+              <a:t>10/11/2018</a:t>
             </a:fld>
             <a:endParaRPr lang="en-SG"/>
           </a:p>
@@ -875,7 +871,7 @@
           <a:p>
             <a:fld id="{03EC4E3E-8101-482F-A883-8B55DAFF7C07}" type="datetimeFigureOut">
               <a:rPr lang="en-SG" smtClean="0"/>
-              <a:t>6/7/2018</a:t>
+              <a:t>10/11/2018</a:t>
             </a:fld>
             <a:endParaRPr lang="en-SG"/>
           </a:p>
@@ -1151,7 +1147,7 @@
           <a:p>
             <a:fld id="{03EC4E3E-8101-482F-A883-8B55DAFF7C07}" type="datetimeFigureOut">
               <a:rPr lang="en-SG" smtClean="0"/>
-              <a:t>6/7/2018</a:t>
+              <a:t>10/11/2018</a:t>
             </a:fld>
             <a:endParaRPr lang="en-SG"/>
           </a:p>
@@ -1419,7 +1415,7 @@
           <a:p>
             <a:fld id="{03EC4E3E-8101-482F-A883-8B55DAFF7C07}" type="datetimeFigureOut">
               <a:rPr lang="en-SG" smtClean="0"/>
-              <a:t>6/7/2018</a:t>
+              <a:t>10/11/2018</a:t>
             </a:fld>
             <a:endParaRPr lang="en-SG"/>
           </a:p>
@@ -1834,7 +1830,7 @@
           <a:p>
             <a:fld id="{03EC4E3E-8101-482F-A883-8B55DAFF7C07}" type="datetimeFigureOut">
               <a:rPr lang="en-SG" smtClean="0"/>
-              <a:t>6/7/2018</a:t>
+              <a:t>10/11/2018</a:t>
             </a:fld>
             <a:endParaRPr lang="en-SG"/>
           </a:p>
@@ -1976,7 +1972,7 @@
           <a:p>
             <a:fld id="{03EC4E3E-8101-482F-A883-8B55DAFF7C07}" type="datetimeFigureOut">
               <a:rPr lang="en-SG" smtClean="0"/>
-              <a:t>6/7/2018</a:t>
+              <a:t>10/11/2018</a:t>
             </a:fld>
             <a:endParaRPr lang="en-SG"/>
           </a:p>
@@ -2089,7 +2085,7 @@
           <a:p>
             <a:fld id="{03EC4E3E-8101-482F-A883-8B55DAFF7C07}" type="datetimeFigureOut">
               <a:rPr lang="en-SG" smtClean="0"/>
-              <a:t>6/7/2018</a:t>
+              <a:t>10/11/2018</a:t>
             </a:fld>
             <a:endParaRPr lang="en-SG"/>
           </a:p>
@@ -2402,7 +2398,7 @@
           <a:p>
             <a:fld id="{03EC4E3E-8101-482F-A883-8B55DAFF7C07}" type="datetimeFigureOut">
               <a:rPr lang="en-SG" smtClean="0"/>
-              <a:t>6/7/2018</a:t>
+              <a:t>10/11/2018</a:t>
             </a:fld>
             <a:endParaRPr lang="en-SG"/>
           </a:p>
@@ -2691,7 +2687,7 @@
           <a:p>
             <a:fld id="{03EC4E3E-8101-482F-A883-8B55DAFF7C07}" type="datetimeFigureOut">
               <a:rPr lang="en-SG" smtClean="0"/>
-              <a:t>6/7/2018</a:t>
+              <a:t>10/11/2018</a:t>
             </a:fld>
             <a:endParaRPr lang="en-SG"/>
           </a:p>
@@ -2934,7 +2930,7 @@
           <a:p>
             <a:fld id="{03EC4E3E-8101-482F-A883-8B55DAFF7C07}" type="datetimeFigureOut">
               <a:rPr lang="en-SG" smtClean="0"/>
-              <a:t>6/7/2018</a:t>
+              <a:t>10/11/2018</a:t>
             </a:fld>
             <a:endParaRPr lang="en-SG"/>
           </a:p>
@@ -3360,7 +3356,7 @@
         <p:spPr>
           <a:xfrm>
             <a:off x="5129284" y="2264095"/>
-            <a:ext cx="1933431" cy="1383977"/>
+            <a:ext cx="2424040" cy="1383977"/>
           </a:xfrm>
           <a:prstGeom prst="downArrow">
             <a:avLst/>
@@ -3389,7 +3385,7 @@
             <a:pPr algn="ctr"/>
             <a:r>
               <a:rPr lang="en-SG" dirty="0"/>
-              <a:t>Add n/David… </a:t>
+              <a:t>add event t/CS2103 Lecture… </a:t>
             </a:r>
             <a:endParaRPr lang="en-US" dirty="0"/>
           </a:p>
@@ -3454,7 +3450,7 @@
           <p:nvPr>
             <p:extLst>
               <p:ext uri="{D42A27DB-BD31-4B8C-83A1-F6EECF244321}">
-                <p14:modId xmlns:p14="http://schemas.microsoft.com/office/powerpoint/2010/main" val="3571951523"/>
+                <p14:modId xmlns:p14="http://schemas.microsoft.com/office/powerpoint/2010/main" val="1402704984"/>
               </p:ext>
             </p:extLst>
           </p:nvPr>
@@ -3484,18 +3480,15 @@
                     <a:bodyPr/>
                     <a:lstStyle/>
                     <a:p>
+                      <a:pPr algn="ctr"/>
                       <a:r>
                         <a:rPr lang="en-SG" u="sng" dirty="0"/>
-                        <a:t>ab0:A</a:t>
-                      </a:r>
-                      <a:r>
-                        <a:rPr lang="en-SG" sz="1800" u="sng" dirty="0"/>
-                        <a:t>ddressBook</a:t>
+                        <a:t>s0:Scheduler</a:t>
                       </a:r>
                       <a:endParaRPr lang="en-SG" sz="1600" u="sng" dirty="0"/>
                     </a:p>
                   </a:txBody>
-                  <a:tcPr/>
+                  <a:tcPr anchor="ctr"/>
                 </a:tc>
                 <a:extLst>
                   <a:ext uri="{0D108BD9-81ED-4DB2-BD59-A6C34878D82A}">
@@ -3645,7 +3638,7 @@
       </p:sp>
       <p:graphicFrame>
         <p:nvGraphicFramePr>
-          <p:cNvPr id="15" name="Table 14">
+          <p:cNvPr id="18" name="Table 17">
             <a:extLst>
               <a:ext uri="{FF2B5EF4-FFF2-40B4-BE49-F238E27FC236}">
                 <a16:creationId xmlns:a16="http://schemas.microsoft.com/office/drawing/2014/main" id="{F545FAB8-F1CE-4886-9BDE-E772BCB0A9C4}"/>
@@ -3658,211 +3651,7 @@
           <p:nvPr>
             <p:extLst>
               <p:ext uri="{D42A27DB-BD31-4B8C-83A1-F6EECF244321}">
-                <p14:modId xmlns:p14="http://schemas.microsoft.com/office/powerpoint/2010/main" val="2341913009"/>
-              </p:ext>
-            </p:extLst>
-          </p:nvPr>
-        </p:nvGraphicFramePr>
-        <p:xfrm>
-          <a:off x="2491232" y="1476102"/>
-          <a:ext cx="1825824" cy="417888"/>
-        </p:xfrm>
-        <a:graphic>
-          <a:graphicData uri="http://schemas.openxmlformats.org/drawingml/2006/table">
-            <a:tbl>
-              <a:tblPr>
-                <a:tableStyleId>{638B1855-1B75-4FBE-930C-398BA8C253C6}</a:tableStyleId>
-              </a:tblPr>
-              <a:tblGrid>
-                <a:gridCol w="1825824">
-                  <a:extLst>
-                    <a:ext uri="{9D8B030D-6E8A-4147-A177-3AD203B41FA5}">
-                      <a16:colId xmlns:a16="http://schemas.microsoft.com/office/drawing/2014/main" val="4240773277"/>
-                    </a:ext>
-                  </a:extLst>
-                </a:gridCol>
-              </a:tblGrid>
-              <a:tr h="417888">
-                <a:tc>
-                  <a:txBody>
-                    <a:bodyPr/>
-                    <a:lstStyle/>
-                    <a:p>
-                      <a:r>
-                        <a:rPr lang="en-SG" u="sng" dirty="0"/>
-                        <a:t>ab1:A</a:t>
-                      </a:r>
-                      <a:r>
-                        <a:rPr lang="en-SG" sz="1800" u="sng" dirty="0"/>
-                        <a:t>ddressBook</a:t>
-                      </a:r>
-                      <a:endParaRPr lang="en-SG" sz="1600" u="sng" dirty="0"/>
-                    </a:p>
-                  </a:txBody>
-                  <a:tcPr/>
-                </a:tc>
-                <a:extLst>
-                  <a:ext uri="{0D108BD9-81ED-4DB2-BD59-A6C34878D82A}">
-                    <a16:rowId xmlns:a16="http://schemas.microsoft.com/office/drawing/2014/main" val="2194462629"/>
-                  </a:ext>
-                </a:extLst>
-              </a:tr>
-            </a:tbl>
-          </a:graphicData>
-        </a:graphic>
-      </p:graphicFrame>
-      <p:graphicFrame>
-        <p:nvGraphicFramePr>
-          <p:cNvPr id="16" name="Table 15">
-            <a:extLst>
-              <a:ext uri="{FF2B5EF4-FFF2-40B4-BE49-F238E27FC236}">
-                <a16:creationId xmlns:a16="http://schemas.microsoft.com/office/drawing/2014/main" id="{F545FAB8-F1CE-4886-9BDE-E772BCB0A9C4}"/>
-              </a:ext>
-            </a:extLst>
-          </p:cNvPr>
-          <p:cNvGraphicFramePr>
-            <a:graphicFrameLocks noGrp="1"/>
-          </p:cNvGraphicFramePr>
-          <p:nvPr>
-            <p:extLst>
-              <p:ext uri="{D42A27DB-BD31-4B8C-83A1-F6EECF244321}">
-                <p14:modId xmlns:p14="http://schemas.microsoft.com/office/powerpoint/2010/main" val="2172716932"/>
-              </p:ext>
-            </p:extLst>
-          </p:nvPr>
-        </p:nvGraphicFramePr>
-        <p:xfrm>
-          <a:off x="4509224" y="3926589"/>
-          <a:ext cx="1825824" cy="417888"/>
-        </p:xfrm>
-        <a:graphic>
-          <a:graphicData uri="http://schemas.openxmlformats.org/drawingml/2006/table">
-            <a:tbl>
-              <a:tblPr>
-                <a:tableStyleId>{638B1855-1B75-4FBE-930C-398BA8C253C6}</a:tableStyleId>
-              </a:tblPr>
-              <a:tblGrid>
-                <a:gridCol w="1825824">
-                  <a:extLst>
-                    <a:ext uri="{9D8B030D-6E8A-4147-A177-3AD203B41FA5}">
-                      <a16:colId xmlns:a16="http://schemas.microsoft.com/office/drawing/2014/main" val="4240773277"/>
-                    </a:ext>
-                  </a:extLst>
-                </a:gridCol>
-              </a:tblGrid>
-              <a:tr h="417888">
-                <a:tc>
-                  <a:txBody>
-                    <a:bodyPr/>
-                    <a:lstStyle/>
-                    <a:p>
-                      <a:r>
-                        <a:rPr lang="en-SG" u="sng"/>
-                        <a:t>ab2:A</a:t>
-                      </a:r>
-                      <a:r>
-                        <a:rPr lang="en-SG" sz="1800" u="sng"/>
-                        <a:t>ddressBook</a:t>
-                      </a:r>
-                      <a:endParaRPr lang="en-SG" sz="1600" u="sng" dirty="0"/>
-                    </a:p>
-                  </a:txBody>
-                  <a:tcPr/>
-                </a:tc>
-                <a:extLst>
-                  <a:ext uri="{0D108BD9-81ED-4DB2-BD59-A6C34878D82A}">
-                    <a16:rowId xmlns:a16="http://schemas.microsoft.com/office/drawing/2014/main" val="2194462629"/>
-                  </a:ext>
-                </a:extLst>
-              </a:tr>
-            </a:tbl>
-          </a:graphicData>
-        </a:graphic>
-      </p:graphicFrame>
-      <p:graphicFrame>
-        <p:nvGraphicFramePr>
-          <p:cNvPr id="17" name="Table 16">
-            <a:extLst>
-              <a:ext uri="{FF2B5EF4-FFF2-40B4-BE49-F238E27FC236}">
-                <a16:creationId xmlns:a16="http://schemas.microsoft.com/office/drawing/2014/main" id="{F545FAB8-F1CE-4886-9BDE-E772BCB0A9C4}"/>
-              </a:ext>
-            </a:extLst>
-          </p:cNvPr>
-          <p:cNvGraphicFramePr>
-            <a:graphicFrameLocks noGrp="1"/>
-          </p:cNvGraphicFramePr>
-          <p:nvPr>
-            <p:extLst>
-              <p:ext uri="{D42A27DB-BD31-4B8C-83A1-F6EECF244321}">
-                <p14:modId xmlns:p14="http://schemas.microsoft.com/office/powerpoint/2010/main" val="4094059841"/>
-              </p:ext>
-            </p:extLst>
-          </p:nvPr>
-        </p:nvGraphicFramePr>
-        <p:xfrm>
-          <a:off x="2491232" y="3908450"/>
-          <a:ext cx="1825824" cy="417888"/>
-        </p:xfrm>
-        <a:graphic>
-          <a:graphicData uri="http://schemas.openxmlformats.org/drawingml/2006/table">
-            <a:tbl>
-              <a:tblPr>
-                <a:tableStyleId>{638B1855-1B75-4FBE-930C-398BA8C253C6}</a:tableStyleId>
-              </a:tblPr>
-              <a:tblGrid>
-                <a:gridCol w="1825824">
-                  <a:extLst>
-                    <a:ext uri="{9D8B030D-6E8A-4147-A177-3AD203B41FA5}">
-                      <a16:colId xmlns:a16="http://schemas.microsoft.com/office/drawing/2014/main" val="4240773277"/>
-                    </a:ext>
-                  </a:extLst>
-                </a:gridCol>
-              </a:tblGrid>
-              <a:tr h="417888">
-                <a:tc>
-                  <a:txBody>
-                    <a:bodyPr/>
-                    <a:lstStyle/>
-                    <a:p>
-                      <a:r>
-                        <a:rPr lang="en-SG" u="sng" dirty="0"/>
-                        <a:t>ab1:A</a:t>
-                      </a:r>
-                      <a:r>
-                        <a:rPr lang="en-SG" sz="1800" u="sng" dirty="0"/>
-                        <a:t>ddressBook</a:t>
-                      </a:r>
-                      <a:endParaRPr lang="en-SG" sz="1600" u="sng" dirty="0"/>
-                    </a:p>
-                  </a:txBody>
-                  <a:tcPr/>
-                </a:tc>
-                <a:extLst>
-                  <a:ext uri="{0D108BD9-81ED-4DB2-BD59-A6C34878D82A}">
-                    <a16:rowId xmlns:a16="http://schemas.microsoft.com/office/drawing/2014/main" val="2194462629"/>
-                  </a:ext>
-                </a:extLst>
-              </a:tr>
-            </a:tbl>
-          </a:graphicData>
-        </a:graphic>
-      </p:graphicFrame>
-      <p:graphicFrame>
-        <p:nvGraphicFramePr>
-          <p:cNvPr id="18" name="Table 17">
-            <a:extLst>
-              <a:ext uri="{FF2B5EF4-FFF2-40B4-BE49-F238E27FC236}">
-                <a16:creationId xmlns:a16="http://schemas.microsoft.com/office/drawing/2014/main" id="{F545FAB8-F1CE-4886-9BDE-E772BCB0A9C4}"/>
-              </a:ext>
-            </a:extLst>
-          </p:cNvPr>
-          <p:cNvGraphicFramePr>
-            <a:graphicFrameLocks noGrp="1"/>
-          </p:cNvGraphicFramePr>
-          <p:nvPr>
-            <p:extLst>
-              <p:ext uri="{D42A27DB-BD31-4B8C-83A1-F6EECF244321}">
-                <p14:modId xmlns:p14="http://schemas.microsoft.com/office/powerpoint/2010/main" val="3467820198"/>
+                <p14:modId xmlns:p14="http://schemas.microsoft.com/office/powerpoint/2010/main" val="1057365823"/>
               </p:ext>
             </p:extLst>
           </p:nvPr>
@@ -3892,18 +3681,15 @@
                     <a:bodyPr/>
                     <a:lstStyle/>
                     <a:p>
+                      <a:pPr algn="ctr"/>
                       <a:r>
                         <a:rPr lang="en-SG" u="sng" dirty="0"/>
-                        <a:t>ab0:A</a:t>
-                      </a:r>
-                      <a:r>
-                        <a:rPr lang="en-SG" sz="1800" u="sng" dirty="0"/>
-                        <a:t>ddressBook</a:t>
+                        <a:t>s0:Scheduler</a:t>
                       </a:r>
                       <a:endParaRPr lang="en-SG" sz="1600" u="sng" dirty="0"/>
                     </a:p>
                   </a:txBody>
-                  <a:tcPr/>
+                  <a:tcPr anchor="ctr"/>
                 </a:tc>
                 <a:extLst>
                   <a:ext uri="{0D108BD9-81ED-4DB2-BD59-A6C34878D82A}">
@@ -4003,6 +3789,201 @@
           </a:fontRef>
         </p:style>
       </p:cxnSp>
+      <p:graphicFrame>
+        <p:nvGraphicFramePr>
+          <p:cNvPr id="20" name="Table 19">
+            <a:extLst>
+              <a:ext uri="{FF2B5EF4-FFF2-40B4-BE49-F238E27FC236}">
+                <a16:creationId xmlns:a16="http://schemas.microsoft.com/office/drawing/2014/main" id="{A394805A-3317-47AA-B4DB-4631A13AB653}"/>
+              </a:ext>
+            </a:extLst>
+          </p:cNvPr>
+          <p:cNvGraphicFramePr>
+            <a:graphicFrameLocks noGrp="1"/>
+          </p:cNvGraphicFramePr>
+          <p:nvPr>
+            <p:extLst>
+              <p:ext uri="{D42A27DB-BD31-4B8C-83A1-F6EECF244321}">
+                <p14:modId xmlns:p14="http://schemas.microsoft.com/office/powerpoint/2010/main" val="3034527019"/>
+              </p:ext>
+            </p:extLst>
+          </p:nvPr>
+        </p:nvGraphicFramePr>
+        <p:xfrm>
+          <a:off x="2467851" y="1476102"/>
+          <a:ext cx="1825824" cy="417888"/>
+        </p:xfrm>
+        <a:graphic>
+          <a:graphicData uri="http://schemas.openxmlformats.org/drawingml/2006/table">
+            <a:tbl>
+              <a:tblPr>
+                <a:tableStyleId>{638B1855-1B75-4FBE-930C-398BA8C253C6}</a:tableStyleId>
+              </a:tblPr>
+              <a:tblGrid>
+                <a:gridCol w="1825824">
+                  <a:extLst>
+                    <a:ext uri="{9D8B030D-6E8A-4147-A177-3AD203B41FA5}">
+                      <a16:colId xmlns:a16="http://schemas.microsoft.com/office/drawing/2014/main" val="4240773277"/>
+                    </a:ext>
+                  </a:extLst>
+                </a:gridCol>
+              </a:tblGrid>
+              <a:tr h="417888">
+                <a:tc>
+                  <a:txBody>
+                    <a:bodyPr/>
+                    <a:lstStyle/>
+                    <a:p>
+                      <a:pPr algn="ctr"/>
+                      <a:r>
+                        <a:rPr lang="en-SG" u="sng" dirty="0"/>
+                        <a:t>s1:Scheduler</a:t>
+                      </a:r>
+                      <a:endParaRPr lang="en-SG" sz="1600" u="sng" dirty="0"/>
+                    </a:p>
+                  </a:txBody>
+                  <a:tcPr anchor="ctr"/>
+                </a:tc>
+                <a:extLst>
+                  <a:ext uri="{0D108BD9-81ED-4DB2-BD59-A6C34878D82A}">
+                    <a16:rowId xmlns:a16="http://schemas.microsoft.com/office/drawing/2014/main" val="2194462629"/>
+                  </a:ext>
+                </a:extLst>
+              </a:tr>
+            </a:tbl>
+          </a:graphicData>
+        </a:graphic>
+      </p:graphicFrame>
+      <p:graphicFrame>
+        <p:nvGraphicFramePr>
+          <p:cNvPr id="21" name="Table 20">
+            <a:extLst>
+              <a:ext uri="{FF2B5EF4-FFF2-40B4-BE49-F238E27FC236}">
+                <a16:creationId xmlns:a16="http://schemas.microsoft.com/office/drawing/2014/main" id="{21613608-F172-4DD9-9DA9-5C48B94612BC}"/>
+              </a:ext>
+            </a:extLst>
+          </p:cNvPr>
+          <p:cNvGraphicFramePr>
+            <a:graphicFrameLocks noGrp="1"/>
+          </p:cNvGraphicFramePr>
+          <p:nvPr>
+            <p:extLst>
+              <p:ext uri="{D42A27DB-BD31-4B8C-83A1-F6EECF244321}">
+                <p14:modId xmlns:p14="http://schemas.microsoft.com/office/powerpoint/2010/main" val="1389969736"/>
+              </p:ext>
+            </p:extLst>
+          </p:nvPr>
+        </p:nvGraphicFramePr>
+        <p:xfrm>
+          <a:off x="2525001" y="3911044"/>
+          <a:ext cx="1825824" cy="417888"/>
+        </p:xfrm>
+        <a:graphic>
+          <a:graphicData uri="http://schemas.openxmlformats.org/drawingml/2006/table">
+            <a:tbl>
+              <a:tblPr>
+                <a:tableStyleId>{638B1855-1B75-4FBE-930C-398BA8C253C6}</a:tableStyleId>
+              </a:tblPr>
+              <a:tblGrid>
+                <a:gridCol w="1825824">
+                  <a:extLst>
+                    <a:ext uri="{9D8B030D-6E8A-4147-A177-3AD203B41FA5}">
+                      <a16:colId xmlns:a16="http://schemas.microsoft.com/office/drawing/2014/main" val="4240773277"/>
+                    </a:ext>
+                  </a:extLst>
+                </a:gridCol>
+              </a:tblGrid>
+              <a:tr h="417888">
+                <a:tc>
+                  <a:txBody>
+                    <a:bodyPr/>
+                    <a:lstStyle/>
+                    <a:p>
+                      <a:pPr algn="ctr"/>
+                      <a:r>
+                        <a:rPr lang="en-SG" u="sng" dirty="0"/>
+                        <a:t>s1:Scheduler</a:t>
+                      </a:r>
+                      <a:endParaRPr lang="en-SG" sz="1600" u="sng" dirty="0"/>
+                    </a:p>
+                  </a:txBody>
+                  <a:tcPr anchor="ctr"/>
+                </a:tc>
+                <a:extLst>
+                  <a:ext uri="{0D108BD9-81ED-4DB2-BD59-A6C34878D82A}">
+                    <a16:rowId xmlns:a16="http://schemas.microsoft.com/office/drawing/2014/main" val="2194462629"/>
+                  </a:ext>
+                </a:extLst>
+              </a:tr>
+            </a:tbl>
+          </a:graphicData>
+        </a:graphic>
+      </p:graphicFrame>
+      <p:graphicFrame>
+        <p:nvGraphicFramePr>
+          <p:cNvPr id="22" name="Table 21">
+            <a:extLst>
+              <a:ext uri="{FF2B5EF4-FFF2-40B4-BE49-F238E27FC236}">
+                <a16:creationId xmlns:a16="http://schemas.microsoft.com/office/drawing/2014/main" id="{E9B4D50F-A575-42BB-8055-44EFF0C26CFB}"/>
+              </a:ext>
+            </a:extLst>
+          </p:cNvPr>
+          <p:cNvGraphicFramePr>
+            <a:graphicFrameLocks noGrp="1"/>
+          </p:cNvGraphicFramePr>
+          <p:nvPr>
+            <p:extLst>
+              <p:ext uri="{D42A27DB-BD31-4B8C-83A1-F6EECF244321}">
+                <p14:modId xmlns:p14="http://schemas.microsoft.com/office/powerpoint/2010/main" val="1268693696"/>
+              </p:ext>
+            </p:extLst>
+          </p:nvPr>
+        </p:nvGraphicFramePr>
+        <p:xfrm>
+          <a:off x="4548187" y="3908502"/>
+          <a:ext cx="1825824" cy="417888"/>
+        </p:xfrm>
+        <a:graphic>
+          <a:graphicData uri="http://schemas.openxmlformats.org/drawingml/2006/table">
+            <a:tbl>
+              <a:tblPr>
+                <a:tableStyleId>{638B1855-1B75-4FBE-930C-398BA8C253C6}</a:tableStyleId>
+              </a:tblPr>
+              <a:tblGrid>
+                <a:gridCol w="1825824">
+                  <a:extLst>
+                    <a:ext uri="{9D8B030D-6E8A-4147-A177-3AD203B41FA5}">
+                      <a16:colId xmlns:a16="http://schemas.microsoft.com/office/drawing/2014/main" val="4240773277"/>
+                    </a:ext>
+                  </a:extLst>
+                </a:gridCol>
+              </a:tblGrid>
+              <a:tr h="417888">
+                <a:tc>
+                  <a:txBody>
+                    <a:bodyPr/>
+                    <a:lstStyle/>
+                    <a:p>
+                      <a:pPr algn="ctr"/>
+                      <a:r>
+                        <a:rPr lang="en-SG" u="sng" dirty="0"/>
+                        <a:t>s2:Scheduler</a:t>
+                      </a:r>
+                      <a:endParaRPr lang="en-SG" sz="1600" u="sng" dirty="0"/>
+                    </a:p>
+                  </a:txBody>
+                  <a:tcPr anchor="ctr"/>
+                </a:tc>
+                <a:extLst>
+                  <a:ext uri="{0D108BD9-81ED-4DB2-BD59-A6C34878D82A}">
+                    <a16:rowId xmlns:a16="http://schemas.microsoft.com/office/drawing/2014/main" val="2194462629"/>
+                  </a:ext>
+                </a:extLst>
+              </a:tr>
+            </a:tbl>
+          </a:graphicData>
+        </a:graphic>
+      </p:graphicFrame>
     </p:spTree>
     <p:extLst>
       <p:ext uri="{BB962C8B-B14F-4D97-AF65-F5344CB8AC3E}">

--- a/docs/diagrams/UndoRedoNewCommand2StateListDiagram.pptx
+++ b/docs/diagrams/UndoRedoNewCommand2StateListDiagram.pptx
@@ -112,10 +112,6 @@
 </p:presentation>
 </file>
 
-<file path=ppt/revisionInfo.xml><?xml version="1.0" encoding="utf-8"?>
-<p1510:revInfo xmlns:a="http://schemas.openxmlformats.org/drawingml/2006/main" xmlns:r="http://schemas.openxmlformats.org/officeDocument/2006/relationships" xmlns:p1510="http://schemas.microsoft.com/office/powerpoint/2015/10/main"/>
-</file>
-
 <file path=ppt/slideLayouts/slideLayout1.xml><?xml version="1.0" encoding="utf-8"?>
 <p:sldLayout xmlns:a="http://schemas.openxmlformats.org/drawingml/2006/main" xmlns:r="http://schemas.openxmlformats.org/officeDocument/2006/relationships" xmlns:p="http://schemas.openxmlformats.org/presentationml/2006/main" type="title" preserve="1">
   <p:cSld name="Title Slide">
@@ -265,7 +261,7 @@
           <a:p>
             <a:fld id="{03EC4E3E-8101-482F-A883-8B55DAFF7C07}" type="datetimeFigureOut">
               <a:rPr lang="en-SG" smtClean="0"/>
-              <a:t>6/7/2018</a:t>
+              <a:t>11/11/2018</a:t>
             </a:fld>
             <a:endParaRPr lang="en-SG"/>
           </a:p>
@@ -465,7 +461,7 @@
           <a:p>
             <a:fld id="{03EC4E3E-8101-482F-A883-8B55DAFF7C07}" type="datetimeFigureOut">
               <a:rPr lang="en-SG" smtClean="0"/>
-              <a:t>6/7/2018</a:t>
+              <a:t>11/11/2018</a:t>
             </a:fld>
             <a:endParaRPr lang="en-SG"/>
           </a:p>
@@ -675,7 +671,7 @@
           <a:p>
             <a:fld id="{03EC4E3E-8101-482F-A883-8B55DAFF7C07}" type="datetimeFigureOut">
               <a:rPr lang="en-SG" smtClean="0"/>
-              <a:t>6/7/2018</a:t>
+              <a:t>11/11/2018</a:t>
             </a:fld>
             <a:endParaRPr lang="en-SG"/>
           </a:p>
@@ -875,7 +871,7 @@
           <a:p>
             <a:fld id="{03EC4E3E-8101-482F-A883-8B55DAFF7C07}" type="datetimeFigureOut">
               <a:rPr lang="en-SG" smtClean="0"/>
-              <a:t>6/7/2018</a:t>
+              <a:t>11/11/2018</a:t>
             </a:fld>
             <a:endParaRPr lang="en-SG"/>
           </a:p>
@@ -1151,7 +1147,7 @@
           <a:p>
             <a:fld id="{03EC4E3E-8101-482F-A883-8B55DAFF7C07}" type="datetimeFigureOut">
               <a:rPr lang="en-SG" smtClean="0"/>
-              <a:t>6/7/2018</a:t>
+              <a:t>11/11/2018</a:t>
             </a:fld>
             <a:endParaRPr lang="en-SG"/>
           </a:p>
@@ -1419,7 +1415,7 @@
           <a:p>
             <a:fld id="{03EC4E3E-8101-482F-A883-8B55DAFF7C07}" type="datetimeFigureOut">
               <a:rPr lang="en-SG" smtClean="0"/>
-              <a:t>6/7/2018</a:t>
+              <a:t>11/11/2018</a:t>
             </a:fld>
             <a:endParaRPr lang="en-SG"/>
           </a:p>
@@ -1834,7 +1830,7 @@
           <a:p>
             <a:fld id="{03EC4E3E-8101-482F-A883-8B55DAFF7C07}" type="datetimeFigureOut">
               <a:rPr lang="en-SG" smtClean="0"/>
-              <a:t>6/7/2018</a:t>
+              <a:t>11/11/2018</a:t>
             </a:fld>
             <a:endParaRPr lang="en-SG"/>
           </a:p>
@@ -1976,7 +1972,7 @@
           <a:p>
             <a:fld id="{03EC4E3E-8101-482F-A883-8B55DAFF7C07}" type="datetimeFigureOut">
               <a:rPr lang="en-SG" smtClean="0"/>
-              <a:t>6/7/2018</a:t>
+              <a:t>11/11/2018</a:t>
             </a:fld>
             <a:endParaRPr lang="en-SG"/>
           </a:p>
@@ -2089,7 +2085,7 @@
           <a:p>
             <a:fld id="{03EC4E3E-8101-482F-A883-8B55DAFF7C07}" type="datetimeFigureOut">
               <a:rPr lang="en-SG" smtClean="0"/>
-              <a:t>6/7/2018</a:t>
+              <a:t>11/11/2018</a:t>
             </a:fld>
             <a:endParaRPr lang="en-SG"/>
           </a:p>
@@ -2402,7 +2398,7 @@
           <a:p>
             <a:fld id="{03EC4E3E-8101-482F-A883-8B55DAFF7C07}" type="datetimeFigureOut">
               <a:rPr lang="en-SG" smtClean="0"/>
-              <a:t>6/7/2018</a:t>
+              <a:t>11/11/2018</a:t>
             </a:fld>
             <a:endParaRPr lang="en-SG"/>
           </a:p>
@@ -2691,7 +2687,7 @@
           <a:p>
             <a:fld id="{03EC4E3E-8101-482F-A883-8B55DAFF7C07}" type="datetimeFigureOut">
               <a:rPr lang="en-SG" smtClean="0"/>
-              <a:t>6/7/2018</a:t>
+              <a:t>11/11/2018</a:t>
             </a:fld>
             <a:endParaRPr lang="en-SG"/>
           </a:p>
@@ -2934,7 +2930,7 @@
           <a:p>
             <a:fld id="{03EC4E3E-8101-482F-A883-8B55DAFF7C07}" type="datetimeFigureOut">
               <a:rPr lang="en-SG" smtClean="0"/>
-              <a:t>6/7/2018</a:t>
+              <a:t>11/11/2018</a:t>
             </a:fld>
             <a:endParaRPr lang="en-SG"/>
           </a:p>
@@ -3359,7 +3355,7 @@
         </p:nvSpPr>
         <p:spPr>
           <a:xfrm>
-            <a:off x="5129284" y="2264095"/>
+            <a:off x="5546727" y="2264095"/>
             <a:ext cx="1933431" cy="1383977"/>
           </a:xfrm>
           <a:prstGeom prst="downArrow">
@@ -3389,167 +3385,9 @@
             <a:pPr algn="ctr"/>
             <a:r>
               <a:rPr lang="en-SG" dirty="0"/>
-              <a:t>Add n/David… </a:t>
+              <a:t>Add n/Lunch… </a:t>
             </a:r>
             <a:endParaRPr lang="en-US" dirty="0"/>
-          </a:p>
-        </p:txBody>
-      </p:sp>
-      <p:sp>
-        <p:nvSpPr>
-          <p:cNvPr id="24" name="TextBox 23">
-            <a:extLst>
-              <a:ext uri="{FF2B5EF4-FFF2-40B4-BE49-F238E27FC236}">
-                <a16:creationId xmlns:a16="http://schemas.microsoft.com/office/drawing/2014/main" id="{3151A13B-9509-43FA-BFEB-1D9866A00B84}"/>
-              </a:ext>
-            </a:extLst>
-          </p:cNvPr>
-          <p:cNvSpPr txBox="1"/>
-          <p:nvPr/>
-        </p:nvSpPr>
-        <p:spPr>
-          <a:xfrm>
-            <a:off x="1836612" y="2726030"/>
-            <a:ext cx="3207000" cy="369332"/>
-          </a:xfrm>
-          <a:prstGeom prst="rect">
-            <a:avLst/>
-          </a:prstGeom>
-          <a:noFill/>
-        </p:spPr>
-        <p:txBody>
-          <a:bodyPr wrap="square" rtlCol="0">
-            <a:spAutoFit/>
-          </a:bodyPr>
-          <a:lstStyle/>
-          <a:p>
-            <a:pPr algn="ctr"/>
-            <a:r>
-              <a:rPr lang="en-SG" dirty="0" err="1">
-                <a:latin typeface="Consolas" panose="020B0609020204030204" pitchFamily="49" charset="0"/>
-              </a:rPr>
-              <a:t>currentStatePointer</a:t>
-            </a:r>
-            <a:r>
-              <a:rPr lang="en-SG" dirty="0">
-                <a:latin typeface="Consolas" panose="020B0609020204030204" pitchFamily="49" charset="0"/>
-              </a:rPr>
-              <a:t> = 1</a:t>
-            </a:r>
-          </a:p>
-        </p:txBody>
-      </p:sp>
-      <p:graphicFrame>
-        <p:nvGraphicFramePr>
-          <p:cNvPr id="25" name="Table 24">
-            <a:extLst>
-              <a:ext uri="{FF2B5EF4-FFF2-40B4-BE49-F238E27FC236}">
-                <a16:creationId xmlns:a16="http://schemas.microsoft.com/office/drawing/2014/main" id="{F545FAB8-F1CE-4886-9BDE-E772BCB0A9C4}"/>
-              </a:ext>
-            </a:extLst>
-          </p:cNvPr>
-          <p:cNvGraphicFramePr>
-            <a:graphicFrameLocks noGrp="1"/>
-          </p:cNvGraphicFramePr>
-          <p:nvPr>
-            <p:extLst>
-              <p:ext uri="{D42A27DB-BD31-4B8C-83A1-F6EECF244321}">
-                <p14:modId xmlns:p14="http://schemas.microsoft.com/office/powerpoint/2010/main" val="3571951523"/>
-              </p:ext>
-            </p:extLst>
-          </p:nvPr>
-        </p:nvGraphicFramePr>
-        <p:xfrm>
-          <a:off x="473240" y="1476102"/>
-          <a:ext cx="1825824" cy="417888"/>
-        </p:xfrm>
-        <a:graphic>
-          <a:graphicData uri="http://schemas.openxmlformats.org/drawingml/2006/table">
-            <a:tbl>
-              <a:tblPr>
-                <a:tableStyleId>{638B1855-1B75-4FBE-930C-398BA8C253C6}</a:tableStyleId>
-              </a:tblPr>
-              <a:tblGrid>
-                <a:gridCol w="1825824">
-                  <a:extLst>
-                    <a:ext uri="{9D8B030D-6E8A-4147-A177-3AD203B41FA5}">
-                      <a16:colId xmlns:a16="http://schemas.microsoft.com/office/drawing/2014/main" val="4240773277"/>
-                    </a:ext>
-                  </a:extLst>
-                </a:gridCol>
-              </a:tblGrid>
-              <a:tr h="417888">
-                <a:tc>
-                  <a:txBody>
-                    <a:bodyPr/>
-                    <a:lstStyle/>
-                    <a:p>
-                      <a:r>
-                        <a:rPr lang="en-SG" u="sng" dirty="0"/>
-                        <a:t>ab0:A</a:t>
-                      </a:r>
-                      <a:r>
-                        <a:rPr lang="en-SG" sz="1800" u="sng" dirty="0"/>
-                        <a:t>ddressBook</a:t>
-                      </a:r>
-                      <a:endParaRPr lang="en-SG" sz="1600" u="sng" dirty="0"/>
-                    </a:p>
-                  </a:txBody>
-                  <a:tcPr/>
-                </a:tc>
-                <a:extLst>
-                  <a:ext uri="{0D108BD9-81ED-4DB2-BD59-A6C34878D82A}">
-                    <a16:rowId xmlns:a16="http://schemas.microsoft.com/office/drawing/2014/main" val="2194462629"/>
-                  </a:ext>
-                </a:extLst>
-              </a:tr>
-            </a:tbl>
-          </a:graphicData>
-        </a:graphic>
-      </p:graphicFrame>
-      <p:sp>
-        <p:nvSpPr>
-          <p:cNvPr id="29" name="Rectangle 28"/>
-          <p:cNvSpPr/>
-          <p:nvPr/>
-        </p:nvSpPr>
-        <p:spPr>
-          <a:xfrm>
-            <a:off x="364797" y="1375953"/>
-            <a:ext cx="11364686" cy="618187"/>
-          </a:xfrm>
-          <a:prstGeom prst="rect">
-            <a:avLst/>
-          </a:prstGeom>
-          <a:noFill/>
-          <a:ln>
-            <a:solidFill>
-              <a:schemeClr val="tx1"/>
-            </a:solidFill>
-          </a:ln>
-        </p:spPr>
-        <p:style>
-          <a:lnRef idx="2">
-            <a:schemeClr val="accent1">
-              <a:shade val="50000"/>
-            </a:schemeClr>
-          </a:lnRef>
-          <a:fillRef idx="1">
-            <a:schemeClr val="accent1"/>
-          </a:fillRef>
-          <a:effectRef idx="0">
-            <a:schemeClr val="accent1"/>
-          </a:effectRef>
-          <a:fontRef idx="minor">
-            <a:schemeClr val="lt1"/>
-          </a:fontRef>
-        </p:style>
-        <p:txBody>
-          <a:bodyPr rtlCol="0" anchor="ctr"/>
-          <a:lstStyle/>
-          <a:p>
-            <a:pPr algn="ctr"/>
-            <a:endParaRPr lang="en-US"/>
           </a:p>
         </p:txBody>
       </p:sp>
@@ -3643,322 +3481,6 @@
           </a:p>
         </p:txBody>
       </p:sp>
-      <p:graphicFrame>
-        <p:nvGraphicFramePr>
-          <p:cNvPr id="15" name="Table 14">
-            <a:extLst>
-              <a:ext uri="{FF2B5EF4-FFF2-40B4-BE49-F238E27FC236}">
-                <a16:creationId xmlns:a16="http://schemas.microsoft.com/office/drawing/2014/main" id="{F545FAB8-F1CE-4886-9BDE-E772BCB0A9C4}"/>
-              </a:ext>
-            </a:extLst>
-          </p:cNvPr>
-          <p:cNvGraphicFramePr>
-            <a:graphicFrameLocks noGrp="1"/>
-          </p:cNvGraphicFramePr>
-          <p:nvPr>
-            <p:extLst>
-              <p:ext uri="{D42A27DB-BD31-4B8C-83A1-F6EECF244321}">
-                <p14:modId xmlns:p14="http://schemas.microsoft.com/office/powerpoint/2010/main" val="2341913009"/>
-              </p:ext>
-            </p:extLst>
-          </p:nvPr>
-        </p:nvGraphicFramePr>
-        <p:xfrm>
-          <a:off x="2491232" y="1476102"/>
-          <a:ext cx="1825824" cy="417888"/>
-        </p:xfrm>
-        <a:graphic>
-          <a:graphicData uri="http://schemas.openxmlformats.org/drawingml/2006/table">
-            <a:tbl>
-              <a:tblPr>
-                <a:tableStyleId>{638B1855-1B75-4FBE-930C-398BA8C253C6}</a:tableStyleId>
-              </a:tblPr>
-              <a:tblGrid>
-                <a:gridCol w="1825824">
-                  <a:extLst>
-                    <a:ext uri="{9D8B030D-6E8A-4147-A177-3AD203B41FA5}">
-                      <a16:colId xmlns:a16="http://schemas.microsoft.com/office/drawing/2014/main" val="4240773277"/>
-                    </a:ext>
-                  </a:extLst>
-                </a:gridCol>
-              </a:tblGrid>
-              <a:tr h="417888">
-                <a:tc>
-                  <a:txBody>
-                    <a:bodyPr/>
-                    <a:lstStyle/>
-                    <a:p>
-                      <a:r>
-                        <a:rPr lang="en-SG" u="sng" dirty="0"/>
-                        <a:t>ab1:A</a:t>
-                      </a:r>
-                      <a:r>
-                        <a:rPr lang="en-SG" sz="1800" u="sng" dirty="0"/>
-                        <a:t>ddressBook</a:t>
-                      </a:r>
-                      <a:endParaRPr lang="en-SG" sz="1600" u="sng" dirty="0"/>
-                    </a:p>
-                  </a:txBody>
-                  <a:tcPr/>
-                </a:tc>
-                <a:extLst>
-                  <a:ext uri="{0D108BD9-81ED-4DB2-BD59-A6C34878D82A}">
-                    <a16:rowId xmlns:a16="http://schemas.microsoft.com/office/drawing/2014/main" val="2194462629"/>
-                  </a:ext>
-                </a:extLst>
-              </a:tr>
-            </a:tbl>
-          </a:graphicData>
-        </a:graphic>
-      </p:graphicFrame>
-      <p:graphicFrame>
-        <p:nvGraphicFramePr>
-          <p:cNvPr id="16" name="Table 15">
-            <a:extLst>
-              <a:ext uri="{FF2B5EF4-FFF2-40B4-BE49-F238E27FC236}">
-                <a16:creationId xmlns:a16="http://schemas.microsoft.com/office/drawing/2014/main" id="{F545FAB8-F1CE-4886-9BDE-E772BCB0A9C4}"/>
-              </a:ext>
-            </a:extLst>
-          </p:cNvPr>
-          <p:cNvGraphicFramePr>
-            <a:graphicFrameLocks noGrp="1"/>
-          </p:cNvGraphicFramePr>
-          <p:nvPr>
-            <p:extLst>
-              <p:ext uri="{D42A27DB-BD31-4B8C-83A1-F6EECF244321}">
-                <p14:modId xmlns:p14="http://schemas.microsoft.com/office/powerpoint/2010/main" val="2172716932"/>
-              </p:ext>
-            </p:extLst>
-          </p:nvPr>
-        </p:nvGraphicFramePr>
-        <p:xfrm>
-          <a:off x="4509224" y="3926589"/>
-          <a:ext cx="1825824" cy="417888"/>
-        </p:xfrm>
-        <a:graphic>
-          <a:graphicData uri="http://schemas.openxmlformats.org/drawingml/2006/table">
-            <a:tbl>
-              <a:tblPr>
-                <a:tableStyleId>{638B1855-1B75-4FBE-930C-398BA8C253C6}</a:tableStyleId>
-              </a:tblPr>
-              <a:tblGrid>
-                <a:gridCol w="1825824">
-                  <a:extLst>
-                    <a:ext uri="{9D8B030D-6E8A-4147-A177-3AD203B41FA5}">
-                      <a16:colId xmlns:a16="http://schemas.microsoft.com/office/drawing/2014/main" val="4240773277"/>
-                    </a:ext>
-                  </a:extLst>
-                </a:gridCol>
-              </a:tblGrid>
-              <a:tr h="417888">
-                <a:tc>
-                  <a:txBody>
-                    <a:bodyPr/>
-                    <a:lstStyle/>
-                    <a:p>
-                      <a:r>
-                        <a:rPr lang="en-SG" u="sng"/>
-                        <a:t>ab2:A</a:t>
-                      </a:r>
-                      <a:r>
-                        <a:rPr lang="en-SG" sz="1800" u="sng"/>
-                        <a:t>ddressBook</a:t>
-                      </a:r>
-                      <a:endParaRPr lang="en-SG" sz="1600" u="sng" dirty="0"/>
-                    </a:p>
-                  </a:txBody>
-                  <a:tcPr/>
-                </a:tc>
-                <a:extLst>
-                  <a:ext uri="{0D108BD9-81ED-4DB2-BD59-A6C34878D82A}">
-                    <a16:rowId xmlns:a16="http://schemas.microsoft.com/office/drawing/2014/main" val="2194462629"/>
-                  </a:ext>
-                </a:extLst>
-              </a:tr>
-            </a:tbl>
-          </a:graphicData>
-        </a:graphic>
-      </p:graphicFrame>
-      <p:graphicFrame>
-        <p:nvGraphicFramePr>
-          <p:cNvPr id="17" name="Table 16">
-            <a:extLst>
-              <a:ext uri="{FF2B5EF4-FFF2-40B4-BE49-F238E27FC236}">
-                <a16:creationId xmlns:a16="http://schemas.microsoft.com/office/drawing/2014/main" id="{F545FAB8-F1CE-4886-9BDE-E772BCB0A9C4}"/>
-              </a:ext>
-            </a:extLst>
-          </p:cNvPr>
-          <p:cNvGraphicFramePr>
-            <a:graphicFrameLocks noGrp="1"/>
-          </p:cNvGraphicFramePr>
-          <p:nvPr>
-            <p:extLst>
-              <p:ext uri="{D42A27DB-BD31-4B8C-83A1-F6EECF244321}">
-                <p14:modId xmlns:p14="http://schemas.microsoft.com/office/powerpoint/2010/main" val="4094059841"/>
-              </p:ext>
-            </p:extLst>
-          </p:nvPr>
-        </p:nvGraphicFramePr>
-        <p:xfrm>
-          <a:off x="2491232" y="3908450"/>
-          <a:ext cx="1825824" cy="417888"/>
-        </p:xfrm>
-        <a:graphic>
-          <a:graphicData uri="http://schemas.openxmlformats.org/drawingml/2006/table">
-            <a:tbl>
-              <a:tblPr>
-                <a:tableStyleId>{638B1855-1B75-4FBE-930C-398BA8C253C6}</a:tableStyleId>
-              </a:tblPr>
-              <a:tblGrid>
-                <a:gridCol w="1825824">
-                  <a:extLst>
-                    <a:ext uri="{9D8B030D-6E8A-4147-A177-3AD203B41FA5}">
-                      <a16:colId xmlns:a16="http://schemas.microsoft.com/office/drawing/2014/main" val="4240773277"/>
-                    </a:ext>
-                  </a:extLst>
-                </a:gridCol>
-              </a:tblGrid>
-              <a:tr h="417888">
-                <a:tc>
-                  <a:txBody>
-                    <a:bodyPr/>
-                    <a:lstStyle/>
-                    <a:p>
-                      <a:r>
-                        <a:rPr lang="en-SG" u="sng" dirty="0"/>
-                        <a:t>ab1:A</a:t>
-                      </a:r>
-                      <a:r>
-                        <a:rPr lang="en-SG" sz="1800" u="sng" dirty="0"/>
-                        <a:t>ddressBook</a:t>
-                      </a:r>
-                      <a:endParaRPr lang="en-SG" sz="1600" u="sng" dirty="0"/>
-                    </a:p>
-                  </a:txBody>
-                  <a:tcPr/>
-                </a:tc>
-                <a:extLst>
-                  <a:ext uri="{0D108BD9-81ED-4DB2-BD59-A6C34878D82A}">
-                    <a16:rowId xmlns:a16="http://schemas.microsoft.com/office/drawing/2014/main" val="2194462629"/>
-                  </a:ext>
-                </a:extLst>
-              </a:tr>
-            </a:tbl>
-          </a:graphicData>
-        </a:graphic>
-      </p:graphicFrame>
-      <p:graphicFrame>
-        <p:nvGraphicFramePr>
-          <p:cNvPr id="18" name="Table 17">
-            <a:extLst>
-              <a:ext uri="{FF2B5EF4-FFF2-40B4-BE49-F238E27FC236}">
-                <a16:creationId xmlns:a16="http://schemas.microsoft.com/office/drawing/2014/main" id="{F545FAB8-F1CE-4886-9BDE-E772BCB0A9C4}"/>
-              </a:ext>
-            </a:extLst>
-          </p:cNvPr>
-          <p:cNvGraphicFramePr>
-            <a:graphicFrameLocks noGrp="1"/>
-          </p:cNvGraphicFramePr>
-          <p:nvPr>
-            <p:extLst>
-              <p:ext uri="{D42A27DB-BD31-4B8C-83A1-F6EECF244321}">
-                <p14:modId xmlns:p14="http://schemas.microsoft.com/office/powerpoint/2010/main" val="3467820198"/>
-              </p:ext>
-            </p:extLst>
-          </p:nvPr>
-        </p:nvGraphicFramePr>
-        <p:xfrm>
-          <a:off x="473240" y="3908450"/>
-          <a:ext cx="1825824" cy="417888"/>
-        </p:xfrm>
-        <a:graphic>
-          <a:graphicData uri="http://schemas.openxmlformats.org/drawingml/2006/table">
-            <a:tbl>
-              <a:tblPr>
-                <a:tableStyleId>{638B1855-1B75-4FBE-930C-398BA8C253C6}</a:tableStyleId>
-              </a:tblPr>
-              <a:tblGrid>
-                <a:gridCol w="1825824">
-                  <a:extLst>
-                    <a:ext uri="{9D8B030D-6E8A-4147-A177-3AD203B41FA5}">
-                      <a16:colId xmlns:a16="http://schemas.microsoft.com/office/drawing/2014/main" val="4240773277"/>
-                    </a:ext>
-                  </a:extLst>
-                </a:gridCol>
-              </a:tblGrid>
-              <a:tr h="417888">
-                <a:tc>
-                  <a:txBody>
-                    <a:bodyPr/>
-                    <a:lstStyle/>
-                    <a:p>
-                      <a:r>
-                        <a:rPr lang="en-SG" u="sng" dirty="0"/>
-                        <a:t>ab0:A</a:t>
-                      </a:r>
-                      <a:r>
-                        <a:rPr lang="en-SG" sz="1800" u="sng" dirty="0"/>
-                        <a:t>ddressBook</a:t>
-                      </a:r>
-                      <a:endParaRPr lang="en-SG" sz="1600" u="sng" dirty="0"/>
-                    </a:p>
-                  </a:txBody>
-                  <a:tcPr/>
-                </a:tc>
-                <a:extLst>
-                  <a:ext uri="{0D108BD9-81ED-4DB2-BD59-A6C34878D82A}">
-                    <a16:rowId xmlns:a16="http://schemas.microsoft.com/office/drawing/2014/main" val="2194462629"/>
-                  </a:ext>
-                </a:extLst>
-              </a:tr>
-            </a:tbl>
-          </a:graphicData>
-        </a:graphic>
-      </p:graphicFrame>
-      <p:cxnSp>
-        <p:nvCxnSpPr>
-          <p:cNvPr id="14" name="Straight Arrow Connector 13">
-            <a:extLst>
-              <a:ext uri="{FF2B5EF4-FFF2-40B4-BE49-F238E27FC236}">
-                <a16:creationId xmlns:a16="http://schemas.microsoft.com/office/drawing/2014/main" id="{DE6F144C-EC66-46E7-97DC-BB839A1578F5}"/>
-              </a:ext>
-            </a:extLst>
-          </p:cNvPr>
-          <p:cNvCxnSpPr>
-            <a:cxnSpLocks/>
-          </p:cNvCxnSpPr>
-          <p:nvPr/>
-        </p:nvCxnSpPr>
-        <p:spPr>
-          <a:xfrm flipV="1">
-            <a:off x="3380763" y="2019157"/>
-            <a:ext cx="0" cy="706873"/>
-          </a:xfrm>
-          <a:prstGeom prst="straightConnector1">
-            <a:avLst/>
-          </a:prstGeom>
-          <a:ln>
-            <a:solidFill>
-              <a:srgbClr val="C00000"/>
-            </a:solidFill>
-            <a:tailEnd type="triangle"/>
-          </a:ln>
-        </p:spPr>
-        <p:style>
-          <a:lnRef idx="1">
-            <a:schemeClr val="accent1"/>
-          </a:lnRef>
-          <a:fillRef idx="0">
-            <a:schemeClr val="accent1"/>
-          </a:fillRef>
-          <a:effectRef idx="0">
-            <a:schemeClr val="accent1"/>
-          </a:effectRef>
-          <a:fontRef idx="minor">
-            <a:schemeClr val="tx1"/>
-          </a:fontRef>
-        </p:style>
-      </p:cxnSp>
       <p:cxnSp>
         <p:nvCxnSpPr>
           <p:cNvPr id="19" name="Straight Arrow Connector 18">
@@ -4003,6 +3525,486 @@
           </a:fontRef>
         </p:style>
       </p:cxnSp>
+      <p:sp>
+        <p:nvSpPr>
+          <p:cNvPr id="27" name="TextBox 26">
+            <a:extLst>
+              <a:ext uri="{FF2B5EF4-FFF2-40B4-BE49-F238E27FC236}">
+                <a16:creationId xmlns:a16="http://schemas.microsoft.com/office/drawing/2014/main" id="{6504DBEF-CE74-4262-81E7-51D271A913E2}"/>
+              </a:ext>
+            </a:extLst>
+          </p:cNvPr>
+          <p:cNvSpPr txBox="1"/>
+          <p:nvPr/>
+        </p:nvSpPr>
+        <p:spPr>
+          <a:xfrm>
+            <a:off x="2295004" y="2750864"/>
+            <a:ext cx="3207000" cy="369332"/>
+          </a:xfrm>
+          <a:prstGeom prst="rect">
+            <a:avLst/>
+          </a:prstGeom>
+          <a:noFill/>
+        </p:spPr>
+        <p:txBody>
+          <a:bodyPr wrap="square" rtlCol="0">
+            <a:spAutoFit/>
+          </a:bodyPr>
+          <a:lstStyle/>
+          <a:p>
+            <a:pPr algn="ctr"/>
+            <a:r>
+              <a:rPr lang="en-SG" dirty="0" err="1">
+                <a:latin typeface="Consolas" panose="020B0609020204030204" pitchFamily="49" charset="0"/>
+              </a:rPr>
+              <a:t>currentStatePointer</a:t>
+            </a:r>
+            <a:r>
+              <a:rPr lang="en-SG" dirty="0">
+                <a:latin typeface="Consolas" panose="020B0609020204030204" pitchFamily="49" charset="0"/>
+              </a:rPr>
+              <a:t> = 1</a:t>
+            </a:r>
+          </a:p>
+        </p:txBody>
+      </p:sp>
+      <p:sp>
+        <p:nvSpPr>
+          <p:cNvPr id="28" name="Rectangle 27">
+            <a:extLst>
+              <a:ext uri="{FF2B5EF4-FFF2-40B4-BE49-F238E27FC236}">
+                <a16:creationId xmlns:a16="http://schemas.microsoft.com/office/drawing/2014/main" id="{D185FD08-B3D6-47E3-BA78-B995E84B65DE}"/>
+              </a:ext>
+            </a:extLst>
+          </p:cNvPr>
+          <p:cNvSpPr/>
+          <p:nvPr/>
+        </p:nvSpPr>
+        <p:spPr>
+          <a:xfrm>
+            <a:off x="387404" y="1343857"/>
+            <a:ext cx="11364686" cy="593918"/>
+          </a:xfrm>
+          <a:prstGeom prst="rect">
+            <a:avLst/>
+          </a:prstGeom>
+          <a:noFill/>
+          <a:ln>
+            <a:solidFill>
+              <a:schemeClr val="tx1"/>
+            </a:solidFill>
+          </a:ln>
+        </p:spPr>
+        <p:style>
+          <a:lnRef idx="2">
+            <a:schemeClr val="accent1">
+              <a:shade val="50000"/>
+            </a:schemeClr>
+          </a:lnRef>
+          <a:fillRef idx="1">
+            <a:schemeClr val="accent1"/>
+          </a:fillRef>
+          <a:effectRef idx="0">
+            <a:schemeClr val="accent1"/>
+          </a:effectRef>
+          <a:fontRef idx="minor">
+            <a:schemeClr val="lt1"/>
+          </a:fontRef>
+        </p:style>
+        <p:txBody>
+          <a:bodyPr rtlCol="0" anchor="ctr"/>
+          <a:lstStyle/>
+          <a:p>
+            <a:pPr algn="ctr"/>
+            <a:endParaRPr lang="en-US"/>
+          </a:p>
+        </p:txBody>
+      </p:sp>
+      <p:cxnSp>
+        <p:nvCxnSpPr>
+          <p:cNvPr id="31" name="Straight Arrow Connector 30">
+            <a:extLst>
+              <a:ext uri="{FF2B5EF4-FFF2-40B4-BE49-F238E27FC236}">
+                <a16:creationId xmlns:a16="http://schemas.microsoft.com/office/drawing/2014/main" id="{045346F1-E318-4CF9-B3AB-3AFE29386956}"/>
+              </a:ext>
+            </a:extLst>
+          </p:cNvPr>
+          <p:cNvCxnSpPr>
+            <a:cxnSpLocks/>
+          </p:cNvCxnSpPr>
+          <p:nvPr/>
+        </p:nvCxnSpPr>
+        <p:spPr>
+          <a:xfrm flipV="1">
+            <a:off x="3717142" y="2043991"/>
+            <a:ext cx="0" cy="706873"/>
+          </a:xfrm>
+          <a:prstGeom prst="straightConnector1">
+            <a:avLst/>
+          </a:prstGeom>
+          <a:ln>
+            <a:solidFill>
+              <a:srgbClr val="C00000"/>
+            </a:solidFill>
+            <a:tailEnd type="triangle"/>
+          </a:ln>
+        </p:spPr>
+        <p:style>
+          <a:lnRef idx="1">
+            <a:schemeClr val="accent1"/>
+          </a:lnRef>
+          <a:fillRef idx="0">
+            <a:schemeClr val="accent1"/>
+          </a:fillRef>
+          <a:effectRef idx="0">
+            <a:schemeClr val="accent1"/>
+          </a:effectRef>
+          <a:fontRef idx="minor">
+            <a:schemeClr val="tx1"/>
+          </a:fontRef>
+        </p:style>
+      </p:cxnSp>
+      <p:graphicFrame>
+        <p:nvGraphicFramePr>
+          <p:cNvPr id="32" name="Table 31">
+            <a:extLst>
+              <a:ext uri="{FF2B5EF4-FFF2-40B4-BE49-F238E27FC236}">
+                <a16:creationId xmlns:a16="http://schemas.microsoft.com/office/drawing/2014/main" id="{2BF08E19-A6A0-4386-AC5A-DC8AF3BD89C5}"/>
+              </a:ext>
+            </a:extLst>
+          </p:cNvPr>
+          <p:cNvGraphicFramePr>
+            <a:graphicFrameLocks noGrp="1"/>
+          </p:cNvGraphicFramePr>
+          <p:nvPr>
+            <p:extLst>
+              <p:ext uri="{D42A27DB-BD31-4B8C-83A1-F6EECF244321}">
+                <p14:modId xmlns:p14="http://schemas.microsoft.com/office/powerpoint/2010/main" val="3566531667"/>
+              </p:ext>
+            </p:extLst>
+          </p:nvPr>
+        </p:nvGraphicFramePr>
+        <p:xfrm>
+          <a:off x="486493" y="1439659"/>
+          <a:ext cx="2071178" cy="410363"/>
+        </p:xfrm>
+        <a:graphic>
+          <a:graphicData uri="http://schemas.openxmlformats.org/drawingml/2006/table">
+            <a:tbl>
+              <a:tblPr>
+                <a:tableStyleId>{638B1855-1B75-4FBE-930C-398BA8C253C6}</a:tableStyleId>
+              </a:tblPr>
+              <a:tblGrid>
+                <a:gridCol w="2071178">
+                  <a:extLst>
+                    <a:ext uri="{9D8B030D-6E8A-4147-A177-3AD203B41FA5}">
+                      <a16:colId xmlns:a16="http://schemas.microsoft.com/office/drawing/2014/main" val="4240773277"/>
+                    </a:ext>
+                  </a:extLst>
+                </a:gridCol>
+              </a:tblGrid>
+              <a:tr h="410363">
+                <a:tc>
+                  <a:txBody>
+                    <a:bodyPr/>
+                    <a:lstStyle/>
+                    <a:p>
+                      <a:r>
+                        <a:rPr lang="en-SG" u="sng" dirty="0"/>
+                        <a:t>et0:</a:t>
+                      </a:r>
+                      <a:r>
+                        <a:rPr lang="en-SG" sz="1800" u="sng" dirty="0"/>
+                        <a:t>ExpenseTracker</a:t>
+                      </a:r>
+                      <a:endParaRPr lang="en-SG" sz="1600" u="sng" dirty="0"/>
+                    </a:p>
+                  </a:txBody>
+                  <a:tcPr/>
+                </a:tc>
+                <a:extLst>
+                  <a:ext uri="{0D108BD9-81ED-4DB2-BD59-A6C34878D82A}">
+                    <a16:rowId xmlns:a16="http://schemas.microsoft.com/office/drawing/2014/main" val="2194462629"/>
+                  </a:ext>
+                </a:extLst>
+              </a:tr>
+            </a:tbl>
+          </a:graphicData>
+        </a:graphic>
+      </p:graphicFrame>
+      <p:graphicFrame>
+        <p:nvGraphicFramePr>
+          <p:cNvPr id="34" name="Table 33">
+            <a:extLst>
+              <a:ext uri="{FF2B5EF4-FFF2-40B4-BE49-F238E27FC236}">
+                <a16:creationId xmlns:a16="http://schemas.microsoft.com/office/drawing/2014/main" id="{3C895EA8-FE01-4913-96A5-E25587006FF1}"/>
+              </a:ext>
+            </a:extLst>
+          </p:cNvPr>
+          <p:cNvGraphicFramePr>
+            <a:graphicFrameLocks noGrp="1"/>
+          </p:cNvGraphicFramePr>
+          <p:nvPr>
+            <p:extLst>
+              <p:ext uri="{D42A27DB-BD31-4B8C-83A1-F6EECF244321}">
+                <p14:modId xmlns:p14="http://schemas.microsoft.com/office/powerpoint/2010/main" val="318532409"/>
+              </p:ext>
+            </p:extLst>
+          </p:nvPr>
+        </p:nvGraphicFramePr>
+        <p:xfrm>
+          <a:off x="2686351" y="1442974"/>
+          <a:ext cx="2071178" cy="410363"/>
+        </p:xfrm>
+        <a:graphic>
+          <a:graphicData uri="http://schemas.openxmlformats.org/drawingml/2006/table">
+            <a:tbl>
+              <a:tblPr>
+                <a:tableStyleId>{638B1855-1B75-4FBE-930C-398BA8C253C6}</a:tableStyleId>
+              </a:tblPr>
+              <a:tblGrid>
+                <a:gridCol w="2071178">
+                  <a:extLst>
+                    <a:ext uri="{9D8B030D-6E8A-4147-A177-3AD203B41FA5}">
+                      <a16:colId xmlns:a16="http://schemas.microsoft.com/office/drawing/2014/main" val="4240773277"/>
+                    </a:ext>
+                  </a:extLst>
+                </a:gridCol>
+              </a:tblGrid>
+              <a:tr h="410363">
+                <a:tc>
+                  <a:txBody>
+                    <a:bodyPr/>
+                    <a:lstStyle/>
+                    <a:p>
+                      <a:r>
+                        <a:rPr lang="en-SG" u="sng" dirty="0"/>
+                        <a:t>et1:</a:t>
+                      </a:r>
+                      <a:r>
+                        <a:rPr lang="en-SG" sz="1800" u="sng" dirty="0"/>
+                        <a:t>ExpenseTracker</a:t>
+                      </a:r>
+                      <a:endParaRPr lang="en-SG" sz="1600" u="sng" dirty="0"/>
+                    </a:p>
+                  </a:txBody>
+                  <a:tcPr/>
+                </a:tc>
+                <a:extLst>
+                  <a:ext uri="{0D108BD9-81ED-4DB2-BD59-A6C34878D82A}">
+                    <a16:rowId xmlns:a16="http://schemas.microsoft.com/office/drawing/2014/main" val="2194462629"/>
+                  </a:ext>
+                </a:extLst>
+              </a:tr>
+            </a:tbl>
+          </a:graphicData>
+        </a:graphic>
+      </p:graphicFrame>
+      <p:graphicFrame>
+        <p:nvGraphicFramePr>
+          <p:cNvPr id="35" name="Table 34">
+            <a:extLst>
+              <a:ext uri="{FF2B5EF4-FFF2-40B4-BE49-F238E27FC236}">
+                <a16:creationId xmlns:a16="http://schemas.microsoft.com/office/drawing/2014/main" id="{890CF8CA-43F8-4C08-8F4F-93985A679874}"/>
+              </a:ext>
+            </a:extLst>
+          </p:cNvPr>
+          <p:cNvGraphicFramePr>
+            <a:graphicFrameLocks noGrp="1"/>
+          </p:cNvGraphicFramePr>
+          <p:nvPr>
+            <p:extLst>
+              <p:ext uri="{D42A27DB-BD31-4B8C-83A1-F6EECF244321}">
+                <p14:modId xmlns:p14="http://schemas.microsoft.com/office/powerpoint/2010/main" val="2937457726"/>
+              </p:ext>
+            </p:extLst>
+          </p:nvPr>
+        </p:nvGraphicFramePr>
+        <p:xfrm>
+          <a:off x="489808" y="3917812"/>
+          <a:ext cx="2071178" cy="410363"/>
+        </p:xfrm>
+        <a:graphic>
+          <a:graphicData uri="http://schemas.openxmlformats.org/drawingml/2006/table">
+            <a:tbl>
+              <a:tblPr>
+                <a:tableStyleId>{638B1855-1B75-4FBE-930C-398BA8C253C6}</a:tableStyleId>
+              </a:tblPr>
+              <a:tblGrid>
+                <a:gridCol w="2071178">
+                  <a:extLst>
+                    <a:ext uri="{9D8B030D-6E8A-4147-A177-3AD203B41FA5}">
+                      <a16:colId xmlns:a16="http://schemas.microsoft.com/office/drawing/2014/main" val="4240773277"/>
+                    </a:ext>
+                  </a:extLst>
+                </a:gridCol>
+              </a:tblGrid>
+              <a:tr h="410363">
+                <a:tc>
+                  <a:txBody>
+                    <a:bodyPr/>
+                    <a:lstStyle/>
+                    <a:p>
+                      <a:r>
+                        <a:rPr lang="en-SG" u="sng" dirty="0"/>
+                        <a:t>et0:</a:t>
+                      </a:r>
+                      <a:r>
+                        <a:rPr lang="en-SG" sz="1800" u="sng" dirty="0"/>
+                        <a:t>ExpenseTracker</a:t>
+                      </a:r>
+                      <a:endParaRPr lang="en-SG" sz="1600" u="sng" dirty="0"/>
+                    </a:p>
+                  </a:txBody>
+                  <a:tcPr/>
+                </a:tc>
+                <a:extLst>
+                  <a:ext uri="{0D108BD9-81ED-4DB2-BD59-A6C34878D82A}">
+                    <a16:rowId xmlns:a16="http://schemas.microsoft.com/office/drawing/2014/main" val="2194462629"/>
+                  </a:ext>
+                </a:extLst>
+              </a:tr>
+            </a:tbl>
+          </a:graphicData>
+        </a:graphic>
+      </p:graphicFrame>
+      <p:graphicFrame>
+        <p:nvGraphicFramePr>
+          <p:cNvPr id="36" name="Table 35">
+            <a:extLst>
+              <a:ext uri="{FF2B5EF4-FFF2-40B4-BE49-F238E27FC236}">
+                <a16:creationId xmlns:a16="http://schemas.microsoft.com/office/drawing/2014/main" id="{CB099D81-E3E7-4F56-A304-3ED99994FE2D}"/>
+              </a:ext>
+            </a:extLst>
+          </p:cNvPr>
+          <p:cNvGraphicFramePr>
+            <a:graphicFrameLocks noGrp="1"/>
+          </p:cNvGraphicFramePr>
+          <p:nvPr>
+            <p:extLst>
+              <p:ext uri="{D42A27DB-BD31-4B8C-83A1-F6EECF244321}">
+                <p14:modId xmlns:p14="http://schemas.microsoft.com/office/powerpoint/2010/main" val="3022061934"/>
+              </p:ext>
+            </p:extLst>
+          </p:nvPr>
+        </p:nvGraphicFramePr>
+        <p:xfrm>
+          <a:off x="2689666" y="3921127"/>
+          <a:ext cx="2071178" cy="410363"/>
+        </p:xfrm>
+        <a:graphic>
+          <a:graphicData uri="http://schemas.openxmlformats.org/drawingml/2006/table">
+            <a:tbl>
+              <a:tblPr>
+                <a:tableStyleId>{638B1855-1B75-4FBE-930C-398BA8C253C6}</a:tableStyleId>
+              </a:tblPr>
+              <a:tblGrid>
+                <a:gridCol w="2071178">
+                  <a:extLst>
+                    <a:ext uri="{9D8B030D-6E8A-4147-A177-3AD203B41FA5}">
+                      <a16:colId xmlns:a16="http://schemas.microsoft.com/office/drawing/2014/main" val="4240773277"/>
+                    </a:ext>
+                  </a:extLst>
+                </a:gridCol>
+              </a:tblGrid>
+              <a:tr h="410363">
+                <a:tc>
+                  <a:txBody>
+                    <a:bodyPr/>
+                    <a:lstStyle/>
+                    <a:p>
+                      <a:r>
+                        <a:rPr lang="en-SG" u="sng" dirty="0"/>
+                        <a:t>et1:</a:t>
+                      </a:r>
+                      <a:r>
+                        <a:rPr lang="en-SG" sz="1800" u="sng" dirty="0"/>
+                        <a:t>ExpenseTracker</a:t>
+                      </a:r>
+                      <a:endParaRPr lang="en-SG" sz="1600" u="sng" dirty="0"/>
+                    </a:p>
+                  </a:txBody>
+                  <a:tcPr/>
+                </a:tc>
+                <a:extLst>
+                  <a:ext uri="{0D108BD9-81ED-4DB2-BD59-A6C34878D82A}">
+                    <a16:rowId xmlns:a16="http://schemas.microsoft.com/office/drawing/2014/main" val="2194462629"/>
+                  </a:ext>
+                </a:extLst>
+              </a:tr>
+            </a:tbl>
+          </a:graphicData>
+        </a:graphic>
+      </p:graphicFrame>
+      <p:graphicFrame>
+        <p:nvGraphicFramePr>
+          <p:cNvPr id="39" name="Table 38">
+            <a:extLst>
+              <a:ext uri="{FF2B5EF4-FFF2-40B4-BE49-F238E27FC236}">
+                <a16:creationId xmlns:a16="http://schemas.microsoft.com/office/drawing/2014/main" id="{DB516969-6F47-482B-8B87-22009B4F1AA9}"/>
+              </a:ext>
+            </a:extLst>
+          </p:cNvPr>
+          <p:cNvGraphicFramePr>
+            <a:graphicFrameLocks noGrp="1"/>
+          </p:cNvGraphicFramePr>
+          <p:nvPr>
+            <p:extLst>
+              <p:ext uri="{D42A27DB-BD31-4B8C-83A1-F6EECF244321}">
+                <p14:modId xmlns:p14="http://schemas.microsoft.com/office/powerpoint/2010/main" val="1935800516"/>
+              </p:ext>
+            </p:extLst>
+          </p:nvPr>
+        </p:nvGraphicFramePr>
+        <p:xfrm>
+          <a:off x="4909407" y="3924442"/>
+          <a:ext cx="2071178" cy="410363"/>
+        </p:xfrm>
+        <a:graphic>
+          <a:graphicData uri="http://schemas.openxmlformats.org/drawingml/2006/table">
+            <a:tbl>
+              <a:tblPr>
+                <a:tableStyleId>{638B1855-1B75-4FBE-930C-398BA8C253C6}</a:tableStyleId>
+              </a:tblPr>
+              <a:tblGrid>
+                <a:gridCol w="2071178">
+                  <a:extLst>
+                    <a:ext uri="{9D8B030D-6E8A-4147-A177-3AD203B41FA5}">
+                      <a16:colId xmlns:a16="http://schemas.microsoft.com/office/drawing/2014/main" val="4240773277"/>
+                    </a:ext>
+                  </a:extLst>
+                </a:gridCol>
+              </a:tblGrid>
+              <a:tr h="410363">
+                <a:tc>
+                  <a:txBody>
+                    <a:bodyPr/>
+                    <a:lstStyle/>
+                    <a:p>
+                      <a:r>
+                        <a:rPr lang="en-SG" u="sng" dirty="0"/>
+                        <a:t>et2:</a:t>
+                      </a:r>
+                      <a:r>
+                        <a:rPr lang="en-SG" sz="1800" u="sng" dirty="0"/>
+                        <a:t>ExpenseTracker</a:t>
+                      </a:r>
+                      <a:endParaRPr lang="en-SG" sz="1600" u="sng" dirty="0"/>
+                    </a:p>
+                  </a:txBody>
+                  <a:tcPr/>
+                </a:tc>
+                <a:extLst>
+                  <a:ext uri="{0D108BD9-81ED-4DB2-BD59-A6C34878D82A}">
+                    <a16:rowId xmlns:a16="http://schemas.microsoft.com/office/drawing/2014/main" val="2194462629"/>
+                  </a:ext>
+                </a:extLst>
+              </a:tr>
+            </a:tbl>
+          </a:graphicData>
+        </a:graphic>
+      </p:graphicFrame>
     </p:spTree>
     <p:extLst>
       <p:ext uri="{BB962C8B-B14F-4D97-AF65-F5344CB8AC3E}">

--- a/docs/diagrams/UndoRedoNewCommand2StateListDiagram.pptx
+++ b/docs/diagrams/UndoRedoNewCommand2StateListDiagram.pptx
@@ -112,10 +112,6 @@
 </p:presentation>
 </file>
 
-<file path=ppt/revisionInfo.xml><?xml version="1.0" encoding="utf-8"?>
-<p1510:revInfo xmlns:a="http://schemas.openxmlformats.org/drawingml/2006/main" xmlns:r="http://schemas.openxmlformats.org/officeDocument/2006/relationships" xmlns:p1510="http://schemas.microsoft.com/office/powerpoint/2015/10/main"/>
-</file>
-
 <file path=ppt/slideLayouts/slideLayout1.xml><?xml version="1.0" encoding="utf-8"?>
 <p:sldLayout xmlns:a="http://schemas.openxmlformats.org/drawingml/2006/main" xmlns:r="http://schemas.openxmlformats.org/officeDocument/2006/relationships" xmlns:p="http://schemas.openxmlformats.org/presentationml/2006/main" type="title" preserve="1">
   <p:cSld name="Title Slide">
@@ -265,7 +261,7 @@
           <a:p>
             <a:fld id="{03EC4E3E-8101-482F-A883-8B55DAFF7C07}" type="datetimeFigureOut">
               <a:rPr lang="en-SG" smtClean="0"/>
-              <a:t>6/7/2018</a:t>
+              <a:t>12/11/2018</a:t>
             </a:fld>
             <a:endParaRPr lang="en-SG"/>
           </a:p>
@@ -465,7 +461,7 @@
           <a:p>
             <a:fld id="{03EC4E3E-8101-482F-A883-8B55DAFF7C07}" type="datetimeFigureOut">
               <a:rPr lang="en-SG" smtClean="0"/>
-              <a:t>6/7/2018</a:t>
+              <a:t>12/11/2018</a:t>
             </a:fld>
             <a:endParaRPr lang="en-SG"/>
           </a:p>
@@ -675,7 +671,7 @@
           <a:p>
             <a:fld id="{03EC4E3E-8101-482F-A883-8B55DAFF7C07}" type="datetimeFigureOut">
               <a:rPr lang="en-SG" smtClean="0"/>
-              <a:t>6/7/2018</a:t>
+              <a:t>12/11/2018</a:t>
             </a:fld>
             <a:endParaRPr lang="en-SG"/>
           </a:p>
@@ -875,7 +871,7 @@
           <a:p>
             <a:fld id="{03EC4E3E-8101-482F-A883-8B55DAFF7C07}" type="datetimeFigureOut">
               <a:rPr lang="en-SG" smtClean="0"/>
-              <a:t>6/7/2018</a:t>
+              <a:t>12/11/2018</a:t>
             </a:fld>
             <a:endParaRPr lang="en-SG"/>
           </a:p>
@@ -1151,7 +1147,7 @@
           <a:p>
             <a:fld id="{03EC4E3E-8101-482F-A883-8B55DAFF7C07}" type="datetimeFigureOut">
               <a:rPr lang="en-SG" smtClean="0"/>
-              <a:t>6/7/2018</a:t>
+              <a:t>12/11/2018</a:t>
             </a:fld>
             <a:endParaRPr lang="en-SG"/>
           </a:p>
@@ -1419,7 +1415,7 @@
           <a:p>
             <a:fld id="{03EC4E3E-8101-482F-A883-8B55DAFF7C07}" type="datetimeFigureOut">
               <a:rPr lang="en-SG" smtClean="0"/>
-              <a:t>6/7/2018</a:t>
+              <a:t>12/11/2018</a:t>
             </a:fld>
             <a:endParaRPr lang="en-SG"/>
           </a:p>
@@ -1834,7 +1830,7 @@
           <a:p>
             <a:fld id="{03EC4E3E-8101-482F-A883-8B55DAFF7C07}" type="datetimeFigureOut">
               <a:rPr lang="en-SG" smtClean="0"/>
-              <a:t>6/7/2018</a:t>
+              <a:t>12/11/2018</a:t>
             </a:fld>
             <a:endParaRPr lang="en-SG"/>
           </a:p>
@@ -1976,7 +1972,7 @@
           <a:p>
             <a:fld id="{03EC4E3E-8101-482F-A883-8B55DAFF7C07}" type="datetimeFigureOut">
               <a:rPr lang="en-SG" smtClean="0"/>
-              <a:t>6/7/2018</a:t>
+              <a:t>12/11/2018</a:t>
             </a:fld>
             <a:endParaRPr lang="en-SG"/>
           </a:p>
@@ -2089,7 +2085,7 @@
           <a:p>
             <a:fld id="{03EC4E3E-8101-482F-A883-8B55DAFF7C07}" type="datetimeFigureOut">
               <a:rPr lang="en-SG" smtClean="0"/>
-              <a:t>6/7/2018</a:t>
+              <a:t>12/11/2018</a:t>
             </a:fld>
             <a:endParaRPr lang="en-SG"/>
           </a:p>
@@ -2402,7 +2398,7 @@
           <a:p>
             <a:fld id="{03EC4E3E-8101-482F-A883-8B55DAFF7C07}" type="datetimeFigureOut">
               <a:rPr lang="en-SG" smtClean="0"/>
-              <a:t>6/7/2018</a:t>
+              <a:t>12/11/2018</a:t>
             </a:fld>
             <a:endParaRPr lang="en-SG"/>
           </a:p>
@@ -2691,7 +2687,7 @@
           <a:p>
             <a:fld id="{03EC4E3E-8101-482F-A883-8B55DAFF7C07}" type="datetimeFigureOut">
               <a:rPr lang="en-SG" smtClean="0"/>
-              <a:t>6/7/2018</a:t>
+              <a:t>12/11/2018</a:t>
             </a:fld>
             <a:endParaRPr lang="en-SG"/>
           </a:p>
@@ -2934,7 +2930,7 @@
           <a:p>
             <a:fld id="{03EC4E3E-8101-482F-A883-8B55DAFF7C07}" type="datetimeFigureOut">
               <a:rPr lang="en-SG" smtClean="0"/>
-              <a:t>6/7/2018</a:t>
+              <a:t>12/11/2018</a:t>
             </a:fld>
             <a:endParaRPr lang="en-SG"/>
           </a:p>
@@ -3486,11 +3482,7 @@
                     <a:p>
                       <a:r>
                         <a:rPr lang="en-SG" u="sng" dirty="0"/>
-                        <a:t>ab0:A</a:t>
-                      </a:r>
-                      <a:r>
-                        <a:rPr lang="en-SG" sz="1800" u="sng" dirty="0"/>
-                        <a:t>ddressBook</a:t>
+                        <a:t>tp0:ThanePark</a:t>
                       </a:r>
                       <a:endParaRPr lang="en-SG" sz="1600" u="sng" dirty="0"/>
                     </a:p>
@@ -3690,11 +3682,7 @@
                     <a:p>
                       <a:r>
                         <a:rPr lang="en-SG" u="sng" dirty="0"/>
-                        <a:t>ab1:A</a:t>
-                      </a:r>
-                      <a:r>
-                        <a:rPr lang="en-SG" sz="1800" u="sng" dirty="0"/>
-                        <a:t>ddressBook</a:t>
+                        <a:t>tp1:ThanePark</a:t>
                       </a:r>
                       <a:endParaRPr lang="en-SG" sz="1600" u="sng" dirty="0"/>
                     </a:p>
@@ -3757,12 +3745,8 @@
                     <a:lstStyle/>
                     <a:p>
                       <a:r>
-                        <a:rPr lang="en-SG" u="sng"/>
-                        <a:t>ab2:A</a:t>
-                      </a:r>
-                      <a:r>
-                        <a:rPr lang="en-SG" sz="1800" u="sng"/>
-                        <a:t>ddressBook</a:t>
+                        <a:rPr lang="en-SG" u="sng" dirty="0"/>
+                        <a:t>tp2:ThanePark</a:t>
                       </a:r>
                       <a:endParaRPr lang="en-SG" sz="1600" u="sng" dirty="0"/>
                     </a:p>
@@ -3826,11 +3810,7 @@
                     <a:p>
                       <a:r>
                         <a:rPr lang="en-SG" u="sng" dirty="0"/>
-                        <a:t>ab1:A</a:t>
-                      </a:r>
-                      <a:r>
-                        <a:rPr lang="en-SG" sz="1800" u="sng" dirty="0"/>
-                        <a:t>ddressBook</a:t>
+                        <a:t>tp1:ThanePark</a:t>
                       </a:r>
                       <a:endParaRPr lang="en-SG" sz="1600" u="sng" dirty="0"/>
                     </a:p>
@@ -3894,11 +3874,7 @@
                     <a:p>
                       <a:r>
                         <a:rPr lang="en-SG" u="sng" dirty="0"/>
-                        <a:t>ab0:A</a:t>
-                      </a:r>
-                      <a:r>
-                        <a:rPr lang="en-SG" sz="1800" u="sng" dirty="0"/>
-                        <a:t>ddressBook</a:t>
+                        <a:t>tp0:ThanePark</a:t>
                       </a:r>
                       <a:endParaRPr lang="en-SG" sz="1600" u="sng" dirty="0"/>
                     </a:p>
